--- a/docs/Video Anomaly Detection – Design Notes.pptx
+++ b/docs/Video Anomaly Detection – Design Notes.pptx
@@ -5,30 +5,36 @@
     <p:sldMasterId id="2147483648" r:id="rId1"/>
   </p:sldMasterIdLst>
   <p:notesMasterIdLst>
-    <p:notesMasterId r:id="rId23"/>
+    <p:notesMasterId r:id="rId29"/>
   </p:notesMasterIdLst>
   <p:sldIdLst>
     <p:sldId id="375" r:id="rId2"/>
     <p:sldId id="389" r:id="rId3"/>
     <p:sldId id="390" r:id="rId4"/>
     <p:sldId id="391" r:id="rId5"/>
-    <p:sldId id="368" r:id="rId6"/>
-    <p:sldId id="329" r:id="rId7"/>
-    <p:sldId id="381" r:id="rId8"/>
-    <p:sldId id="380" r:id="rId9"/>
-    <p:sldId id="357" r:id="rId10"/>
-    <p:sldId id="365" r:id="rId11"/>
-    <p:sldId id="344" r:id="rId12"/>
-    <p:sldId id="361" r:id="rId13"/>
-    <p:sldId id="348" r:id="rId14"/>
-    <p:sldId id="301" r:id="rId15"/>
-    <p:sldId id="386" r:id="rId16"/>
-    <p:sldId id="293" r:id="rId17"/>
-    <p:sldId id="387" r:id="rId18"/>
-    <p:sldId id="388" r:id="rId19"/>
-    <p:sldId id="382" r:id="rId20"/>
-    <p:sldId id="383" r:id="rId21"/>
-    <p:sldId id="354" r:id="rId22"/>
+    <p:sldId id="393" r:id="rId6"/>
+    <p:sldId id="397" r:id="rId7"/>
+    <p:sldId id="392" r:id="rId8"/>
+    <p:sldId id="394" r:id="rId9"/>
+    <p:sldId id="396" r:id="rId10"/>
+    <p:sldId id="395" r:id="rId11"/>
+    <p:sldId id="368" r:id="rId12"/>
+    <p:sldId id="329" r:id="rId13"/>
+    <p:sldId id="381" r:id="rId14"/>
+    <p:sldId id="380" r:id="rId15"/>
+    <p:sldId id="357" r:id="rId16"/>
+    <p:sldId id="365" r:id="rId17"/>
+    <p:sldId id="344" r:id="rId18"/>
+    <p:sldId id="361" r:id="rId19"/>
+    <p:sldId id="348" r:id="rId20"/>
+    <p:sldId id="301" r:id="rId21"/>
+    <p:sldId id="386" r:id="rId22"/>
+    <p:sldId id="293" r:id="rId23"/>
+    <p:sldId id="387" r:id="rId24"/>
+    <p:sldId id="388" r:id="rId25"/>
+    <p:sldId id="382" r:id="rId26"/>
+    <p:sldId id="383" r:id="rId27"/>
+    <p:sldId id="354" r:id="rId28"/>
   </p:sldIdLst>
   <p:sldSz cx="12192000" cy="6858000"/>
   <p:notesSz cx="6858000" cy="9144000"/>
@@ -1792,6 +1798,2935 @@
 </cs:chartStyle>
 </file>
 
+<file path=ppt/diagrams/colors1.xml><?xml version="1.0" encoding="utf-8"?>
+<dgm:colorsDef xmlns:dgm="http://schemas.openxmlformats.org/drawingml/2006/diagram" xmlns:a="http://schemas.openxmlformats.org/drawingml/2006/main" uniqueId="urn:microsoft.com/office/officeart/2005/8/colors/accent3_2">
+  <dgm:title val=""/>
+  <dgm:desc val=""/>
+  <dgm:catLst>
+    <dgm:cat type="accent3" pri="11200"/>
+  </dgm:catLst>
+  <dgm:styleLbl name="node0">
+    <dgm:fillClrLst meth="repeat">
+      <a:schemeClr val="accent3"/>
+    </dgm:fillClrLst>
+    <dgm:linClrLst meth="repeat">
+      <a:schemeClr val="lt1"/>
+    </dgm:linClrLst>
+    <dgm:effectClrLst/>
+    <dgm:txLinClrLst/>
+    <dgm:txFillClrLst/>
+    <dgm:txEffectClrLst/>
+  </dgm:styleLbl>
+  <dgm:styleLbl name="node1">
+    <dgm:fillClrLst meth="repeat">
+      <a:schemeClr val="accent3"/>
+    </dgm:fillClrLst>
+    <dgm:linClrLst meth="repeat">
+      <a:schemeClr val="lt1"/>
+    </dgm:linClrLst>
+    <dgm:effectClrLst/>
+    <dgm:txLinClrLst/>
+    <dgm:txFillClrLst/>
+    <dgm:txEffectClrLst/>
+  </dgm:styleLbl>
+  <dgm:styleLbl name="alignNode1">
+    <dgm:fillClrLst meth="repeat">
+      <a:schemeClr val="accent3"/>
+    </dgm:fillClrLst>
+    <dgm:linClrLst meth="repeat">
+      <a:schemeClr val="accent3"/>
+    </dgm:linClrLst>
+    <dgm:effectClrLst/>
+    <dgm:txLinClrLst/>
+    <dgm:txFillClrLst/>
+    <dgm:txEffectClrLst/>
+  </dgm:styleLbl>
+  <dgm:styleLbl name="lnNode1">
+    <dgm:fillClrLst meth="repeat">
+      <a:schemeClr val="accent3"/>
+    </dgm:fillClrLst>
+    <dgm:linClrLst meth="repeat">
+      <a:schemeClr val="lt1"/>
+    </dgm:linClrLst>
+    <dgm:effectClrLst/>
+    <dgm:txLinClrLst/>
+    <dgm:txFillClrLst/>
+    <dgm:txEffectClrLst/>
+  </dgm:styleLbl>
+  <dgm:styleLbl name="vennNode1">
+    <dgm:fillClrLst meth="repeat">
+      <a:schemeClr val="accent3">
+        <a:alpha val="50000"/>
+      </a:schemeClr>
+    </dgm:fillClrLst>
+    <dgm:linClrLst meth="repeat">
+      <a:schemeClr val="lt1"/>
+    </dgm:linClrLst>
+    <dgm:effectClrLst/>
+    <dgm:txLinClrLst/>
+    <dgm:txFillClrLst/>
+    <dgm:txEffectClrLst/>
+  </dgm:styleLbl>
+  <dgm:styleLbl name="node2">
+    <dgm:fillClrLst meth="repeat">
+      <a:schemeClr val="accent3"/>
+    </dgm:fillClrLst>
+    <dgm:linClrLst meth="repeat">
+      <a:schemeClr val="lt1"/>
+    </dgm:linClrLst>
+    <dgm:effectClrLst/>
+    <dgm:txLinClrLst/>
+    <dgm:txFillClrLst/>
+    <dgm:txEffectClrLst/>
+  </dgm:styleLbl>
+  <dgm:styleLbl name="node3">
+    <dgm:fillClrLst meth="repeat">
+      <a:schemeClr val="accent3"/>
+    </dgm:fillClrLst>
+    <dgm:linClrLst meth="repeat">
+      <a:schemeClr val="lt1"/>
+    </dgm:linClrLst>
+    <dgm:effectClrLst/>
+    <dgm:txLinClrLst/>
+    <dgm:txFillClrLst/>
+    <dgm:txEffectClrLst/>
+  </dgm:styleLbl>
+  <dgm:styleLbl name="node4">
+    <dgm:fillClrLst meth="repeat">
+      <a:schemeClr val="accent3"/>
+    </dgm:fillClrLst>
+    <dgm:linClrLst meth="repeat">
+      <a:schemeClr val="lt1"/>
+    </dgm:linClrLst>
+    <dgm:effectClrLst/>
+    <dgm:txLinClrLst/>
+    <dgm:txFillClrLst/>
+    <dgm:txEffectClrLst/>
+  </dgm:styleLbl>
+  <dgm:styleLbl name="fgImgPlace1">
+    <dgm:fillClrLst meth="repeat">
+      <a:schemeClr val="accent3">
+        <a:tint val="50000"/>
+      </a:schemeClr>
+    </dgm:fillClrLst>
+    <dgm:linClrLst meth="repeat">
+      <a:schemeClr val="lt1"/>
+    </dgm:linClrLst>
+    <dgm:effectClrLst/>
+    <dgm:txLinClrLst/>
+    <dgm:txFillClrLst meth="repeat">
+      <a:schemeClr val="lt1"/>
+    </dgm:txFillClrLst>
+    <dgm:txEffectClrLst/>
+  </dgm:styleLbl>
+  <dgm:styleLbl name="alignImgPlace1">
+    <dgm:fillClrLst meth="repeat">
+      <a:schemeClr val="accent3">
+        <a:tint val="50000"/>
+      </a:schemeClr>
+    </dgm:fillClrLst>
+    <dgm:linClrLst meth="repeat">
+      <a:schemeClr val="lt1"/>
+    </dgm:linClrLst>
+    <dgm:effectClrLst/>
+    <dgm:txLinClrLst/>
+    <dgm:txFillClrLst meth="repeat">
+      <a:schemeClr val="lt1"/>
+    </dgm:txFillClrLst>
+    <dgm:txEffectClrLst/>
+  </dgm:styleLbl>
+  <dgm:styleLbl name="bgImgPlace1">
+    <dgm:fillClrLst meth="repeat">
+      <a:schemeClr val="accent3">
+        <a:tint val="50000"/>
+      </a:schemeClr>
+    </dgm:fillClrLst>
+    <dgm:linClrLst meth="repeat">
+      <a:schemeClr val="lt1"/>
+    </dgm:linClrLst>
+    <dgm:effectClrLst/>
+    <dgm:txLinClrLst/>
+    <dgm:txFillClrLst meth="repeat">
+      <a:schemeClr val="lt1"/>
+    </dgm:txFillClrLst>
+    <dgm:txEffectClrLst/>
+  </dgm:styleLbl>
+  <dgm:styleLbl name="sibTrans2D1">
+    <dgm:fillClrLst meth="repeat">
+      <a:schemeClr val="accent3">
+        <a:tint val="60000"/>
+      </a:schemeClr>
+    </dgm:fillClrLst>
+    <dgm:linClrLst meth="repeat">
+      <a:schemeClr val="accent3">
+        <a:tint val="60000"/>
+      </a:schemeClr>
+    </dgm:linClrLst>
+    <dgm:effectClrLst/>
+    <dgm:txLinClrLst/>
+    <dgm:txFillClrLst/>
+    <dgm:txEffectClrLst/>
+  </dgm:styleLbl>
+  <dgm:styleLbl name="fgSibTrans2D1">
+    <dgm:fillClrLst meth="repeat">
+      <a:schemeClr val="accent3">
+        <a:tint val="60000"/>
+      </a:schemeClr>
+    </dgm:fillClrLst>
+    <dgm:linClrLst meth="repeat">
+      <a:schemeClr val="accent3">
+        <a:tint val="60000"/>
+      </a:schemeClr>
+    </dgm:linClrLst>
+    <dgm:effectClrLst/>
+    <dgm:txLinClrLst/>
+    <dgm:txFillClrLst/>
+    <dgm:txEffectClrLst/>
+  </dgm:styleLbl>
+  <dgm:styleLbl name="bgSibTrans2D1">
+    <dgm:fillClrLst meth="repeat">
+      <a:schemeClr val="accent3">
+        <a:tint val="60000"/>
+      </a:schemeClr>
+    </dgm:fillClrLst>
+    <dgm:linClrLst meth="repeat">
+      <a:schemeClr val="accent3">
+        <a:tint val="60000"/>
+      </a:schemeClr>
+    </dgm:linClrLst>
+    <dgm:effectClrLst/>
+    <dgm:txLinClrLst/>
+    <dgm:txFillClrLst/>
+    <dgm:txEffectClrLst/>
+  </dgm:styleLbl>
+  <dgm:styleLbl name="sibTrans1D1">
+    <dgm:fillClrLst meth="repeat">
+      <a:schemeClr val="accent3"/>
+    </dgm:fillClrLst>
+    <dgm:linClrLst meth="repeat">
+      <a:schemeClr val="accent3"/>
+    </dgm:linClrLst>
+    <dgm:effectClrLst/>
+    <dgm:txLinClrLst/>
+    <dgm:txFillClrLst meth="repeat">
+      <a:schemeClr val="tx1"/>
+    </dgm:txFillClrLst>
+    <dgm:txEffectClrLst/>
+  </dgm:styleLbl>
+  <dgm:styleLbl name="callout">
+    <dgm:fillClrLst meth="repeat">
+      <a:schemeClr val="accent3"/>
+    </dgm:fillClrLst>
+    <dgm:linClrLst meth="repeat">
+      <a:schemeClr val="accent3">
+        <a:tint val="50000"/>
+      </a:schemeClr>
+    </dgm:linClrLst>
+    <dgm:effectClrLst/>
+    <dgm:txLinClrLst/>
+    <dgm:txFillClrLst meth="repeat">
+      <a:schemeClr val="tx1"/>
+    </dgm:txFillClrLst>
+    <dgm:txEffectClrLst/>
+  </dgm:styleLbl>
+  <dgm:styleLbl name="asst0">
+    <dgm:fillClrLst meth="repeat">
+      <a:schemeClr val="accent3"/>
+    </dgm:fillClrLst>
+    <dgm:linClrLst meth="repeat">
+      <a:schemeClr val="lt1"/>
+    </dgm:linClrLst>
+    <dgm:effectClrLst/>
+    <dgm:txLinClrLst/>
+    <dgm:txFillClrLst/>
+    <dgm:txEffectClrLst/>
+  </dgm:styleLbl>
+  <dgm:styleLbl name="asst1">
+    <dgm:fillClrLst meth="repeat">
+      <a:schemeClr val="accent3"/>
+    </dgm:fillClrLst>
+    <dgm:linClrLst meth="repeat">
+      <a:schemeClr val="lt1"/>
+    </dgm:linClrLst>
+    <dgm:effectClrLst/>
+    <dgm:txLinClrLst/>
+    <dgm:txFillClrLst/>
+    <dgm:txEffectClrLst/>
+  </dgm:styleLbl>
+  <dgm:styleLbl name="asst2">
+    <dgm:fillClrLst meth="repeat">
+      <a:schemeClr val="accent3"/>
+    </dgm:fillClrLst>
+    <dgm:linClrLst meth="repeat">
+      <a:schemeClr val="lt1"/>
+    </dgm:linClrLst>
+    <dgm:effectClrLst/>
+    <dgm:txLinClrLst/>
+    <dgm:txFillClrLst/>
+    <dgm:txEffectClrLst/>
+  </dgm:styleLbl>
+  <dgm:styleLbl name="asst3">
+    <dgm:fillClrLst meth="repeat">
+      <a:schemeClr val="accent3"/>
+    </dgm:fillClrLst>
+    <dgm:linClrLst meth="repeat">
+      <a:schemeClr val="lt1"/>
+    </dgm:linClrLst>
+    <dgm:effectClrLst/>
+    <dgm:txLinClrLst/>
+    <dgm:txFillClrLst/>
+    <dgm:txEffectClrLst/>
+  </dgm:styleLbl>
+  <dgm:styleLbl name="asst4">
+    <dgm:fillClrLst meth="repeat">
+      <a:schemeClr val="accent3"/>
+    </dgm:fillClrLst>
+    <dgm:linClrLst meth="repeat">
+      <a:schemeClr val="lt1"/>
+    </dgm:linClrLst>
+    <dgm:effectClrLst/>
+    <dgm:txLinClrLst/>
+    <dgm:txFillClrLst/>
+    <dgm:txEffectClrLst/>
+  </dgm:styleLbl>
+  <dgm:styleLbl name="parChTrans2D1">
+    <dgm:fillClrLst meth="repeat">
+      <a:schemeClr val="accent3">
+        <a:tint val="60000"/>
+      </a:schemeClr>
+    </dgm:fillClrLst>
+    <dgm:linClrLst meth="repeat">
+      <a:schemeClr val="accent3">
+        <a:tint val="60000"/>
+      </a:schemeClr>
+    </dgm:linClrLst>
+    <dgm:effectClrLst/>
+    <dgm:txLinClrLst/>
+    <dgm:txFillClrLst meth="repeat">
+      <a:schemeClr val="lt1"/>
+    </dgm:txFillClrLst>
+    <dgm:txEffectClrLst/>
+  </dgm:styleLbl>
+  <dgm:styleLbl name="parChTrans2D2">
+    <dgm:fillClrLst meth="repeat">
+      <a:schemeClr val="accent3"/>
+    </dgm:fillClrLst>
+    <dgm:linClrLst meth="repeat">
+      <a:schemeClr val="accent3"/>
+    </dgm:linClrLst>
+    <dgm:effectClrLst/>
+    <dgm:txLinClrLst/>
+    <dgm:txFillClrLst meth="repeat">
+      <a:schemeClr val="lt1"/>
+    </dgm:txFillClrLst>
+    <dgm:txEffectClrLst/>
+  </dgm:styleLbl>
+  <dgm:styleLbl name="parChTrans2D3">
+    <dgm:fillClrLst meth="repeat">
+      <a:schemeClr val="accent3"/>
+    </dgm:fillClrLst>
+    <dgm:linClrLst meth="repeat">
+      <a:schemeClr val="accent3"/>
+    </dgm:linClrLst>
+    <dgm:effectClrLst/>
+    <dgm:txLinClrLst/>
+    <dgm:txFillClrLst meth="repeat">
+      <a:schemeClr val="lt1"/>
+    </dgm:txFillClrLst>
+    <dgm:txEffectClrLst/>
+  </dgm:styleLbl>
+  <dgm:styleLbl name="parChTrans2D4">
+    <dgm:fillClrLst meth="repeat">
+      <a:schemeClr val="accent3"/>
+    </dgm:fillClrLst>
+    <dgm:linClrLst meth="repeat">
+      <a:schemeClr val="accent3"/>
+    </dgm:linClrLst>
+    <dgm:effectClrLst/>
+    <dgm:txLinClrLst/>
+    <dgm:txFillClrLst meth="repeat">
+      <a:schemeClr val="lt1"/>
+    </dgm:txFillClrLst>
+    <dgm:txEffectClrLst/>
+  </dgm:styleLbl>
+  <dgm:styleLbl name="parChTrans1D1">
+    <dgm:fillClrLst meth="repeat">
+      <a:schemeClr val="accent3"/>
+    </dgm:fillClrLst>
+    <dgm:linClrLst meth="repeat">
+      <a:schemeClr val="accent3">
+        <a:shade val="60000"/>
+      </a:schemeClr>
+    </dgm:linClrLst>
+    <dgm:effectClrLst/>
+    <dgm:txLinClrLst/>
+    <dgm:txFillClrLst meth="repeat">
+      <a:schemeClr val="tx1"/>
+    </dgm:txFillClrLst>
+    <dgm:txEffectClrLst/>
+  </dgm:styleLbl>
+  <dgm:styleLbl name="parChTrans1D2">
+    <dgm:fillClrLst meth="repeat">
+      <a:schemeClr val="accent3"/>
+    </dgm:fillClrLst>
+    <dgm:linClrLst meth="repeat">
+      <a:schemeClr val="accent3">
+        <a:shade val="60000"/>
+      </a:schemeClr>
+    </dgm:linClrLst>
+    <dgm:effectClrLst/>
+    <dgm:txLinClrLst/>
+    <dgm:txFillClrLst meth="repeat">
+      <a:schemeClr val="tx1"/>
+    </dgm:txFillClrLst>
+    <dgm:txEffectClrLst/>
+  </dgm:styleLbl>
+  <dgm:styleLbl name="parChTrans1D3">
+    <dgm:fillClrLst meth="repeat">
+      <a:schemeClr val="accent3"/>
+    </dgm:fillClrLst>
+    <dgm:linClrLst meth="repeat">
+      <a:schemeClr val="accent3">
+        <a:shade val="80000"/>
+      </a:schemeClr>
+    </dgm:linClrLst>
+    <dgm:effectClrLst/>
+    <dgm:txLinClrLst/>
+    <dgm:txFillClrLst meth="repeat">
+      <a:schemeClr val="tx1"/>
+    </dgm:txFillClrLst>
+    <dgm:txEffectClrLst/>
+  </dgm:styleLbl>
+  <dgm:styleLbl name="parChTrans1D4">
+    <dgm:fillClrLst meth="repeat">
+      <a:schemeClr val="accent3"/>
+    </dgm:fillClrLst>
+    <dgm:linClrLst meth="repeat">
+      <a:schemeClr val="accent3">
+        <a:shade val="80000"/>
+      </a:schemeClr>
+    </dgm:linClrLst>
+    <dgm:effectClrLst/>
+    <dgm:txLinClrLst/>
+    <dgm:txFillClrLst meth="repeat">
+      <a:schemeClr val="tx1"/>
+    </dgm:txFillClrLst>
+    <dgm:txEffectClrLst/>
+  </dgm:styleLbl>
+  <dgm:styleLbl name="fgAcc1">
+    <dgm:fillClrLst meth="repeat">
+      <a:schemeClr val="lt1">
+        <a:alpha val="90000"/>
+      </a:schemeClr>
+    </dgm:fillClrLst>
+    <dgm:linClrLst meth="repeat">
+      <a:schemeClr val="accent3"/>
+    </dgm:linClrLst>
+    <dgm:effectClrLst/>
+    <dgm:txLinClrLst/>
+    <dgm:txFillClrLst meth="repeat">
+      <a:schemeClr val="dk1"/>
+    </dgm:txFillClrLst>
+    <dgm:txEffectClrLst/>
+  </dgm:styleLbl>
+  <dgm:styleLbl name="conFgAcc1">
+    <dgm:fillClrLst meth="repeat">
+      <a:schemeClr val="lt1">
+        <a:alpha val="90000"/>
+      </a:schemeClr>
+    </dgm:fillClrLst>
+    <dgm:linClrLst meth="repeat">
+      <a:schemeClr val="accent3"/>
+    </dgm:linClrLst>
+    <dgm:effectClrLst/>
+    <dgm:txLinClrLst/>
+    <dgm:txFillClrLst meth="repeat">
+      <a:schemeClr val="dk1"/>
+    </dgm:txFillClrLst>
+    <dgm:txEffectClrLst/>
+  </dgm:styleLbl>
+  <dgm:styleLbl name="alignAcc1">
+    <dgm:fillClrLst meth="repeat">
+      <a:schemeClr val="lt1">
+        <a:alpha val="90000"/>
+      </a:schemeClr>
+    </dgm:fillClrLst>
+    <dgm:linClrLst meth="repeat">
+      <a:schemeClr val="accent3"/>
+    </dgm:linClrLst>
+    <dgm:effectClrLst/>
+    <dgm:txLinClrLst/>
+    <dgm:txFillClrLst meth="repeat">
+      <a:schemeClr val="dk1"/>
+    </dgm:txFillClrLst>
+    <dgm:txEffectClrLst/>
+  </dgm:styleLbl>
+  <dgm:styleLbl name="trAlignAcc1">
+    <dgm:fillClrLst meth="repeat">
+      <a:schemeClr val="lt1">
+        <a:alpha val="40000"/>
+      </a:schemeClr>
+    </dgm:fillClrLst>
+    <dgm:linClrLst meth="repeat">
+      <a:schemeClr val="accent3"/>
+    </dgm:linClrLst>
+    <dgm:effectClrLst/>
+    <dgm:txLinClrLst/>
+    <dgm:txFillClrLst meth="repeat">
+      <a:schemeClr val="dk1"/>
+    </dgm:txFillClrLst>
+    <dgm:txEffectClrLst/>
+  </dgm:styleLbl>
+  <dgm:styleLbl name="bgAcc1">
+    <dgm:fillClrLst meth="repeat">
+      <a:schemeClr val="lt1">
+        <a:alpha val="90000"/>
+      </a:schemeClr>
+    </dgm:fillClrLst>
+    <dgm:linClrLst meth="repeat">
+      <a:schemeClr val="accent3"/>
+    </dgm:linClrLst>
+    <dgm:effectClrLst/>
+    <dgm:txLinClrLst/>
+    <dgm:txFillClrLst meth="repeat">
+      <a:schemeClr val="dk1"/>
+    </dgm:txFillClrLst>
+    <dgm:txEffectClrLst/>
+  </dgm:styleLbl>
+  <dgm:styleLbl name="solidFgAcc1">
+    <dgm:fillClrLst meth="repeat">
+      <a:schemeClr val="lt1"/>
+    </dgm:fillClrLst>
+    <dgm:linClrLst meth="repeat">
+      <a:schemeClr val="accent3"/>
+    </dgm:linClrLst>
+    <dgm:effectClrLst/>
+    <dgm:txLinClrLst/>
+    <dgm:txFillClrLst meth="repeat">
+      <a:schemeClr val="dk1"/>
+    </dgm:txFillClrLst>
+    <dgm:txEffectClrLst/>
+  </dgm:styleLbl>
+  <dgm:styleLbl name="solidAlignAcc1">
+    <dgm:fillClrLst meth="repeat">
+      <a:schemeClr val="lt1"/>
+    </dgm:fillClrLst>
+    <dgm:linClrLst meth="repeat">
+      <a:schemeClr val="accent3"/>
+    </dgm:linClrLst>
+    <dgm:effectClrLst/>
+    <dgm:txLinClrLst/>
+    <dgm:txFillClrLst meth="repeat">
+      <a:schemeClr val="dk1"/>
+    </dgm:txFillClrLst>
+    <dgm:txEffectClrLst/>
+  </dgm:styleLbl>
+  <dgm:styleLbl name="solidBgAcc1">
+    <dgm:fillClrLst meth="repeat">
+      <a:schemeClr val="lt1"/>
+    </dgm:fillClrLst>
+    <dgm:linClrLst meth="repeat">
+      <a:schemeClr val="accent3"/>
+    </dgm:linClrLst>
+    <dgm:effectClrLst/>
+    <dgm:txLinClrLst/>
+    <dgm:txFillClrLst meth="repeat">
+      <a:schemeClr val="dk1"/>
+    </dgm:txFillClrLst>
+    <dgm:txEffectClrLst/>
+  </dgm:styleLbl>
+  <dgm:styleLbl name="fgAccFollowNode1">
+    <dgm:fillClrLst meth="repeat">
+      <a:schemeClr val="accent3">
+        <a:alpha val="90000"/>
+        <a:tint val="40000"/>
+      </a:schemeClr>
+    </dgm:fillClrLst>
+    <dgm:linClrLst meth="repeat">
+      <a:schemeClr val="accent3">
+        <a:alpha val="90000"/>
+        <a:tint val="40000"/>
+      </a:schemeClr>
+    </dgm:linClrLst>
+    <dgm:effectClrLst/>
+    <dgm:txLinClrLst/>
+    <dgm:txFillClrLst meth="repeat">
+      <a:schemeClr val="dk1"/>
+    </dgm:txFillClrLst>
+    <dgm:txEffectClrLst/>
+  </dgm:styleLbl>
+  <dgm:styleLbl name="alignAccFollowNode1">
+    <dgm:fillClrLst meth="repeat">
+      <a:schemeClr val="accent3">
+        <a:alpha val="90000"/>
+        <a:tint val="40000"/>
+      </a:schemeClr>
+    </dgm:fillClrLst>
+    <dgm:linClrLst meth="repeat">
+      <a:schemeClr val="accent3">
+        <a:alpha val="90000"/>
+        <a:tint val="40000"/>
+      </a:schemeClr>
+    </dgm:linClrLst>
+    <dgm:effectClrLst/>
+    <dgm:txLinClrLst/>
+    <dgm:txFillClrLst meth="repeat">
+      <a:schemeClr val="dk1"/>
+    </dgm:txFillClrLst>
+    <dgm:txEffectClrLst/>
+  </dgm:styleLbl>
+  <dgm:styleLbl name="bgAccFollowNode1">
+    <dgm:fillClrLst meth="repeat">
+      <a:schemeClr val="accent3">
+        <a:alpha val="90000"/>
+        <a:tint val="40000"/>
+      </a:schemeClr>
+    </dgm:fillClrLst>
+    <dgm:linClrLst meth="repeat">
+      <a:schemeClr val="accent3">
+        <a:alpha val="90000"/>
+        <a:tint val="40000"/>
+      </a:schemeClr>
+    </dgm:linClrLst>
+    <dgm:effectClrLst/>
+    <dgm:txLinClrLst/>
+    <dgm:txFillClrLst meth="repeat">
+      <a:schemeClr val="dk1"/>
+    </dgm:txFillClrLst>
+    <dgm:txEffectClrLst/>
+  </dgm:styleLbl>
+  <dgm:styleLbl name="fgAcc0">
+    <dgm:fillClrLst meth="repeat">
+      <a:schemeClr val="lt1">
+        <a:alpha val="90000"/>
+      </a:schemeClr>
+    </dgm:fillClrLst>
+    <dgm:linClrLst meth="repeat">
+      <a:schemeClr val="accent3"/>
+    </dgm:linClrLst>
+    <dgm:effectClrLst/>
+    <dgm:txLinClrLst/>
+    <dgm:txFillClrLst meth="repeat">
+      <a:schemeClr val="dk1"/>
+    </dgm:txFillClrLst>
+    <dgm:txEffectClrLst/>
+  </dgm:styleLbl>
+  <dgm:styleLbl name="fgAcc2">
+    <dgm:fillClrLst meth="repeat">
+      <a:schemeClr val="lt1">
+        <a:alpha val="90000"/>
+      </a:schemeClr>
+    </dgm:fillClrLst>
+    <dgm:linClrLst meth="repeat">
+      <a:schemeClr val="accent3"/>
+    </dgm:linClrLst>
+    <dgm:effectClrLst/>
+    <dgm:txLinClrLst/>
+    <dgm:txFillClrLst meth="repeat">
+      <a:schemeClr val="dk1"/>
+    </dgm:txFillClrLst>
+    <dgm:txEffectClrLst/>
+  </dgm:styleLbl>
+  <dgm:styleLbl name="fgAcc3">
+    <dgm:fillClrLst meth="repeat">
+      <a:schemeClr val="lt1">
+        <a:alpha val="90000"/>
+      </a:schemeClr>
+    </dgm:fillClrLst>
+    <dgm:linClrLst meth="repeat">
+      <a:schemeClr val="accent3"/>
+    </dgm:linClrLst>
+    <dgm:effectClrLst/>
+    <dgm:txLinClrLst/>
+    <dgm:txFillClrLst meth="repeat">
+      <a:schemeClr val="dk1"/>
+    </dgm:txFillClrLst>
+    <dgm:txEffectClrLst/>
+  </dgm:styleLbl>
+  <dgm:styleLbl name="fgAcc4">
+    <dgm:fillClrLst meth="repeat">
+      <a:schemeClr val="lt1">
+        <a:alpha val="90000"/>
+      </a:schemeClr>
+    </dgm:fillClrLst>
+    <dgm:linClrLst meth="repeat">
+      <a:schemeClr val="accent3"/>
+    </dgm:linClrLst>
+    <dgm:effectClrLst/>
+    <dgm:txLinClrLst/>
+    <dgm:txFillClrLst meth="repeat">
+      <a:schemeClr val="dk1"/>
+    </dgm:txFillClrLst>
+    <dgm:txEffectClrLst/>
+  </dgm:styleLbl>
+  <dgm:styleLbl name="bgShp">
+    <dgm:fillClrLst meth="repeat">
+      <a:schemeClr val="accent3">
+        <a:tint val="40000"/>
+      </a:schemeClr>
+    </dgm:fillClrLst>
+    <dgm:linClrLst meth="repeat">
+      <a:schemeClr val="accent3"/>
+    </dgm:linClrLst>
+    <dgm:effectClrLst/>
+    <dgm:txLinClrLst/>
+    <dgm:txFillClrLst meth="repeat">
+      <a:schemeClr val="dk1"/>
+    </dgm:txFillClrLst>
+    <dgm:txEffectClrLst/>
+  </dgm:styleLbl>
+  <dgm:styleLbl name="dkBgShp">
+    <dgm:fillClrLst meth="repeat">
+      <a:schemeClr val="accent3">
+        <a:shade val="80000"/>
+      </a:schemeClr>
+    </dgm:fillClrLst>
+    <dgm:linClrLst meth="repeat">
+      <a:schemeClr val="accent3"/>
+    </dgm:linClrLst>
+    <dgm:effectClrLst/>
+    <dgm:txLinClrLst/>
+    <dgm:txFillClrLst meth="repeat">
+      <a:schemeClr val="lt1"/>
+    </dgm:txFillClrLst>
+    <dgm:txEffectClrLst/>
+  </dgm:styleLbl>
+  <dgm:styleLbl name="trBgShp">
+    <dgm:fillClrLst meth="repeat">
+      <a:schemeClr val="accent3">
+        <a:tint val="50000"/>
+        <a:alpha val="40000"/>
+      </a:schemeClr>
+    </dgm:fillClrLst>
+    <dgm:linClrLst meth="repeat">
+      <a:schemeClr val="accent3"/>
+    </dgm:linClrLst>
+    <dgm:effectClrLst/>
+    <dgm:txLinClrLst/>
+    <dgm:txFillClrLst meth="repeat">
+      <a:schemeClr val="lt1"/>
+    </dgm:txFillClrLst>
+    <dgm:txEffectClrLst/>
+  </dgm:styleLbl>
+  <dgm:styleLbl name="fgShp">
+    <dgm:fillClrLst meth="repeat">
+      <a:schemeClr val="accent3">
+        <a:tint val="60000"/>
+      </a:schemeClr>
+    </dgm:fillClrLst>
+    <dgm:linClrLst meth="repeat">
+      <a:schemeClr val="lt1"/>
+    </dgm:linClrLst>
+    <dgm:effectClrLst/>
+    <dgm:txLinClrLst/>
+    <dgm:txFillClrLst meth="repeat">
+      <a:schemeClr val="dk1"/>
+    </dgm:txFillClrLst>
+    <dgm:txEffectClrLst/>
+  </dgm:styleLbl>
+  <dgm:styleLbl name="revTx">
+    <dgm:fillClrLst meth="repeat">
+      <a:schemeClr val="lt1">
+        <a:alpha val="0"/>
+      </a:schemeClr>
+    </dgm:fillClrLst>
+    <dgm:linClrLst meth="repeat">
+      <a:schemeClr val="dk1">
+        <a:alpha val="0"/>
+      </a:schemeClr>
+    </dgm:linClrLst>
+    <dgm:effectClrLst/>
+    <dgm:txLinClrLst/>
+    <dgm:txFillClrLst meth="repeat">
+      <a:schemeClr val="tx1"/>
+    </dgm:txFillClrLst>
+    <dgm:txEffectClrLst/>
+  </dgm:styleLbl>
+</dgm:colorsDef>
+</file>
+
+<file path=ppt/diagrams/data1.xml><?xml version="1.0" encoding="utf-8"?>
+<dgm:dataModel xmlns:dgm="http://schemas.openxmlformats.org/drawingml/2006/diagram" xmlns:a="http://schemas.openxmlformats.org/drawingml/2006/main">
+  <dgm:ptLst>
+    <dgm:pt modelId="{96BA1BAF-BBC7-4C9C-A8F2-819EE62717E3}" type="doc">
+      <dgm:prSet loTypeId="urn:microsoft.com/office/officeart/2005/8/layout/hList1" loCatId="list" qsTypeId="urn:microsoft.com/office/officeart/2005/8/quickstyle/simple1" qsCatId="simple" csTypeId="urn:microsoft.com/office/officeart/2005/8/colors/accent3_2" csCatId="accent3" phldr="1"/>
+      <dgm:spPr/>
+      <dgm:t>
+        <a:bodyPr/>
+        <a:lstStyle/>
+        <a:p>
+          <a:endParaRPr lang="en-US"/>
+        </a:p>
+      </dgm:t>
+    </dgm:pt>
+    <dgm:pt modelId="{E037758C-A36E-4E1D-BD94-EBDB8BDE68A1}">
+      <dgm:prSet phldrT="[Text]" custT="1"/>
+      <dgm:spPr/>
+      <dgm:t>
+        <a:bodyPr/>
+        <a:lstStyle/>
+        <a:p>
+          <a:r>
+            <a:rPr lang="en-US" sz="1800" dirty="0"/>
+            <a:t>Pre-Processing</a:t>
+          </a:r>
+        </a:p>
+      </dgm:t>
+    </dgm:pt>
+    <dgm:pt modelId="{D9EAAB3B-D6FA-4B91-A011-CA48BBB4FA2A}" type="parTrans" cxnId="{98F52459-7BB2-4E5B-A4CD-E50D6F9D1473}">
+      <dgm:prSet/>
+      <dgm:spPr/>
+      <dgm:t>
+        <a:bodyPr/>
+        <a:lstStyle/>
+        <a:p>
+          <a:endParaRPr lang="en-US" sz="1100"/>
+        </a:p>
+      </dgm:t>
+    </dgm:pt>
+    <dgm:pt modelId="{2EF36B34-4A18-48EC-A1B0-791E7214549C}" type="sibTrans" cxnId="{98F52459-7BB2-4E5B-A4CD-E50D6F9D1473}">
+      <dgm:prSet/>
+      <dgm:spPr/>
+      <dgm:t>
+        <a:bodyPr/>
+        <a:lstStyle/>
+        <a:p>
+          <a:endParaRPr lang="en-US" sz="1100"/>
+        </a:p>
+      </dgm:t>
+    </dgm:pt>
+    <dgm:pt modelId="{42A1030B-F50A-4A55-A40D-F26C2DD34D44}">
+      <dgm:prSet phldrT="[Text]" custT="1"/>
+      <dgm:spPr/>
+      <dgm:t>
+        <a:bodyPr/>
+        <a:lstStyle/>
+        <a:p>
+          <a:r>
+            <a:rPr lang="en-US" sz="1800" dirty="0"/>
+            <a:t>Include full set of anomalies and normal videos as used in </a:t>
+          </a:r>
+          <a:r>
+            <a:rPr lang="en-US" sz="1800" dirty="0" err="1"/>
+            <a:t>Sultani</a:t>
+          </a:r>
+          <a:r>
+            <a:rPr lang="en-US" sz="1800" dirty="0"/>
+            <a:t> baseline</a:t>
+          </a:r>
+        </a:p>
+      </dgm:t>
+    </dgm:pt>
+    <dgm:pt modelId="{B097515A-0B4F-442C-8084-E5C43699D154}" type="parTrans" cxnId="{4CE3A137-6DBC-4F44-93A6-2478AC1B603B}">
+      <dgm:prSet/>
+      <dgm:spPr/>
+      <dgm:t>
+        <a:bodyPr/>
+        <a:lstStyle/>
+        <a:p>
+          <a:endParaRPr lang="en-US" sz="1100"/>
+        </a:p>
+      </dgm:t>
+    </dgm:pt>
+    <dgm:pt modelId="{DB06910B-3F95-439D-A8D1-C7847303BA94}" type="sibTrans" cxnId="{4CE3A137-6DBC-4F44-93A6-2478AC1B603B}">
+      <dgm:prSet/>
+      <dgm:spPr/>
+      <dgm:t>
+        <a:bodyPr/>
+        <a:lstStyle/>
+        <a:p>
+          <a:endParaRPr lang="en-US" sz="1100"/>
+        </a:p>
+      </dgm:t>
+    </dgm:pt>
+    <dgm:pt modelId="{AD57C1DE-4952-4B76-9B8E-0276B1234709}">
+      <dgm:prSet phldrT="[Text]" custT="1"/>
+      <dgm:spPr/>
+      <dgm:t>
+        <a:bodyPr/>
+        <a:lstStyle/>
+        <a:p>
+          <a:r>
+            <a:rPr lang="en-US" sz="1800" dirty="0"/>
+            <a:t>Use exact same videos for testing and training</a:t>
+          </a:r>
+        </a:p>
+      </dgm:t>
+    </dgm:pt>
+    <dgm:pt modelId="{99D4B043-97C7-4DED-A8A0-C30EAC86B62A}" type="parTrans" cxnId="{AD6F2CFC-B487-421A-8325-95E5E2F599CA}">
+      <dgm:prSet/>
+      <dgm:spPr/>
+      <dgm:t>
+        <a:bodyPr/>
+        <a:lstStyle/>
+        <a:p>
+          <a:endParaRPr lang="en-US" sz="1100"/>
+        </a:p>
+      </dgm:t>
+    </dgm:pt>
+    <dgm:pt modelId="{83F9329A-809A-4994-B7D3-4592AA790D19}" type="sibTrans" cxnId="{AD6F2CFC-B487-421A-8325-95E5E2F599CA}">
+      <dgm:prSet/>
+      <dgm:spPr/>
+      <dgm:t>
+        <a:bodyPr/>
+        <a:lstStyle/>
+        <a:p>
+          <a:endParaRPr lang="en-US" sz="1100"/>
+        </a:p>
+      </dgm:t>
+    </dgm:pt>
+    <dgm:pt modelId="{E7D8F838-6E53-406F-AAC1-9687A054832A}">
+      <dgm:prSet phldrT="[Text]" custT="1"/>
+      <dgm:spPr/>
+      <dgm:t>
+        <a:bodyPr/>
+        <a:lstStyle/>
+        <a:p>
+          <a:r>
+            <a:rPr lang="en-US" sz="1800" dirty="0"/>
+            <a:t>Use Video Attention model to generate embeddings for anomalous segments</a:t>
+          </a:r>
+        </a:p>
+      </dgm:t>
+    </dgm:pt>
+    <dgm:pt modelId="{08B54332-15A0-4576-B75B-2AEB62A5ABAA}" type="parTrans" cxnId="{DF229FB4-612E-482D-B235-D3AC3AB33BBE}">
+      <dgm:prSet/>
+      <dgm:spPr/>
+      <dgm:t>
+        <a:bodyPr/>
+        <a:lstStyle/>
+        <a:p>
+          <a:endParaRPr lang="en-US" sz="1100"/>
+        </a:p>
+      </dgm:t>
+    </dgm:pt>
+    <dgm:pt modelId="{673DDEAE-8B6F-49E5-A7A5-320C88868236}" type="sibTrans" cxnId="{DF229FB4-612E-482D-B235-D3AC3AB33BBE}">
+      <dgm:prSet/>
+      <dgm:spPr/>
+      <dgm:t>
+        <a:bodyPr/>
+        <a:lstStyle/>
+        <a:p>
+          <a:endParaRPr lang="en-US" sz="1100"/>
+        </a:p>
+      </dgm:t>
+    </dgm:pt>
+    <dgm:pt modelId="{B83473B9-0B62-46F5-AC13-127442478C16}">
+      <dgm:prSet phldrT="[Text]" custT="1"/>
+      <dgm:spPr/>
+      <dgm:t>
+        <a:bodyPr/>
+        <a:lstStyle/>
+        <a:p>
+          <a:r>
+            <a:rPr lang="en-US" sz="1800" dirty="0"/>
+            <a:t>Learning Model Architecture</a:t>
+          </a:r>
+        </a:p>
+      </dgm:t>
+    </dgm:pt>
+    <dgm:pt modelId="{2AFA8433-174E-4F04-8A7F-19887BE1DB3D}" type="parTrans" cxnId="{00881BCE-5BCD-4727-9BCC-A18C6EF0885B}">
+      <dgm:prSet/>
+      <dgm:spPr/>
+      <dgm:t>
+        <a:bodyPr/>
+        <a:lstStyle/>
+        <a:p>
+          <a:endParaRPr lang="en-US" sz="1100"/>
+        </a:p>
+      </dgm:t>
+    </dgm:pt>
+    <dgm:pt modelId="{549E0155-AD13-44CD-B29F-B9F94C816C01}" type="sibTrans" cxnId="{00881BCE-5BCD-4727-9BCC-A18C6EF0885B}">
+      <dgm:prSet/>
+      <dgm:spPr/>
+      <dgm:t>
+        <a:bodyPr/>
+        <a:lstStyle/>
+        <a:p>
+          <a:endParaRPr lang="en-US" sz="1100"/>
+        </a:p>
+      </dgm:t>
+    </dgm:pt>
+    <dgm:pt modelId="{5C8F535E-797B-40F4-A3CE-53B64C26B730}">
+      <dgm:prSet phldrT="[Text]" custT="1"/>
+      <dgm:spPr/>
+      <dgm:t>
+        <a:bodyPr/>
+        <a:lstStyle/>
+        <a:p>
+          <a:r>
+            <a:rPr lang="en-US" sz="1800" dirty="0"/>
+            <a:t>Build in Weakly Supervised Regression model instead of SVM classifier</a:t>
+          </a:r>
+        </a:p>
+      </dgm:t>
+    </dgm:pt>
+    <dgm:pt modelId="{1C9549F7-B692-44AA-9E7C-B690661EB0AC}" type="parTrans" cxnId="{75319298-33E7-4A69-970B-34A92D06FE89}">
+      <dgm:prSet/>
+      <dgm:spPr/>
+      <dgm:t>
+        <a:bodyPr/>
+        <a:lstStyle/>
+        <a:p>
+          <a:endParaRPr lang="en-US" sz="1100"/>
+        </a:p>
+      </dgm:t>
+    </dgm:pt>
+    <dgm:pt modelId="{B7872BC5-1765-4ED5-A951-D3DFFC80A639}" type="sibTrans" cxnId="{75319298-33E7-4A69-970B-34A92D06FE89}">
+      <dgm:prSet/>
+      <dgm:spPr/>
+      <dgm:t>
+        <a:bodyPr/>
+        <a:lstStyle/>
+        <a:p>
+          <a:endParaRPr lang="en-US" sz="1100"/>
+        </a:p>
+      </dgm:t>
+    </dgm:pt>
+    <dgm:pt modelId="{06E982E6-A922-468C-BBE7-059E15151174}">
+      <dgm:prSet phldrT="[Text]" custT="1"/>
+      <dgm:spPr/>
+      <dgm:t>
+        <a:bodyPr/>
+        <a:lstStyle/>
+        <a:p>
+          <a:r>
+            <a:rPr lang="en-US" sz="1800" dirty="0"/>
+            <a:t>Can a Transformer style architecture be used?</a:t>
+          </a:r>
+        </a:p>
+      </dgm:t>
+    </dgm:pt>
+    <dgm:pt modelId="{A2D790F3-20C0-43E4-A49F-3FE2E53FA092}" type="parTrans" cxnId="{CA14659B-D6A0-432B-838C-AB98B1F91873}">
+      <dgm:prSet/>
+      <dgm:spPr/>
+      <dgm:t>
+        <a:bodyPr/>
+        <a:lstStyle/>
+        <a:p>
+          <a:endParaRPr lang="en-US" sz="1100"/>
+        </a:p>
+      </dgm:t>
+    </dgm:pt>
+    <dgm:pt modelId="{9DECF2B8-B08F-4346-9C34-104AB3FD32CD}" type="sibTrans" cxnId="{CA14659B-D6A0-432B-838C-AB98B1F91873}">
+      <dgm:prSet/>
+      <dgm:spPr/>
+      <dgm:t>
+        <a:bodyPr/>
+        <a:lstStyle/>
+        <a:p>
+          <a:endParaRPr lang="en-US" sz="1100"/>
+        </a:p>
+      </dgm:t>
+    </dgm:pt>
+    <dgm:pt modelId="{B83E1909-534F-4CBA-AF4E-CF54FFB0E1ED}">
+      <dgm:prSet phldrT="[Text]" phldr="1" custT="1"/>
+      <dgm:spPr/>
+      <dgm:t>
+        <a:bodyPr/>
+        <a:lstStyle/>
+        <a:p>
+          <a:endParaRPr lang="en-US" sz="1800" dirty="0"/>
+        </a:p>
+      </dgm:t>
+    </dgm:pt>
+    <dgm:pt modelId="{8AD2CF52-274C-4E54-A0FC-53782EFCF28B}" type="parTrans" cxnId="{CF5A35E5-F26F-4489-ABF6-70FA1C7306A1}">
+      <dgm:prSet/>
+      <dgm:spPr/>
+      <dgm:t>
+        <a:bodyPr/>
+        <a:lstStyle/>
+        <a:p>
+          <a:endParaRPr lang="en-US" sz="1100"/>
+        </a:p>
+      </dgm:t>
+    </dgm:pt>
+    <dgm:pt modelId="{DC896AA2-74C9-4996-B4FF-AEF58B6FDB5E}" type="sibTrans" cxnId="{CF5A35E5-F26F-4489-ABF6-70FA1C7306A1}">
+      <dgm:prSet/>
+      <dgm:spPr/>
+      <dgm:t>
+        <a:bodyPr/>
+        <a:lstStyle/>
+        <a:p>
+          <a:endParaRPr lang="en-US" sz="1100"/>
+        </a:p>
+      </dgm:t>
+    </dgm:pt>
+    <dgm:pt modelId="{383C3249-AA02-4C01-8106-8F4634B1C1B0}">
+      <dgm:prSet phldrT="[Text]" custT="1"/>
+      <dgm:spPr/>
+      <dgm:t>
+        <a:bodyPr/>
+        <a:lstStyle/>
+        <a:p>
+          <a:endParaRPr lang="en-US" sz="1800" dirty="0"/>
+        </a:p>
+      </dgm:t>
+    </dgm:pt>
+    <dgm:pt modelId="{B76C5E75-A8F4-47B9-9F45-3BE702F93C23}" type="parTrans" cxnId="{0CD25547-6D8A-4B96-AD2D-8DFA65606D46}">
+      <dgm:prSet/>
+      <dgm:spPr/>
+      <dgm:t>
+        <a:bodyPr/>
+        <a:lstStyle/>
+        <a:p>
+          <a:endParaRPr lang="en-US"/>
+        </a:p>
+      </dgm:t>
+    </dgm:pt>
+    <dgm:pt modelId="{492AC428-84D8-4B4F-B40C-CB7719ACBD7B}" type="sibTrans" cxnId="{0CD25547-6D8A-4B96-AD2D-8DFA65606D46}">
+      <dgm:prSet/>
+      <dgm:spPr/>
+      <dgm:t>
+        <a:bodyPr/>
+        <a:lstStyle/>
+        <a:p>
+          <a:endParaRPr lang="en-US"/>
+        </a:p>
+      </dgm:t>
+    </dgm:pt>
+    <dgm:pt modelId="{975279A3-CAAF-4F72-A973-5C94E52529C7}">
+      <dgm:prSet phldrT="[Text]" custT="1"/>
+      <dgm:spPr/>
+      <dgm:t>
+        <a:bodyPr/>
+        <a:lstStyle/>
+        <a:p>
+          <a:r>
+            <a:rPr lang="en-US" sz="1800" dirty="0"/>
+            <a:t>How to use attention from a transformer in the weakly supervised setting? </a:t>
+          </a:r>
+          <a:r>
+            <a:rPr lang="en-US" sz="1800" dirty="0" err="1"/>
+            <a:t>ViT</a:t>
+          </a:r>
+          <a:r>
+            <a:rPr lang="en-US" sz="1800" dirty="0"/>
+            <a:t> input is video slices, but trained to give video classification overall, does attention over the slices </a:t>
+          </a:r>
+          <a:r>
+            <a:rPr lang="en-US" sz="1800" dirty="0" err="1"/>
+            <a:t>localise</a:t>
+          </a:r>
+          <a:r>
+            <a:rPr lang="en-US" sz="1800" dirty="0"/>
+            <a:t> the anomaly? Is there a way to incorporate the pos/neg bagging process from the older method? </a:t>
+          </a:r>
+        </a:p>
+      </dgm:t>
+    </dgm:pt>
+    <dgm:pt modelId="{79A71BCE-6235-47C4-8516-55A7220C0D4F}" type="parTrans" cxnId="{10B22A15-9383-4326-BC84-315F03BBB596}">
+      <dgm:prSet/>
+      <dgm:spPr/>
+    </dgm:pt>
+    <dgm:pt modelId="{750471BA-E95C-4A9D-A720-179560E359CF}" type="sibTrans" cxnId="{10B22A15-9383-4326-BC84-315F03BBB596}">
+      <dgm:prSet/>
+      <dgm:spPr/>
+    </dgm:pt>
+    <dgm:pt modelId="{3FE03E21-5DC0-450C-B313-F71BB6C11F0D}" type="pres">
+      <dgm:prSet presAssocID="{96BA1BAF-BBC7-4C9C-A8F2-819EE62717E3}" presName="Name0" presStyleCnt="0">
+        <dgm:presLayoutVars>
+          <dgm:dir/>
+          <dgm:animLvl val="lvl"/>
+          <dgm:resizeHandles val="exact"/>
+        </dgm:presLayoutVars>
+      </dgm:prSet>
+      <dgm:spPr/>
+    </dgm:pt>
+    <dgm:pt modelId="{D52B85D0-5AB7-4B99-928D-836AE8187D13}" type="pres">
+      <dgm:prSet presAssocID="{E037758C-A36E-4E1D-BD94-EBDB8BDE68A1}" presName="composite" presStyleCnt="0"/>
+      <dgm:spPr/>
+    </dgm:pt>
+    <dgm:pt modelId="{243B2381-31C8-44BC-B3D1-29D45F898857}" type="pres">
+      <dgm:prSet presAssocID="{E037758C-A36E-4E1D-BD94-EBDB8BDE68A1}" presName="parTx" presStyleLbl="alignNode1" presStyleIdx="0" presStyleCnt="2" custScaleY="100000">
+        <dgm:presLayoutVars>
+          <dgm:chMax val="0"/>
+          <dgm:chPref val="0"/>
+          <dgm:bulletEnabled val="1"/>
+        </dgm:presLayoutVars>
+      </dgm:prSet>
+      <dgm:spPr/>
+    </dgm:pt>
+    <dgm:pt modelId="{49C58A13-E758-47CB-BB52-4C941D7FA0C7}" type="pres">
+      <dgm:prSet presAssocID="{E037758C-A36E-4E1D-BD94-EBDB8BDE68A1}" presName="desTx" presStyleLbl="alignAccFollowNode1" presStyleIdx="0" presStyleCnt="2">
+        <dgm:presLayoutVars>
+          <dgm:bulletEnabled val="1"/>
+        </dgm:presLayoutVars>
+      </dgm:prSet>
+      <dgm:spPr/>
+    </dgm:pt>
+    <dgm:pt modelId="{D4DA87D2-6FE2-401A-8761-6FC4FBFF9D15}" type="pres">
+      <dgm:prSet presAssocID="{2EF36B34-4A18-48EC-A1B0-791E7214549C}" presName="space" presStyleCnt="0"/>
+      <dgm:spPr/>
+    </dgm:pt>
+    <dgm:pt modelId="{8DBA05B7-1AC5-4AEB-ADEB-0BB6F5F46A53}" type="pres">
+      <dgm:prSet presAssocID="{B83473B9-0B62-46F5-AC13-127442478C16}" presName="composite" presStyleCnt="0"/>
+      <dgm:spPr/>
+    </dgm:pt>
+    <dgm:pt modelId="{2153DE9D-BFB8-4F6F-8094-955FEF712F33}" type="pres">
+      <dgm:prSet presAssocID="{B83473B9-0B62-46F5-AC13-127442478C16}" presName="parTx" presStyleLbl="alignNode1" presStyleIdx="1" presStyleCnt="2">
+        <dgm:presLayoutVars>
+          <dgm:chMax val="0"/>
+          <dgm:chPref val="0"/>
+          <dgm:bulletEnabled val="1"/>
+        </dgm:presLayoutVars>
+      </dgm:prSet>
+      <dgm:spPr/>
+    </dgm:pt>
+    <dgm:pt modelId="{03ED3016-DA79-455E-80D7-68C38802EF2A}" type="pres">
+      <dgm:prSet presAssocID="{B83473B9-0B62-46F5-AC13-127442478C16}" presName="desTx" presStyleLbl="alignAccFollowNode1" presStyleIdx="1" presStyleCnt="2">
+        <dgm:presLayoutVars>
+          <dgm:bulletEnabled val="1"/>
+        </dgm:presLayoutVars>
+      </dgm:prSet>
+      <dgm:spPr/>
+    </dgm:pt>
+  </dgm:ptLst>
+  <dgm:cxnLst>
+    <dgm:cxn modelId="{1C78FD04-0C10-4A24-A386-470A1ED60F4F}" type="presOf" srcId="{5C8F535E-797B-40F4-A3CE-53B64C26B730}" destId="{03ED3016-DA79-455E-80D7-68C38802EF2A}" srcOrd="0" destOrd="0" presId="urn:microsoft.com/office/officeart/2005/8/layout/hList1"/>
+    <dgm:cxn modelId="{10B22A15-9383-4326-BC84-315F03BBB596}" srcId="{B83473B9-0B62-46F5-AC13-127442478C16}" destId="{975279A3-CAAF-4F72-A973-5C94E52529C7}" srcOrd="2" destOrd="0" parTransId="{79A71BCE-6235-47C4-8516-55A7220C0D4F}" sibTransId="{750471BA-E95C-4A9D-A720-179560E359CF}"/>
+    <dgm:cxn modelId="{4CE3A137-6DBC-4F44-93A6-2478AC1B603B}" srcId="{E037758C-A36E-4E1D-BD94-EBDB8BDE68A1}" destId="{42A1030B-F50A-4A55-A40D-F26C2DD34D44}" srcOrd="0" destOrd="0" parTransId="{B097515A-0B4F-442C-8084-E5C43699D154}" sibTransId="{DB06910B-3F95-439D-A8D1-C7847303BA94}"/>
+    <dgm:cxn modelId="{1DD3FC38-7ED9-4C2D-B733-6DDB06B12FA1}" type="presOf" srcId="{B83E1909-534F-4CBA-AF4E-CF54FFB0E1ED}" destId="{03ED3016-DA79-455E-80D7-68C38802EF2A}" srcOrd="0" destOrd="3" presId="urn:microsoft.com/office/officeart/2005/8/layout/hList1"/>
+    <dgm:cxn modelId="{192F2F5C-19CB-43E0-AF48-EB8F0881CDC1}" type="presOf" srcId="{AD57C1DE-4952-4B76-9B8E-0276B1234709}" destId="{49C58A13-E758-47CB-BB52-4C941D7FA0C7}" srcOrd="0" destOrd="1" presId="urn:microsoft.com/office/officeart/2005/8/layout/hList1"/>
+    <dgm:cxn modelId="{0219FE44-6B04-4F16-B132-734B8A8F2C76}" type="presOf" srcId="{06E982E6-A922-468C-BBE7-059E15151174}" destId="{03ED3016-DA79-455E-80D7-68C38802EF2A}" srcOrd="0" destOrd="1" presId="urn:microsoft.com/office/officeart/2005/8/layout/hList1"/>
+    <dgm:cxn modelId="{0CD25547-6D8A-4B96-AD2D-8DFA65606D46}" srcId="{E037758C-A36E-4E1D-BD94-EBDB8BDE68A1}" destId="{383C3249-AA02-4C01-8106-8F4634B1C1B0}" srcOrd="3" destOrd="0" parTransId="{B76C5E75-A8F4-47B9-9F45-3BE702F93C23}" sibTransId="{492AC428-84D8-4B4F-B40C-CB7719ACBD7B}"/>
+    <dgm:cxn modelId="{98F52459-7BB2-4E5B-A4CD-E50D6F9D1473}" srcId="{96BA1BAF-BBC7-4C9C-A8F2-819EE62717E3}" destId="{E037758C-A36E-4E1D-BD94-EBDB8BDE68A1}" srcOrd="0" destOrd="0" parTransId="{D9EAAB3B-D6FA-4B91-A011-CA48BBB4FA2A}" sibTransId="{2EF36B34-4A18-48EC-A1B0-791E7214549C}"/>
+    <dgm:cxn modelId="{94E7ED82-5E2B-4888-94A1-80F9F5DCF451}" type="presOf" srcId="{E7D8F838-6E53-406F-AAC1-9687A054832A}" destId="{49C58A13-E758-47CB-BB52-4C941D7FA0C7}" srcOrd="0" destOrd="2" presId="urn:microsoft.com/office/officeart/2005/8/layout/hList1"/>
+    <dgm:cxn modelId="{BB2FC995-F243-4641-8627-29F9878F4588}" type="presOf" srcId="{42A1030B-F50A-4A55-A40D-F26C2DD34D44}" destId="{49C58A13-E758-47CB-BB52-4C941D7FA0C7}" srcOrd="0" destOrd="0" presId="urn:microsoft.com/office/officeart/2005/8/layout/hList1"/>
+    <dgm:cxn modelId="{75319298-33E7-4A69-970B-34A92D06FE89}" srcId="{B83473B9-0B62-46F5-AC13-127442478C16}" destId="{5C8F535E-797B-40F4-A3CE-53B64C26B730}" srcOrd="0" destOrd="0" parTransId="{1C9549F7-B692-44AA-9E7C-B690661EB0AC}" sibTransId="{B7872BC5-1765-4ED5-A951-D3DFFC80A639}"/>
+    <dgm:cxn modelId="{CA14659B-D6A0-432B-838C-AB98B1F91873}" srcId="{B83473B9-0B62-46F5-AC13-127442478C16}" destId="{06E982E6-A922-468C-BBE7-059E15151174}" srcOrd="1" destOrd="0" parTransId="{A2D790F3-20C0-43E4-A49F-3FE2E53FA092}" sibTransId="{9DECF2B8-B08F-4346-9C34-104AB3FD32CD}"/>
+    <dgm:cxn modelId="{73EF31A3-2A4D-42AB-8E14-43A287487787}" type="presOf" srcId="{975279A3-CAAF-4F72-A973-5C94E52529C7}" destId="{03ED3016-DA79-455E-80D7-68C38802EF2A}" srcOrd="0" destOrd="2" presId="urn:microsoft.com/office/officeart/2005/8/layout/hList1"/>
+    <dgm:cxn modelId="{DF229FB4-612E-482D-B235-D3AC3AB33BBE}" srcId="{E037758C-A36E-4E1D-BD94-EBDB8BDE68A1}" destId="{E7D8F838-6E53-406F-AAC1-9687A054832A}" srcOrd="2" destOrd="0" parTransId="{08B54332-15A0-4576-B75B-2AEB62A5ABAA}" sibTransId="{673DDEAE-8B6F-49E5-A7A5-320C88868236}"/>
+    <dgm:cxn modelId="{B27D06BD-98C3-4B02-9AF1-B1A0C31AEC1A}" type="presOf" srcId="{383C3249-AA02-4C01-8106-8F4634B1C1B0}" destId="{49C58A13-E758-47CB-BB52-4C941D7FA0C7}" srcOrd="0" destOrd="3" presId="urn:microsoft.com/office/officeart/2005/8/layout/hList1"/>
+    <dgm:cxn modelId="{00881BCE-5BCD-4727-9BCC-A18C6EF0885B}" srcId="{96BA1BAF-BBC7-4C9C-A8F2-819EE62717E3}" destId="{B83473B9-0B62-46F5-AC13-127442478C16}" srcOrd="1" destOrd="0" parTransId="{2AFA8433-174E-4F04-8A7F-19887BE1DB3D}" sibTransId="{549E0155-AD13-44CD-B29F-B9F94C816C01}"/>
+    <dgm:cxn modelId="{8BB839CF-F280-4689-BC77-C764A6520F0C}" type="presOf" srcId="{96BA1BAF-BBC7-4C9C-A8F2-819EE62717E3}" destId="{3FE03E21-5DC0-450C-B313-F71BB6C11F0D}" srcOrd="0" destOrd="0" presId="urn:microsoft.com/office/officeart/2005/8/layout/hList1"/>
+    <dgm:cxn modelId="{28E2FFE1-F639-4BB5-BC0D-AB511A140E6E}" type="presOf" srcId="{B83473B9-0B62-46F5-AC13-127442478C16}" destId="{2153DE9D-BFB8-4F6F-8094-955FEF712F33}" srcOrd="0" destOrd="0" presId="urn:microsoft.com/office/officeart/2005/8/layout/hList1"/>
+    <dgm:cxn modelId="{CF5A35E5-F26F-4489-ABF6-70FA1C7306A1}" srcId="{B83473B9-0B62-46F5-AC13-127442478C16}" destId="{B83E1909-534F-4CBA-AF4E-CF54FFB0E1ED}" srcOrd="3" destOrd="0" parTransId="{8AD2CF52-274C-4E54-A0FC-53782EFCF28B}" sibTransId="{DC896AA2-74C9-4996-B4FF-AEF58B6FDB5E}"/>
+    <dgm:cxn modelId="{DFF212F9-DBD9-47EC-B5F1-92D394B218C1}" type="presOf" srcId="{E037758C-A36E-4E1D-BD94-EBDB8BDE68A1}" destId="{243B2381-31C8-44BC-B3D1-29D45F898857}" srcOrd="0" destOrd="0" presId="urn:microsoft.com/office/officeart/2005/8/layout/hList1"/>
+    <dgm:cxn modelId="{AD6F2CFC-B487-421A-8325-95E5E2F599CA}" srcId="{E037758C-A36E-4E1D-BD94-EBDB8BDE68A1}" destId="{AD57C1DE-4952-4B76-9B8E-0276B1234709}" srcOrd="1" destOrd="0" parTransId="{99D4B043-97C7-4DED-A8A0-C30EAC86B62A}" sibTransId="{83F9329A-809A-4994-B7D3-4592AA790D19}"/>
+    <dgm:cxn modelId="{951B4CC9-9C2F-4832-846E-B4FDFCAA2743}" type="presParOf" srcId="{3FE03E21-5DC0-450C-B313-F71BB6C11F0D}" destId="{D52B85D0-5AB7-4B99-928D-836AE8187D13}" srcOrd="0" destOrd="0" presId="urn:microsoft.com/office/officeart/2005/8/layout/hList1"/>
+    <dgm:cxn modelId="{FCDC4467-7B6E-432B-95E8-2E0470A1FDA7}" type="presParOf" srcId="{D52B85D0-5AB7-4B99-928D-836AE8187D13}" destId="{243B2381-31C8-44BC-B3D1-29D45F898857}" srcOrd="0" destOrd="0" presId="urn:microsoft.com/office/officeart/2005/8/layout/hList1"/>
+    <dgm:cxn modelId="{1DABE4E6-89BE-4C25-B13F-46A659EEA42C}" type="presParOf" srcId="{D52B85D0-5AB7-4B99-928D-836AE8187D13}" destId="{49C58A13-E758-47CB-BB52-4C941D7FA0C7}" srcOrd="1" destOrd="0" presId="urn:microsoft.com/office/officeart/2005/8/layout/hList1"/>
+    <dgm:cxn modelId="{742E6F0E-9D5B-42B0-B9A3-952952A53529}" type="presParOf" srcId="{3FE03E21-5DC0-450C-B313-F71BB6C11F0D}" destId="{D4DA87D2-6FE2-401A-8761-6FC4FBFF9D15}" srcOrd="1" destOrd="0" presId="urn:microsoft.com/office/officeart/2005/8/layout/hList1"/>
+    <dgm:cxn modelId="{B8BB3000-DDEC-44B9-B05F-54F6F24E281C}" type="presParOf" srcId="{3FE03E21-5DC0-450C-B313-F71BB6C11F0D}" destId="{8DBA05B7-1AC5-4AEB-ADEB-0BB6F5F46A53}" srcOrd="2" destOrd="0" presId="urn:microsoft.com/office/officeart/2005/8/layout/hList1"/>
+    <dgm:cxn modelId="{FB981B0C-9168-4E74-AEC1-AD437A23AACA}" type="presParOf" srcId="{8DBA05B7-1AC5-4AEB-ADEB-0BB6F5F46A53}" destId="{2153DE9D-BFB8-4F6F-8094-955FEF712F33}" srcOrd="0" destOrd="0" presId="urn:microsoft.com/office/officeart/2005/8/layout/hList1"/>
+    <dgm:cxn modelId="{975A8902-A820-4871-9F5E-1DEB3BFC3BC1}" type="presParOf" srcId="{8DBA05B7-1AC5-4AEB-ADEB-0BB6F5F46A53}" destId="{03ED3016-DA79-455E-80D7-68C38802EF2A}" srcOrd="1" destOrd="0" presId="urn:microsoft.com/office/officeart/2005/8/layout/hList1"/>
+  </dgm:cxnLst>
+  <dgm:bg/>
+  <dgm:whole/>
+  <dgm:extLst>
+    <a:ext uri="http://schemas.microsoft.com/office/drawing/2008/diagram">
+      <dsp:dataModelExt xmlns:dsp="http://schemas.microsoft.com/office/drawing/2008/diagram" relId="rId6" minVer="http://schemas.openxmlformats.org/drawingml/2006/diagram"/>
+    </a:ext>
+  </dgm:extLst>
+</dgm:dataModel>
+</file>
+
+<file path=ppt/diagrams/drawing1.xml><?xml version="1.0" encoding="utf-8"?>
+<dsp:drawing xmlns:dgm="http://schemas.openxmlformats.org/drawingml/2006/diagram" xmlns:dsp="http://schemas.microsoft.com/office/drawing/2008/diagram" xmlns:a="http://schemas.openxmlformats.org/drawingml/2006/main">
+  <dsp:spTree>
+    <dsp:nvGrpSpPr>
+      <dsp:cNvPr id="0" name=""/>
+      <dsp:cNvGrpSpPr/>
+    </dsp:nvGrpSpPr>
+    <dsp:grpSpPr/>
+    <dsp:sp modelId="{243B2381-31C8-44BC-B3D1-29D45F898857}">
+      <dsp:nvSpPr>
+        <dsp:cNvPr id="0" name=""/>
+        <dsp:cNvSpPr/>
+      </dsp:nvSpPr>
+      <dsp:spPr>
+        <a:xfrm>
+          <a:off x="52" y="167508"/>
+          <a:ext cx="5039740" cy="1872000"/>
+        </a:xfrm>
+        <a:prstGeom prst="rect">
+          <a:avLst/>
+        </a:prstGeom>
+        <a:solidFill>
+          <a:schemeClr val="accent3">
+            <a:hueOff val="0"/>
+            <a:satOff val="0"/>
+            <a:lumOff val="0"/>
+            <a:alphaOff val="0"/>
+          </a:schemeClr>
+        </a:solidFill>
+        <a:ln w="12700" cap="flat" cmpd="sng" algn="ctr">
+          <a:solidFill>
+            <a:schemeClr val="accent3">
+              <a:hueOff val="0"/>
+              <a:satOff val="0"/>
+              <a:lumOff val="0"/>
+              <a:alphaOff val="0"/>
+            </a:schemeClr>
+          </a:solidFill>
+          <a:prstDash val="solid"/>
+          <a:miter lim="800000"/>
+        </a:ln>
+        <a:effectLst/>
+      </dsp:spPr>
+      <dsp:style>
+        <a:lnRef idx="2">
+          <a:scrgbClr r="0" g="0" b="0"/>
+        </a:lnRef>
+        <a:fillRef idx="1">
+          <a:scrgbClr r="0" g="0" b="0"/>
+        </a:fillRef>
+        <a:effectRef idx="0">
+          <a:scrgbClr r="0" g="0" b="0"/>
+        </a:effectRef>
+        <a:fontRef idx="minor">
+          <a:schemeClr val="lt1"/>
+        </a:fontRef>
+      </dsp:style>
+      <dsp:txBody>
+        <a:bodyPr spcFirstLastPara="0" vert="horz" wrap="square" lIns="128016" tIns="73152" rIns="128016" bIns="73152" numCol="1" spcCol="1270" anchor="ctr" anchorCtr="0">
+          <a:noAutofit/>
+        </a:bodyPr>
+        <a:lstStyle/>
+        <a:p>
+          <a:pPr marL="0" lvl="0" indent="0" algn="ctr" defTabSz="800100">
+            <a:lnSpc>
+              <a:spcPct val="90000"/>
+            </a:lnSpc>
+            <a:spcBef>
+              <a:spcPct val="0"/>
+            </a:spcBef>
+            <a:spcAft>
+              <a:spcPct val="35000"/>
+            </a:spcAft>
+            <a:buNone/>
+          </a:pPr>
+          <a:r>
+            <a:rPr lang="en-US" sz="1800" kern="1200" dirty="0"/>
+            <a:t>Pre-Processing</a:t>
+          </a:r>
+        </a:p>
+      </dsp:txBody>
+      <dsp:txXfrm>
+        <a:off x="52" y="167508"/>
+        <a:ext cx="5039740" cy="1872000"/>
+      </dsp:txXfrm>
+    </dsp:sp>
+    <dsp:sp modelId="{49C58A13-E758-47CB-BB52-4C941D7FA0C7}">
+      <dsp:nvSpPr>
+        <dsp:cNvPr id="0" name=""/>
+        <dsp:cNvSpPr/>
+      </dsp:nvSpPr>
+      <dsp:spPr>
+        <a:xfrm>
+          <a:off x="52" y="2039508"/>
+          <a:ext cx="5039740" cy="3211649"/>
+        </a:xfrm>
+        <a:prstGeom prst="rect">
+          <a:avLst/>
+        </a:prstGeom>
+        <a:solidFill>
+          <a:schemeClr val="accent3">
+            <a:alpha val="90000"/>
+            <a:tint val="40000"/>
+            <a:hueOff val="0"/>
+            <a:satOff val="0"/>
+            <a:lumOff val="0"/>
+            <a:alphaOff val="0"/>
+          </a:schemeClr>
+        </a:solidFill>
+        <a:ln w="12700" cap="flat" cmpd="sng" algn="ctr">
+          <a:solidFill>
+            <a:schemeClr val="accent3">
+              <a:alpha val="90000"/>
+              <a:tint val="40000"/>
+              <a:hueOff val="0"/>
+              <a:satOff val="0"/>
+              <a:lumOff val="0"/>
+              <a:alphaOff val="0"/>
+            </a:schemeClr>
+          </a:solidFill>
+          <a:prstDash val="solid"/>
+          <a:miter lim="800000"/>
+        </a:ln>
+        <a:effectLst/>
+      </dsp:spPr>
+      <dsp:style>
+        <a:lnRef idx="2">
+          <a:scrgbClr r="0" g="0" b="0"/>
+        </a:lnRef>
+        <a:fillRef idx="1">
+          <a:scrgbClr r="0" g="0" b="0"/>
+        </a:fillRef>
+        <a:effectRef idx="0">
+          <a:scrgbClr r="0" g="0" b="0"/>
+        </a:effectRef>
+        <a:fontRef idx="minor"/>
+      </dsp:style>
+      <dsp:txBody>
+        <a:bodyPr spcFirstLastPara="0" vert="horz" wrap="square" lIns="96012" tIns="96012" rIns="128016" bIns="144018" numCol="1" spcCol="1270" anchor="t" anchorCtr="0">
+          <a:noAutofit/>
+        </a:bodyPr>
+        <a:lstStyle/>
+        <a:p>
+          <a:pPr marL="171450" lvl="1" indent="-171450" algn="l" defTabSz="800100">
+            <a:lnSpc>
+              <a:spcPct val="90000"/>
+            </a:lnSpc>
+            <a:spcBef>
+              <a:spcPct val="0"/>
+            </a:spcBef>
+            <a:spcAft>
+              <a:spcPct val="15000"/>
+            </a:spcAft>
+            <a:buChar char="•"/>
+          </a:pPr>
+          <a:r>
+            <a:rPr lang="en-US" sz="1800" kern="1200" dirty="0"/>
+            <a:t>Include full set of anomalies and normal videos as used in </a:t>
+          </a:r>
+          <a:r>
+            <a:rPr lang="en-US" sz="1800" kern="1200" dirty="0" err="1"/>
+            <a:t>Sultani</a:t>
+          </a:r>
+          <a:r>
+            <a:rPr lang="en-US" sz="1800" kern="1200" dirty="0"/>
+            <a:t> baseline</a:t>
+          </a:r>
+        </a:p>
+        <a:p>
+          <a:pPr marL="171450" lvl="1" indent="-171450" algn="l" defTabSz="800100">
+            <a:lnSpc>
+              <a:spcPct val="90000"/>
+            </a:lnSpc>
+            <a:spcBef>
+              <a:spcPct val="0"/>
+            </a:spcBef>
+            <a:spcAft>
+              <a:spcPct val="15000"/>
+            </a:spcAft>
+            <a:buChar char="•"/>
+          </a:pPr>
+          <a:r>
+            <a:rPr lang="en-US" sz="1800" kern="1200" dirty="0"/>
+            <a:t>Use exact same videos for testing and training</a:t>
+          </a:r>
+        </a:p>
+        <a:p>
+          <a:pPr marL="171450" lvl="1" indent="-171450" algn="l" defTabSz="800100">
+            <a:lnSpc>
+              <a:spcPct val="90000"/>
+            </a:lnSpc>
+            <a:spcBef>
+              <a:spcPct val="0"/>
+            </a:spcBef>
+            <a:spcAft>
+              <a:spcPct val="15000"/>
+            </a:spcAft>
+            <a:buChar char="•"/>
+          </a:pPr>
+          <a:r>
+            <a:rPr lang="en-US" sz="1800" kern="1200" dirty="0"/>
+            <a:t>Use Video Attention model to generate embeddings for anomalous segments</a:t>
+          </a:r>
+        </a:p>
+        <a:p>
+          <a:pPr marL="171450" lvl="1" indent="-171450" algn="l" defTabSz="800100">
+            <a:lnSpc>
+              <a:spcPct val="90000"/>
+            </a:lnSpc>
+            <a:spcBef>
+              <a:spcPct val="0"/>
+            </a:spcBef>
+            <a:spcAft>
+              <a:spcPct val="15000"/>
+            </a:spcAft>
+            <a:buChar char="•"/>
+          </a:pPr>
+          <a:endParaRPr lang="en-US" sz="1800" kern="1200" dirty="0"/>
+        </a:p>
+      </dsp:txBody>
+      <dsp:txXfrm>
+        <a:off x="52" y="2039508"/>
+        <a:ext cx="5039740" cy="3211649"/>
+      </dsp:txXfrm>
+    </dsp:sp>
+    <dsp:sp modelId="{2153DE9D-BFB8-4F6F-8094-955FEF712F33}">
+      <dsp:nvSpPr>
+        <dsp:cNvPr id="0" name=""/>
+        <dsp:cNvSpPr/>
+      </dsp:nvSpPr>
+      <dsp:spPr>
+        <a:xfrm>
+          <a:off x="5745357" y="167508"/>
+          <a:ext cx="5039740" cy="1872000"/>
+        </a:xfrm>
+        <a:prstGeom prst="rect">
+          <a:avLst/>
+        </a:prstGeom>
+        <a:solidFill>
+          <a:schemeClr val="accent3">
+            <a:hueOff val="0"/>
+            <a:satOff val="0"/>
+            <a:lumOff val="0"/>
+            <a:alphaOff val="0"/>
+          </a:schemeClr>
+        </a:solidFill>
+        <a:ln w="12700" cap="flat" cmpd="sng" algn="ctr">
+          <a:solidFill>
+            <a:schemeClr val="accent3">
+              <a:hueOff val="0"/>
+              <a:satOff val="0"/>
+              <a:lumOff val="0"/>
+              <a:alphaOff val="0"/>
+            </a:schemeClr>
+          </a:solidFill>
+          <a:prstDash val="solid"/>
+          <a:miter lim="800000"/>
+        </a:ln>
+        <a:effectLst/>
+      </dsp:spPr>
+      <dsp:style>
+        <a:lnRef idx="2">
+          <a:scrgbClr r="0" g="0" b="0"/>
+        </a:lnRef>
+        <a:fillRef idx="1">
+          <a:scrgbClr r="0" g="0" b="0"/>
+        </a:fillRef>
+        <a:effectRef idx="0">
+          <a:scrgbClr r="0" g="0" b="0"/>
+        </a:effectRef>
+        <a:fontRef idx="minor">
+          <a:schemeClr val="lt1"/>
+        </a:fontRef>
+      </dsp:style>
+      <dsp:txBody>
+        <a:bodyPr spcFirstLastPara="0" vert="horz" wrap="square" lIns="128016" tIns="73152" rIns="128016" bIns="73152" numCol="1" spcCol="1270" anchor="ctr" anchorCtr="0">
+          <a:noAutofit/>
+        </a:bodyPr>
+        <a:lstStyle/>
+        <a:p>
+          <a:pPr marL="0" lvl="0" indent="0" algn="ctr" defTabSz="800100">
+            <a:lnSpc>
+              <a:spcPct val="90000"/>
+            </a:lnSpc>
+            <a:spcBef>
+              <a:spcPct val="0"/>
+            </a:spcBef>
+            <a:spcAft>
+              <a:spcPct val="35000"/>
+            </a:spcAft>
+            <a:buNone/>
+          </a:pPr>
+          <a:r>
+            <a:rPr lang="en-US" sz="1800" kern="1200" dirty="0"/>
+            <a:t>Learning Model Architecture</a:t>
+          </a:r>
+        </a:p>
+      </dsp:txBody>
+      <dsp:txXfrm>
+        <a:off x="5745357" y="167508"/>
+        <a:ext cx="5039740" cy="1872000"/>
+      </dsp:txXfrm>
+    </dsp:sp>
+    <dsp:sp modelId="{03ED3016-DA79-455E-80D7-68C38802EF2A}">
+      <dsp:nvSpPr>
+        <dsp:cNvPr id="0" name=""/>
+        <dsp:cNvSpPr/>
+      </dsp:nvSpPr>
+      <dsp:spPr>
+        <a:xfrm>
+          <a:off x="5745357" y="2039508"/>
+          <a:ext cx="5039740" cy="3211649"/>
+        </a:xfrm>
+        <a:prstGeom prst="rect">
+          <a:avLst/>
+        </a:prstGeom>
+        <a:solidFill>
+          <a:schemeClr val="accent3">
+            <a:alpha val="90000"/>
+            <a:tint val="40000"/>
+            <a:hueOff val="0"/>
+            <a:satOff val="0"/>
+            <a:lumOff val="0"/>
+            <a:alphaOff val="0"/>
+          </a:schemeClr>
+        </a:solidFill>
+        <a:ln w="12700" cap="flat" cmpd="sng" algn="ctr">
+          <a:solidFill>
+            <a:schemeClr val="accent3">
+              <a:alpha val="90000"/>
+              <a:tint val="40000"/>
+              <a:hueOff val="0"/>
+              <a:satOff val="0"/>
+              <a:lumOff val="0"/>
+              <a:alphaOff val="0"/>
+            </a:schemeClr>
+          </a:solidFill>
+          <a:prstDash val="solid"/>
+          <a:miter lim="800000"/>
+        </a:ln>
+        <a:effectLst/>
+      </dsp:spPr>
+      <dsp:style>
+        <a:lnRef idx="2">
+          <a:scrgbClr r="0" g="0" b="0"/>
+        </a:lnRef>
+        <a:fillRef idx="1">
+          <a:scrgbClr r="0" g="0" b="0"/>
+        </a:fillRef>
+        <a:effectRef idx="0">
+          <a:scrgbClr r="0" g="0" b="0"/>
+        </a:effectRef>
+        <a:fontRef idx="minor"/>
+      </dsp:style>
+      <dsp:txBody>
+        <a:bodyPr spcFirstLastPara="0" vert="horz" wrap="square" lIns="96012" tIns="96012" rIns="128016" bIns="144018" numCol="1" spcCol="1270" anchor="t" anchorCtr="0">
+          <a:noAutofit/>
+        </a:bodyPr>
+        <a:lstStyle/>
+        <a:p>
+          <a:pPr marL="171450" lvl="1" indent="-171450" algn="l" defTabSz="800100">
+            <a:lnSpc>
+              <a:spcPct val="90000"/>
+            </a:lnSpc>
+            <a:spcBef>
+              <a:spcPct val="0"/>
+            </a:spcBef>
+            <a:spcAft>
+              <a:spcPct val="15000"/>
+            </a:spcAft>
+            <a:buChar char="•"/>
+          </a:pPr>
+          <a:r>
+            <a:rPr lang="en-US" sz="1800" kern="1200" dirty="0"/>
+            <a:t>Build in Weakly Supervised Regression model instead of SVM classifier</a:t>
+          </a:r>
+        </a:p>
+        <a:p>
+          <a:pPr marL="171450" lvl="1" indent="-171450" algn="l" defTabSz="800100">
+            <a:lnSpc>
+              <a:spcPct val="90000"/>
+            </a:lnSpc>
+            <a:spcBef>
+              <a:spcPct val="0"/>
+            </a:spcBef>
+            <a:spcAft>
+              <a:spcPct val="15000"/>
+            </a:spcAft>
+            <a:buChar char="•"/>
+          </a:pPr>
+          <a:r>
+            <a:rPr lang="en-US" sz="1800" kern="1200" dirty="0"/>
+            <a:t>Can a Transformer style architecture be used?</a:t>
+          </a:r>
+        </a:p>
+        <a:p>
+          <a:pPr marL="171450" lvl="1" indent="-171450" algn="l" defTabSz="800100">
+            <a:lnSpc>
+              <a:spcPct val="90000"/>
+            </a:lnSpc>
+            <a:spcBef>
+              <a:spcPct val="0"/>
+            </a:spcBef>
+            <a:spcAft>
+              <a:spcPct val="15000"/>
+            </a:spcAft>
+            <a:buChar char="•"/>
+          </a:pPr>
+          <a:r>
+            <a:rPr lang="en-US" sz="1800" kern="1200" dirty="0"/>
+            <a:t>How to use attention from a transformer in the weakly supervised setting? </a:t>
+          </a:r>
+          <a:r>
+            <a:rPr lang="en-US" sz="1800" kern="1200" dirty="0" err="1"/>
+            <a:t>ViT</a:t>
+          </a:r>
+          <a:r>
+            <a:rPr lang="en-US" sz="1800" kern="1200" dirty="0"/>
+            <a:t> input is video slices, but trained to give video classification overall, does attention over the slices </a:t>
+          </a:r>
+          <a:r>
+            <a:rPr lang="en-US" sz="1800" kern="1200" dirty="0" err="1"/>
+            <a:t>localise</a:t>
+          </a:r>
+          <a:r>
+            <a:rPr lang="en-US" sz="1800" kern="1200" dirty="0"/>
+            <a:t> the anomaly? Is there a way to incorporate the pos/neg bagging process from the older method? </a:t>
+          </a:r>
+        </a:p>
+        <a:p>
+          <a:pPr marL="171450" lvl="1" indent="-171450" algn="l" defTabSz="800100">
+            <a:lnSpc>
+              <a:spcPct val="90000"/>
+            </a:lnSpc>
+            <a:spcBef>
+              <a:spcPct val="0"/>
+            </a:spcBef>
+            <a:spcAft>
+              <a:spcPct val="15000"/>
+            </a:spcAft>
+            <a:buChar char="•"/>
+          </a:pPr>
+          <a:endParaRPr lang="en-US" sz="1800" kern="1200" dirty="0"/>
+        </a:p>
+      </dsp:txBody>
+      <dsp:txXfrm>
+        <a:off x="5745357" y="2039508"/>
+        <a:ext cx="5039740" cy="3211649"/>
+      </dsp:txXfrm>
+    </dsp:sp>
+  </dsp:spTree>
+</dsp:drawing>
+</file>
+
+<file path=ppt/diagrams/layout1.xml><?xml version="1.0" encoding="utf-8"?>
+<dgm:layoutDef xmlns:dgm="http://schemas.openxmlformats.org/drawingml/2006/diagram" xmlns:a="http://schemas.openxmlformats.org/drawingml/2006/main" uniqueId="urn:microsoft.com/office/officeart/2005/8/layout/hList1">
+  <dgm:title val=""/>
+  <dgm:desc val=""/>
+  <dgm:catLst>
+    <dgm:cat type="list" pri="5000"/>
+    <dgm:cat type="convert" pri="5000"/>
+  </dgm:catLst>
+  <dgm:sampData>
+    <dgm:dataModel>
+      <dgm:ptLst>
+        <dgm:pt modelId="0" type="doc"/>
+        <dgm:pt modelId="1">
+          <dgm:prSet phldr="1"/>
+        </dgm:pt>
+        <dgm:pt modelId="11">
+          <dgm:prSet phldr="1"/>
+        </dgm:pt>
+        <dgm:pt modelId="12">
+          <dgm:prSet phldr="1"/>
+        </dgm:pt>
+        <dgm:pt modelId="2">
+          <dgm:prSet phldr="1"/>
+        </dgm:pt>
+        <dgm:pt modelId="21">
+          <dgm:prSet phldr="1"/>
+        </dgm:pt>
+        <dgm:pt modelId="22">
+          <dgm:prSet phldr="1"/>
+        </dgm:pt>
+        <dgm:pt modelId="3">
+          <dgm:prSet phldr="1"/>
+        </dgm:pt>
+        <dgm:pt modelId="31">
+          <dgm:prSet phldr="1"/>
+        </dgm:pt>
+        <dgm:pt modelId="32">
+          <dgm:prSet phldr="1"/>
+        </dgm:pt>
+      </dgm:ptLst>
+      <dgm:cxnLst>
+        <dgm:cxn modelId="4" srcId="0" destId="1" srcOrd="0" destOrd="0"/>
+        <dgm:cxn modelId="5" srcId="0" destId="2" srcOrd="1" destOrd="0"/>
+        <dgm:cxn modelId="6" srcId="0" destId="3" srcOrd="2" destOrd="0"/>
+        <dgm:cxn modelId="13" srcId="1" destId="11" srcOrd="0" destOrd="0"/>
+        <dgm:cxn modelId="14" srcId="1" destId="12" srcOrd="1" destOrd="0"/>
+        <dgm:cxn modelId="23" srcId="2" destId="21" srcOrd="0" destOrd="0"/>
+        <dgm:cxn modelId="24" srcId="2" destId="22" srcOrd="1" destOrd="0"/>
+        <dgm:cxn modelId="33" srcId="3" destId="31" srcOrd="0" destOrd="0"/>
+        <dgm:cxn modelId="34" srcId="3" destId="32" srcOrd="1" destOrd="0"/>
+      </dgm:cxnLst>
+      <dgm:bg/>
+      <dgm:whole/>
+    </dgm:dataModel>
+  </dgm:sampData>
+  <dgm:styleData>
+    <dgm:dataModel>
+      <dgm:ptLst>
+        <dgm:pt modelId="0" type="doc"/>
+        <dgm:pt modelId="1">
+          <dgm:prSet phldr="1"/>
+        </dgm:pt>
+        <dgm:pt modelId="2">
+          <dgm:prSet phldr="1"/>
+        </dgm:pt>
+      </dgm:ptLst>
+      <dgm:cxnLst>
+        <dgm:cxn modelId="3" srcId="0" destId="1" srcOrd="0" destOrd="0"/>
+        <dgm:cxn modelId="4" srcId="0" destId="2" srcOrd="1" destOrd="0"/>
+      </dgm:cxnLst>
+      <dgm:bg/>
+      <dgm:whole/>
+    </dgm:dataModel>
+  </dgm:styleData>
+  <dgm:clrData>
+    <dgm:dataModel>
+      <dgm:ptLst>
+        <dgm:pt modelId="0" type="doc"/>
+        <dgm:pt modelId="1">
+          <dgm:prSet phldr="1"/>
+        </dgm:pt>
+        <dgm:pt modelId="2">
+          <dgm:prSet phldr="1"/>
+        </dgm:pt>
+        <dgm:pt modelId="3">
+          <dgm:prSet phldr="1"/>
+        </dgm:pt>
+        <dgm:pt modelId="4">
+          <dgm:prSet phldr="1"/>
+        </dgm:pt>
+      </dgm:ptLst>
+      <dgm:cxnLst>
+        <dgm:cxn modelId="5" srcId="0" destId="1" srcOrd="0" destOrd="0"/>
+        <dgm:cxn modelId="6" srcId="0" destId="2" srcOrd="1" destOrd="0"/>
+        <dgm:cxn modelId="7" srcId="0" destId="3" srcOrd="2" destOrd="0"/>
+        <dgm:cxn modelId="8" srcId="0" destId="4" srcOrd="3" destOrd="0"/>
+      </dgm:cxnLst>
+      <dgm:bg/>
+      <dgm:whole/>
+    </dgm:dataModel>
+  </dgm:clrData>
+  <dgm:layoutNode name="Name0">
+    <dgm:varLst>
+      <dgm:dir/>
+      <dgm:animLvl val="lvl"/>
+      <dgm:resizeHandles val="exact"/>
+    </dgm:varLst>
+    <dgm:choose name="Name1">
+      <dgm:if name="Name2" func="var" arg="dir" op="equ" val="norm">
+        <dgm:alg type="lin"/>
+      </dgm:if>
+      <dgm:else name="Name3">
+        <dgm:alg type="lin">
+          <dgm:param type="linDir" val="fromR"/>
+        </dgm:alg>
+      </dgm:else>
+    </dgm:choose>
+    <dgm:shape xmlns:r="http://schemas.openxmlformats.org/officeDocument/2006/relationships" r:blip="">
+      <dgm:adjLst/>
+    </dgm:shape>
+    <dgm:presOf/>
+    <dgm:constrLst>
+      <dgm:constr type="h" for="ch" forName="composite" refType="h"/>
+      <dgm:constr type="w" for="ch" forName="composite" refType="w"/>
+      <dgm:constr type="w" for="des" forName="parTx"/>
+      <dgm:constr type="h" for="des" forName="parTx" op="equ"/>
+      <dgm:constr type="w" for="des" forName="desTx"/>
+      <dgm:constr type="h" for="des" forName="desTx" op="equ"/>
+      <dgm:constr type="primFontSz" for="des" forName="parTx" val="65"/>
+      <dgm:constr type="secFontSz" for="des" forName="desTx" refType="primFontSz" refFor="des" refForName="parTx" op="equ"/>
+      <dgm:constr type="h" for="des" forName="parTx" refType="primFontSz" refFor="des" refForName="parTx" fact="0.8"/>
+      <dgm:constr type="h" for="des" forName="desTx" refType="primFontSz" refFor="des" refForName="parTx" fact="1.22"/>
+      <dgm:constr type="w" for="ch" forName="space" refType="w" refFor="ch" refForName="composite" op="equ" fact="0.14"/>
+    </dgm:constrLst>
+    <dgm:ruleLst>
+      <dgm:rule type="w" for="ch" forName="composite" val="0" fact="NaN" max="NaN"/>
+      <dgm:rule type="primFontSz" for="des" forName="parTx" val="5" fact="NaN" max="NaN"/>
+    </dgm:ruleLst>
+    <dgm:forEach name="Name4" axis="ch" ptType="node">
+      <dgm:layoutNode name="composite">
+        <dgm:alg type="composite"/>
+        <dgm:shape xmlns:r="http://schemas.openxmlformats.org/officeDocument/2006/relationships" r:blip="">
+          <dgm:adjLst/>
+        </dgm:shape>
+        <dgm:presOf/>
+        <dgm:constrLst>
+          <dgm:constr type="l" for="ch" forName="parTx"/>
+          <dgm:constr type="w" for="ch" forName="parTx" refType="w"/>
+          <dgm:constr type="t" for="ch" forName="parTx"/>
+          <dgm:constr type="l" for="ch" forName="desTx"/>
+          <dgm:constr type="w" for="ch" forName="desTx" refType="w" refFor="ch" refForName="parTx"/>
+          <dgm:constr type="t" for="ch" forName="desTx" refType="h" refFor="ch" refForName="parTx"/>
+        </dgm:constrLst>
+        <dgm:ruleLst>
+          <dgm:rule type="h" val="INF" fact="NaN" max="NaN"/>
+        </dgm:ruleLst>
+        <dgm:layoutNode name="parTx" styleLbl="alignNode1">
+          <dgm:varLst>
+            <dgm:chMax val="0"/>
+            <dgm:chPref val="0"/>
+            <dgm:bulletEnabled val="1"/>
+          </dgm:varLst>
+          <dgm:alg type="tx"/>
+          <dgm:shape xmlns:r="http://schemas.openxmlformats.org/officeDocument/2006/relationships" type="rect" r:blip="">
+            <dgm:adjLst/>
+          </dgm:shape>
+          <dgm:presOf axis="self" ptType="node"/>
+          <dgm:constrLst>
+            <dgm:constr type="h" refType="w" op="lte" fact="0.4"/>
+            <dgm:constr type="h"/>
+            <dgm:constr type="tMarg" refType="primFontSz" fact="0.32"/>
+            <dgm:constr type="bMarg" refType="primFontSz" fact="0.32"/>
+          </dgm:constrLst>
+          <dgm:ruleLst>
+            <dgm:rule type="h" val="INF" fact="NaN" max="NaN"/>
+          </dgm:ruleLst>
+        </dgm:layoutNode>
+        <dgm:layoutNode name="desTx" styleLbl="alignAccFollowNode1">
+          <dgm:varLst>
+            <dgm:bulletEnabled val="1"/>
+          </dgm:varLst>
+          <dgm:alg type="tx">
+            <dgm:param type="stBulletLvl" val="1"/>
+          </dgm:alg>
+          <dgm:shape xmlns:r="http://schemas.openxmlformats.org/officeDocument/2006/relationships" type="rect" r:blip="">
+            <dgm:adjLst/>
+          </dgm:shape>
+          <dgm:presOf axis="des" ptType="node"/>
+          <dgm:constrLst>
+            <dgm:constr type="secFontSz" val="65"/>
+            <dgm:constr type="primFontSz" refType="secFontSz"/>
+            <dgm:constr type="h"/>
+            <dgm:constr type="lMarg" refType="primFontSz" fact="0.42"/>
+            <dgm:constr type="tMarg" refType="primFontSz" fact="0.42"/>
+            <dgm:constr type="bMarg" refType="primFontSz" fact="0.63"/>
+          </dgm:constrLst>
+          <dgm:ruleLst>
+            <dgm:rule type="h" val="INF" fact="NaN" max="NaN"/>
+          </dgm:ruleLst>
+        </dgm:layoutNode>
+      </dgm:layoutNode>
+      <dgm:forEach name="Name5" axis="followSib" ptType="sibTrans" cnt="1">
+        <dgm:layoutNode name="space">
+          <dgm:alg type="sp"/>
+          <dgm:shape xmlns:r="http://schemas.openxmlformats.org/officeDocument/2006/relationships" r:blip="">
+            <dgm:adjLst/>
+          </dgm:shape>
+          <dgm:presOf/>
+          <dgm:constrLst/>
+          <dgm:ruleLst/>
+        </dgm:layoutNode>
+      </dgm:forEach>
+    </dgm:forEach>
+  </dgm:layoutNode>
+</dgm:layoutDef>
+</file>
+
+<file path=ppt/diagrams/quickStyle1.xml><?xml version="1.0" encoding="utf-8"?>
+<dgm:styleDef xmlns:dgm="http://schemas.openxmlformats.org/drawingml/2006/diagram" xmlns:a="http://schemas.openxmlformats.org/drawingml/2006/main" uniqueId="urn:microsoft.com/office/officeart/2005/8/quickstyle/simple1">
+  <dgm:title val=""/>
+  <dgm:desc val=""/>
+  <dgm:catLst>
+    <dgm:cat type="simple" pri="10100"/>
+  </dgm:catLst>
+  <dgm:scene3d>
+    <a:camera prst="orthographicFront"/>
+    <a:lightRig rig="threePt" dir="t"/>
+  </dgm:scene3d>
+  <dgm:styleLbl name="node0">
+    <dgm:scene3d>
+      <a:camera prst="orthographicFront"/>
+      <a:lightRig rig="threePt" dir="t"/>
+    </dgm:scene3d>
+    <dgm:sp3d/>
+    <dgm:txPr/>
+    <dgm:style>
+      <a:lnRef idx="2">
+        <a:scrgbClr r="0" g="0" b="0"/>
+      </a:lnRef>
+      <a:fillRef idx="1">
+        <a:scrgbClr r="0" g="0" b="0"/>
+      </a:fillRef>
+      <a:effectRef idx="0">
+        <a:scrgbClr r="0" g="0" b="0"/>
+      </a:effectRef>
+      <a:fontRef idx="minor">
+        <a:schemeClr val="lt1"/>
+      </a:fontRef>
+    </dgm:style>
+  </dgm:styleLbl>
+  <dgm:styleLbl name="lnNode1">
+    <dgm:scene3d>
+      <a:camera prst="orthographicFront"/>
+      <a:lightRig rig="threePt" dir="t"/>
+    </dgm:scene3d>
+    <dgm:sp3d/>
+    <dgm:txPr/>
+    <dgm:style>
+      <a:lnRef idx="2">
+        <a:scrgbClr r="0" g="0" b="0"/>
+      </a:lnRef>
+      <a:fillRef idx="1">
+        <a:scrgbClr r="0" g="0" b="0"/>
+      </a:fillRef>
+      <a:effectRef idx="0">
+        <a:scrgbClr r="0" g="0" b="0"/>
+      </a:effectRef>
+      <a:fontRef idx="minor">
+        <a:schemeClr val="lt1"/>
+      </a:fontRef>
+    </dgm:style>
+  </dgm:styleLbl>
+  <dgm:styleLbl name="vennNode1">
+    <dgm:scene3d>
+      <a:camera prst="orthographicFront"/>
+      <a:lightRig rig="threePt" dir="t"/>
+    </dgm:scene3d>
+    <dgm:sp3d/>
+    <dgm:txPr/>
+    <dgm:style>
+      <a:lnRef idx="2">
+        <a:scrgbClr r="0" g="0" b="0"/>
+      </a:lnRef>
+      <a:fillRef idx="1">
+        <a:scrgbClr r="0" g="0" b="0"/>
+      </a:fillRef>
+      <a:effectRef idx="0">
+        <a:scrgbClr r="0" g="0" b="0"/>
+      </a:effectRef>
+      <a:fontRef idx="minor">
+        <a:schemeClr val="tx1"/>
+      </a:fontRef>
+    </dgm:style>
+  </dgm:styleLbl>
+  <dgm:styleLbl name="alignNode1">
+    <dgm:scene3d>
+      <a:camera prst="orthographicFront"/>
+      <a:lightRig rig="threePt" dir="t"/>
+    </dgm:scene3d>
+    <dgm:sp3d/>
+    <dgm:txPr/>
+    <dgm:style>
+      <a:lnRef idx="2">
+        <a:scrgbClr r="0" g="0" b="0"/>
+      </a:lnRef>
+      <a:fillRef idx="1">
+        <a:scrgbClr r="0" g="0" b="0"/>
+      </a:fillRef>
+      <a:effectRef idx="0">
+        <a:scrgbClr r="0" g="0" b="0"/>
+      </a:effectRef>
+      <a:fontRef idx="minor">
+        <a:schemeClr val="lt1"/>
+      </a:fontRef>
+    </dgm:style>
+  </dgm:styleLbl>
+  <dgm:styleLbl name="node1">
+    <dgm:scene3d>
+      <a:camera prst="orthographicFront"/>
+      <a:lightRig rig="threePt" dir="t"/>
+    </dgm:scene3d>
+    <dgm:sp3d/>
+    <dgm:txPr/>
+    <dgm:style>
+      <a:lnRef idx="2">
+        <a:scrgbClr r="0" g="0" b="0"/>
+      </a:lnRef>
+      <a:fillRef idx="1">
+        <a:scrgbClr r="0" g="0" b="0"/>
+      </a:fillRef>
+      <a:effectRef idx="0">
+        <a:scrgbClr r="0" g="0" b="0"/>
+      </a:effectRef>
+      <a:fontRef idx="minor">
+        <a:schemeClr val="lt1"/>
+      </a:fontRef>
+    </dgm:style>
+  </dgm:styleLbl>
+  <dgm:styleLbl name="node2">
+    <dgm:scene3d>
+      <a:camera prst="orthographicFront"/>
+      <a:lightRig rig="threePt" dir="t"/>
+    </dgm:scene3d>
+    <dgm:sp3d/>
+    <dgm:txPr/>
+    <dgm:style>
+      <a:lnRef idx="2">
+        <a:scrgbClr r="0" g="0" b="0"/>
+      </a:lnRef>
+      <a:fillRef idx="1">
+        <a:scrgbClr r="0" g="0" b="0"/>
+      </a:fillRef>
+      <a:effectRef idx="0">
+        <a:scrgbClr r="0" g="0" b="0"/>
+      </a:effectRef>
+      <a:fontRef idx="minor">
+        <a:schemeClr val="lt1"/>
+      </a:fontRef>
+    </dgm:style>
+  </dgm:styleLbl>
+  <dgm:styleLbl name="node3">
+    <dgm:scene3d>
+      <a:camera prst="orthographicFront"/>
+      <a:lightRig rig="threePt" dir="t"/>
+    </dgm:scene3d>
+    <dgm:sp3d/>
+    <dgm:txPr/>
+    <dgm:style>
+      <a:lnRef idx="2">
+        <a:scrgbClr r="0" g="0" b="0"/>
+      </a:lnRef>
+      <a:fillRef idx="1">
+        <a:scrgbClr r="0" g="0" b="0"/>
+      </a:fillRef>
+      <a:effectRef idx="0">
+        <a:scrgbClr r="0" g="0" b="0"/>
+      </a:effectRef>
+      <a:fontRef idx="minor">
+        <a:schemeClr val="lt1"/>
+      </a:fontRef>
+    </dgm:style>
+  </dgm:styleLbl>
+  <dgm:styleLbl name="node4">
+    <dgm:scene3d>
+      <a:camera prst="orthographicFront"/>
+      <a:lightRig rig="threePt" dir="t"/>
+    </dgm:scene3d>
+    <dgm:sp3d/>
+    <dgm:txPr/>
+    <dgm:style>
+      <a:lnRef idx="2">
+        <a:scrgbClr r="0" g="0" b="0"/>
+      </a:lnRef>
+      <a:fillRef idx="1">
+        <a:scrgbClr r="0" g="0" b="0"/>
+      </a:fillRef>
+      <a:effectRef idx="0">
+        <a:scrgbClr r="0" g="0" b="0"/>
+      </a:effectRef>
+      <a:fontRef idx="minor">
+        <a:schemeClr val="lt1"/>
+      </a:fontRef>
+    </dgm:style>
+  </dgm:styleLbl>
+  <dgm:styleLbl name="fgImgPlace1">
+    <dgm:scene3d>
+      <a:camera prst="orthographicFront"/>
+      <a:lightRig rig="threePt" dir="t"/>
+    </dgm:scene3d>
+    <dgm:sp3d/>
+    <dgm:txPr/>
+    <dgm:style>
+      <a:lnRef idx="2">
+        <a:scrgbClr r="0" g="0" b="0"/>
+      </a:lnRef>
+      <a:fillRef idx="1">
+        <a:scrgbClr r="0" g="0" b="0"/>
+      </a:fillRef>
+      <a:effectRef idx="0">
+        <a:scrgbClr r="0" g="0" b="0"/>
+      </a:effectRef>
+      <a:fontRef idx="minor"/>
+    </dgm:style>
+  </dgm:styleLbl>
+  <dgm:styleLbl name="alignImgPlace1">
+    <dgm:scene3d>
+      <a:camera prst="orthographicFront"/>
+      <a:lightRig rig="threePt" dir="t"/>
+    </dgm:scene3d>
+    <dgm:sp3d/>
+    <dgm:txPr/>
+    <dgm:style>
+      <a:lnRef idx="2">
+        <a:scrgbClr r="0" g="0" b="0"/>
+      </a:lnRef>
+      <a:fillRef idx="1">
+        <a:scrgbClr r="0" g="0" b="0"/>
+      </a:fillRef>
+      <a:effectRef idx="0">
+        <a:scrgbClr r="0" g="0" b="0"/>
+      </a:effectRef>
+      <a:fontRef idx="minor"/>
+    </dgm:style>
+  </dgm:styleLbl>
+  <dgm:styleLbl name="bgImgPlace1">
+    <dgm:scene3d>
+      <a:camera prst="orthographicFront"/>
+      <a:lightRig rig="threePt" dir="t"/>
+    </dgm:scene3d>
+    <dgm:sp3d/>
+    <dgm:txPr/>
+    <dgm:style>
+      <a:lnRef idx="2">
+        <a:scrgbClr r="0" g="0" b="0"/>
+      </a:lnRef>
+      <a:fillRef idx="1">
+        <a:scrgbClr r="0" g="0" b="0"/>
+      </a:fillRef>
+      <a:effectRef idx="0">
+        <a:scrgbClr r="0" g="0" b="0"/>
+      </a:effectRef>
+      <a:fontRef idx="minor"/>
+    </dgm:style>
+  </dgm:styleLbl>
+  <dgm:styleLbl name="sibTrans2D1">
+    <dgm:scene3d>
+      <a:camera prst="orthographicFront"/>
+      <a:lightRig rig="threePt" dir="t"/>
+    </dgm:scene3d>
+    <dgm:sp3d/>
+    <dgm:txPr/>
+    <dgm:style>
+      <a:lnRef idx="0">
+        <a:scrgbClr r="0" g="0" b="0"/>
+      </a:lnRef>
+      <a:fillRef idx="1">
+        <a:scrgbClr r="0" g="0" b="0"/>
+      </a:fillRef>
+      <a:effectRef idx="0">
+        <a:scrgbClr r="0" g="0" b="0"/>
+      </a:effectRef>
+      <a:fontRef idx="minor">
+        <a:schemeClr val="lt1"/>
+      </a:fontRef>
+    </dgm:style>
+  </dgm:styleLbl>
+  <dgm:styleLbl name="fgSibTrans2D1">
+    <dgm:scene3d>
+      <a:camera prst="orthographicFront"/>
+      <a:lightRig rig="threePt" dir="t"/>
+    </dgm:scene3d>
+    <dgm:sp3d/>
+    <dgm:txPr/>
+    <dgm:style>
+      <a:lnRef idx="0">
+        <a:scrgbClr r="0" g="0" b="0"/>
+      </a:lnRef>
+      <a:fillRef idx="1">
+        <a:scrgbClr r="0" g="0" b="0"/>
+      </a:fillRef>
+      <a:effectRef idx="0">
+        <a:scrgbClr r="0" g="0" b="0"/>
+      </a:effectRef>
+      <a:fontRef idx="minor">
+        <a:schemeClr val="lt1"/>
+      </a:fontRef>
+    </dgm:style>
+  </dgm:styleLbl>
+  <dgm:styleLbl name="bgSibTrans2D1">
+    <dgm:scene3d>
+      <a:camera prst="orthographicFront"/>
+      <a:lightRig rig="threePt" dir="t"/>
+    </dgm:scene3d>
+    <dgm:sp3d/>
+    <dgm:txPr/>
+    <dgm:style>
+      <a:lnRef idx="0">
+        <a:scrgbClr r="0" g="0" b="0"/>
+      </a:lnRef>
+      <a:fillRef idx="1">
+        <a:scrgbClr r="0" g="0" b="0"/>
+      </a:fillRef>
+      <a:effectRef idx="0">
+        <a:scrgbClr r="0" g="0" b="0"/>
+      </a:effectRef>
+      <a:fontRef idx="minor">
+        <a:schemeClr val="lt1"/>
+      </a:fontRef>
+    </dgm:style>
+  </dgm:styleLbl>
+  <dgm:styleLbl name="sibTrans1D1">
+    <dgm:scene3d>
+      <a:camera prst="orthographicFront"/>
+      <a:lightRig rig="threePt" dir="t"/>
+    </dgm:scene3d>
+    <dgm:sp3d/>
+    <dgm:txPr/>
+    <dgm:style>
+      <a:lnRef idx="1">
+        <a:scrgbClr r="0" g="0" b="0"/>
+      </a:lnRef>
+      <a:fillRef idx="0">
+        <a:scrgbClr r="0" g="0" b="0"/>
+      </a:fillRef>
+      <a:effectRef idx="0">
+        <a:scrgbClr r="0" g="0" b="0"/>
+      </a:effectRef>
+      <a:fontRef idx="minor"/>
+    </dgm:style>
+  </dgm:styleLbl>
+  <dgm:styleLbl name="callout">
+    <dgm:scene3d>
+      <a:camera prst="orthographicFront"/>
+      <a:lightRig rig="threePt" dir="t"/>
+    </dgm:scene3d>
+    <dgm:sp3d/>
+    <dgm:txPr/>
+    <dgm:style>
+      <a:lnRef idx="2">
+        <a:scrgbClr r="0" g="0" b="0"/>
+      </a:lnRef>
+      <a:fillRef idx="1">
+        <a:scrgbClr r="0" g="0" b="0"/>
+      </a:fillRef>
+      <a:effectRef idx="0">
+        <a:scrgbClr r="0" g="0" b="0"/>
+      </a:effectRef>
+      <a:fontRef idx="minor"/>
+    </dgm:style>
+  </dgm:styleLbl>
+  <dgm:styleLbl name="asst0">
+    <dgm:scene3d>
+      <a:camera prst="orthographicFront"/>
+      <a:lightRig rig="threePt" dir="t"/>
+    </dgm:scene3d>
+    <dgm:sp3d/>
+    <dgm:txPr/>
+    <dgm:style>
+      <a:lnRef idx="2">
+        <a:scrgbClr r="0" g="0" b="0"/>
+      </a:lnRef>
+      <a:fillRef idx="1">
+        <a:scrgbClr r="0" g="0" b="0"/>
+      </a:fillRef>
+      <a:effectRef idx="0">
+        <a:scrgbClr r="0" g="0" b="0"/>
+      </a:effectRef>
+      <a:fontRef idx="minor">
+        <a:schemeClr val="lt1"/>
+      </a:fontRef>
+    </dgm:style>
+  </dgm:styleLbl>
+  <dgm:styleLbl name="asst1">
+    <dgm:scene3d>
+      <a:camera prst="orthographicFront"/>
+      <a:lightRig rig="threePt" dir="t"/>
+    </dgm:scene3d>
+    <dgm:sp3d/>
+    <dgm:txPr/>
+    <dgm:style>
+      <a:lnRef idx="2">
+        <a:scrgbClr r="0" g="0" b="0"/>
+      </a:lnRef>
+      <a:fillRef idx="1">
+        <a:scrgbClr r="0" g="0" b="0"/>
+      </a:fillRef>
+      <a:effectRef idx="0">
+        <a:scrgbClr r="0" g="0" b="0"/>
+      </a:effectRef>
+      <a:fontRef idx="minor">
+        <a:schemeClr val="lt1"/>
+      </a:fontRef>
+    </dgm:style>
+  </dgm:styleLbl>
+  <dgm:styleLbl name="asst2">
+    <dgm:scene3d>
+      <a:camera prst="orthographicFront"/>
+      <a:lightRig rig="threePt" dir="t"/>
+    </dgm:scene3d>
+    <dgm:sp3d/>
+    <dgm:txPr/>
+    <dgm:style>
+      <a:lnRef idx="2">
+        <a:scrgbClr r="0" g="0" b="0"/>
+      </a:lnRef>
+      <a:fillRef idx="1">
+        <a:scrgbClr r="0" g="0" b="0"/>
+      </a:fillRef>
+      <a:effectRef idx="0">
+        <a:scrgbClr r="0" g="0" b="0"/>
+      </a:effectRef>
+      <a:fontRef idx="minor">
+        <a:schemeClr val="lt1"/>
+      </a:fontRef>
+    </dgm:style>
+  </dgm:styleLbl>
+  <dgm:styleLbl name="asst3">
+    <dgm:scene3d>
+      <a:camera prst="orthographicFront"/>
+      <a:lightRig rig="threePt" dir="t"/>
+    </dgm:scene3d>
+    <dgm:sp3d/>
+    <dgm:txPr/>
+    <dgm:style>
+      <a:lnRef idx="2">
+        <a:scrgbClr r="0" g="0" b="0"/>
+      </a:lnRef>
+      <a:fillRef idx="1">
+        <a:scrgbClr r="0" g="0" b="0"/>
+      </a:fillRef>
+      <a:effectRef idx="0">
+        <a:scrgbClr r="0" g="0" b="0"/>
+      </a:effectRef>
+      <a:fontRef idx="minor">
+        <a:schemeClr val="lt1"/>
+      </a:fontRef>
+    </dgm:style>
+  </dgm:styleLbl>
+  <dgm:styleLbl name="asst4">
+    <dgm:scene3d>
+      <a:camera prst="orthographicFront"/>
+      <a:lightRig rig="threePt" dir="t"/>
+    </dgm:scene3d>
+    <dgm:sp3d/>
+    <dgm:txPr/>
+    <dgm:style>
+      <a:lnRef idx="2">
+        <a:scrgbClr r="0" g="0" b="0"/>
+      </a:lnRef>
+      <a:fillRef idx="1">
+        <a:scrgbClr r="0" g="0" b="0"/>
+      </a:fillRef>
+      <a:effectRef idx="0">
+        <a:scrgbClr r="0" g="0" b="0"/>
+      </a:effectRef>
+      <a:fontRef idx="minor">
+        <a:schemeClr val="lt1"/>
+      </a:fontRef>
+    </dgm:style>
+  </dgm:styleLbl>
+  <dgm:styleLbl name="parChTrans2D1">
+    <dgm:scene3d>
+      <a:camera prst="orthographicFront"/>
+      <a:lightRig rig="threePt" dir="t"/>
+    </dgm:scene3d>
+    <dgm:sp3d/>
+    <dgm:txPr/>
+    <dgm:style>
+      <a:lnRef idx="2">
+        <a:scrgbClr r="0" g="0" b="0"/>
+      </a:lnRef>
+      <a:fillRef idx="1">
+        <a:scrgbClr r="0" g="0" b="0"/>
+      </a:fillRef>
+      <a:effectRef idx="0">
+        <a:scrgbClr r="0" g="0" b="0"/>
+      </a:effectRef>
+      <a:fontRef idx="minor">
+        <a:schemeClr val="lt1"/>
+      </a:fontRef>
+    </dgm:style>
+  </dgm:styleLbl>
+  <dgm:styleLbl name="parChTrans2D2">
+    <dgm:scene3d>
+      <a:camera prst="orthographicFront"/>
+      <a:lightRig rig="threePt" dir="t"/>
+    </dgm:scene3d>
+    <dgm:sp3d/>
+    <dgm:txPr/>
+    <dgm:style>
+      <a:lnRef idx="2">
+        <a:scrgbClr r="0" g="0" b="0"/>
+      </a:lnRef>
+      <a:fillRef idx="1">
+        <a:scrgbClr r="0" g="0" b="0"/>
+      </a:fillRef>
+      <a:effectRef idx="0">
+        <a:scrgbClr r="0" g="0" b="0"/>
+      </a:effectRef>
+      <a:fontRef idx="minor">
+        <a:schemeClr val="lt1"/>
+      </a:fontRef>
+    </dgm:style>
+  </dgm:styleLbl>
+  <dgm:styleLbl name="parChTrans2D3">
+    <dgm:scene3d>
+      <a:camera prst="orthographicFront"/>
+      <a:lightRig rig="threePt" dir="t"/>
+    </dgm:scene3d>
+    <dgm:sp3d/>
+    <dgm:txPr/>
+    <dgm:style>
+      <a:lnRef idx="2">
+        <a:scrgbClr r="0" g="0" b="0"/>
+      </a:lnRef>
+      <a:fillRef idx="1">
+        <a:scrgbClr r="0" g="0" b="0"/>
+      </a:fillRef>
+      <a:effectRef idx="0">
+        <a:scrgbClr r="0" g="0" b="0"/>
+      </a:effectRef>
+      <a:fontRef idx="minor">
+        <a:schemeClr val="lt1"/>
+      </a:fontRef>
+    </dgm:style>
+  </dgm:styleLbl>
+  <dgm:styleLbl name="parChTrans2D4">
+    <dgm:scene3d>
+      <a:camera prst="orthographicFront"/>
+      <a:lightRig rig="threePt" dir="t"/>
+    </dgm:scene3d>
+    <dgm:sp3d/>
+    <dgm:txPr/>
+    <dgm:style>
+      <a:lnRef idx="2">
+        <a:scrgbClr r="0" g="0" b="0"/>
+      </a:lnRef>
+      <a:fillRef idx="1">
+        <a:scrgbClr r="0" g="0" b="0"/>
+      </a:fillRef>
+      <a:effectRef idx="0">
+        <a:scrgbClr r="0" g="0" b="0"/>
+      </a:effectRef>
+      <a:fontRef idx="minor">
+        <a:schemeClr val="lt1"/>
+      </a:fontRef>
+    </dgm:style>
+  </dgm:styleLbl>
+  <dgm:styleLbl name="parChTrans1D1">
+    <dgm:scene3d>
+      <a:camera prst="orthographicFront"/>
+      <a:lightRig rig="threePt" dir="t"/>
+    </dgm:scene3d>
+    <dgm:sp3d/>
+    <dgm:txPr/>
+    <dgm:style>
+      <a:lnRef idx="2">
+        <a:scrgbClr r="0" g="0" b="0"/>
+      </a:lnRef>
+      <a:fillRef idx="0">
+        <a:scrgbClr r="0" g="0" b="0"/>
+      </a:fillRef>
+      <a:effectRef idx="0">
+        <a:scrgbClr r="0" g="0" b="0"/>
+      </a:effectRef>
+      <a:fontRef idx="minor"/>
+    </dgm:style>
+  </dgm:styleLbl>
+  <dgm:styleLbl name="parChTrans1D2">
+    <dgm:scene3d>
+      <a:camera prst="orthographicFront"/>
+      <a:lightRig rig="threePt" dir="t"/>
+    </dgm:scene3d>
+    <dgm:sp3d/>
+    <dgm:txPr/>
+    <dgm:style>
+      <a:lnRef idx="2">
+        <a:scrgbClr r="0" g="0" b="0"/>
+      </a:lnRef>
+      <a:fillRef idx="0">
+        <a:scrgbClr r="0" g="0" b="0"/>
+      </a:fillRef>
+      <a:effectRef idx="0">
+        <a:scrgbClr r="0" g="0" b="0"/>
+      </a:effectRef>
+      <a:fontRef idx="minor"/>
+    </dgm:style>
+  </dgm:styleLbl>
+  <dgm:styleLbl name="parChTrans1D3">
+    <dgm:scene3d>
+      <a:camera prst="orthographicFront"/>
+      <a:lightRig rig="threePt" dir="t"/>
+    </dgm:scene3d>
+    <dgm:sp3d/>
+    <dgm:txPr/>
+    <dgm:style>
+      <a:lnRef idx="2">
+        <a:scrgbClr r="0" g="0" b="0"/>
+      </a:lnRef>
+      <a:fillRef idx="0">
+        <a:scrgbClr r="0" g="0" b="0"/>
+      </a:fillRef>
+      <a:effectRef idx="0">
+        <a:scrgbClr r="0" g="0" b="0"/>
+      </a:effectRef>
+      <a:fontRef idx="minor"/>
+    </dgm:style>
+  </dgm:styleLbl>
+  <dgm:styleLbl name="parChTrans1D4">
+    <dgm:scene3d>
+      <a:camera prst="orthographicFront"/>
+      <a:lightRig rig="threePt" dir="t"/>
+    </dgm:scene3d>
+    <dgm:sp3d/>
+    <dgm:txPr/>
+    <dgm:style>
+      <a:lnRef idx="2">
+        <a:scrgbClr r="0" g="0" b="0"/>
+      </a:lnRef>
+      <a:fillRef idx="0">
+        <a:scrgbClr r="0" g="0" b="0"/>
+      </a:fillRef>
+      <a:effectRef idx="0">
+        <a:scrgbClr r="0" g="0" b="0"/>
+      </a:effectRef>
+      <a:fontRef idx="minor"/>
+    </dgm:style>
+  </dgm:styleLbl>
+  <dgm:styleLbl name="fgAcc1">
+    <dgm:scene3d>
+      <a:camera prst="orthographicFront"/>
+      <a:lightRig rig="threePt" dir="t"/>
+    </dgm:scene3d>
+    <dgm:sp3d/>
+    <dgm:txPr/>
+    <dgm:style>
+      <a:lnRef idx="2">
+        <a:scrgbClr r="0" g="0" b="0"/>
+      </a:lnRef>
+      <a:fillRef idx="1">
+        <a:scrgbClr r="0" g="0" b="0"/>
+      </a:fillRef>
+      <a:effectRef idx="0">
+        <a:scrgbClr r="0" g="0" b="0"/>
+      </a:effectRef>
+      <a:fontRef idx="minor"/>
+    </dgm:style>
+  </dgm:styleLbl>
+  <dgm:styleLbl name="conFgAcc1">
+    <dgm:scene3d>
+      <a:camera prst="orthographicFront"/>
+      <a:lightRig rig="threePt" dir="t"/>
+    </dgm:scene3d>
+    <dgm:sp3d/>
+    <dgm:txPr/>
+    <dgm:style>
+      <a:lnRef idx="2">
+        <a:scrgbClr r="0" g="0" b="0"/>
+      </a:lnRef>
+      <a:fillRef idx="1">
+        <a:scrgbClr r="0" g="0" b="0"/>
+      </a:fillRef>
+      <a:effectRef idx="0">
+        <a:scrgbClr r="0" g="0" b="0"/>
+      </a:effectRef>
+      <a:fontRef idx="minor"/>
+    </dgm:style>
+  </dgm:styleLbl>
+  <dgm:styleLbl name="alignAcc1">
+    <dgm:scene3d>
+      <a:camera prst="orthographicFront"/>
+      <a:lightRig rig="threePt" dir="t"/>
+    </dgm:scene3d>
+    <dgm:sp3d/>
+    <dgm:txPr/>
+    <dgm:style>
+      <a:lnRef idx="2">
+        <a:scrgbClr r="0" g="0" b="0"/>
+      </a:lnRef>
+      <a:fillRef idx="1">
+        <a:scrgbClr r="0" g="0" b="0"/>
+      </a:fillRef>
+      <a:effectRef idx="0">
+        <a:scrgbClr r="0" g="0" b="0"/>
+      </a:effectRef>
+      <a:fontRef idx="minor"/>
+    </dgm:style>
+  </dgm:styleLbl>
+  <dgm:styleLbl name="trAlignAcc1">
+    <dgm:scene3d>
+      <a:camera prst="orthographicFront"/>
+      <a:lightRig rig="threePt" dir="t"/>
+    </dgm:scene3d>
+    <dgm:sp3d/>
+    <dgm:txPr/>
+    <dgm:style>
+      <a:lnRef idx="1">
+        <a:scrgbClr r="0" g="0" b="0"/>
+      </a:lnRef>
+      <a:fillRef idx="1">
+        <a:scrgbClr r="0" g="0" b="0"/>
+      </a:fillRef>
+      <a:effectRef idx="0">
+        <a:scrgbClr r="0" g="0" b="0"/>
+      </a:effectRef>
+      <a:fontRef idx="minor"/>
+    </dgm:style>
+  </dgm:styleLbl>
+  <dgm:styleLbl name="bgAcc1">
+    <dgm:scene3d>
+      <a:camera prst="orthographicFront"/>
+      <a:lightRig rig="threePt" dir="t"/>
+    </dgm:scene3d>
+    <dgm:sp3d/>
+    <dgm:txPr/>
+    <dgm:style>
+      <a:lnRef idx="2">
+        <a:scrgbClr r="0" g="0" b="0"/>
+      </a:lnRef>
+      <a:fillRef idx="1">
+        <a:scrgbClr r="0" g="0" b="0"/>
+      </a:fillRef>
+      <a:effectRef idx="0">
+        <a:scrgbClr r="0" g="0" b="0"/>
+      </a:effectRef>
+      <a:fontRef idx="minor"/>
+    </dgm:style>
+  </dgm:styleLbl>
+  <dgm:styleLbl name="solidFgAcc1">
+    <dgm:scene3d>
+      <a:camera prst="orthographicFront"/>
+      <a:lightRig rig="threePt" dir="t"/>
+    </dgm:scene3d>
+    <dgm:sp3d/>
+    <dgm:txPr/>
+    <dgm:style>
+      <a:lnRef idx="2">
+        <a:scrgbClr r="0" g="0" b="0"/>
+      </a:lnRef>
+      <a:fillRef idx="1">
+        <a:scrgbClr r="0" g="0" b="0"/>
+      </a:fillRef>
+      <a:effectRef idx="0">
+        <a:scrgbClr r="0" g="0" b="0"/>
+      </a:effectRef>
+      <a:fontRef idx="minor"/>
+    </dgm:style>
+  </dgm:styleLbl>
+  <dgm:styleLbl name="solidAlignAcc1">
+    <dgm:scene3d>
+      <a:camera prst="orthographicFront"/>
+      <a:lightRig rig="threePt" dir="t"/>
+    </dgm:scene3d>
+    <dgm:sp3d/>
+    <dgm:txPr/>
+    <dgm:style>
+      <a:lnRef idx="2">
+        <a:scrgbClr r="0" g="0" b="0"/>
+      </a:lnRef>
+      <a:fillRef idx="1">
+        <a:scrgbClr r="0" g="0" b="0"/>
+      </a:fillRef>
+      <a:effectRef idx="0">
+        <a:scrgbClr r="0" g="0" b="0"/>
+      </a:effectRef>
+      <a:fontRef idx="minor"/>
+    </dgm:style>
+  </dgm:styleLbl>
+  <dgm:styleLbl name="solidBgAcc1">
+    <dgm:scene3d>
+      <a:camera prst="orthographicFront"/>
+      <a:lightRig rig="threePt" dir="t"/>
+    </dgm:scene3d>
+    <dgm:sp3d/>
+    <dgm:txPr/>
+    <dgm:style>
+      <a:lnRef idx="2">
+        <a:scrgbClr r="0" g="0" b="0"/>
+      </a:lnRef>
+      <a:fillRef idx="1">
+        <a:scrgbClr r="0" g="0" b="0"/>
+      </a:fillRef>
+      <a:effectRef idx="0">
+        <a:scrgbClr r="0" g="0" b="0"/>
+      </a:effectRef>
+      <a:fontRef idx="minor"/>
+    </dgm:style>
+  </dgm:styleLbl>
+  <dgm:styleLbl name="fgAccFollowNode1">
+    <dgm:scene3d>
+      <a:camera prst="orthographicFront"/>
+      <a:lightRig rig="threePt" dir="t"/>
+    </dgm:scene3d>
+    <dgm:sp3d/>
+    <dgm:txPr/>
+    <dgm:style>
+      <a:lnRef idx="2">
+        <a:scrgbClr r="0" g="0" b="0"/>
+      </a:lnRef>
+      <a:fillRef idx="1">
+        <a:scrgbClr r="0" g="0" b="0"/>
+      </a:fillRef>
+      <a:effectRef idx="0">
+        <a:scrgbClr r="0" g="0" b="0"/>
+      </a:effectRef>
+      <a:fontRef idx="minor"/>
+    </dgm:style>
+  </dgm:styleLbl>
+  <dgm:styleLbl name="alignAccFollowNode1">
+    <dgm:scene3d>
+      <a:camera prst="orthographicFront"/>
+      <a:lightRig rig="threePt" dir="t"/>
+    </dgm:scene3d>
+    <dgm:sp3d/>
+    <dgm:txPr/>
+    <dgm:style>
+      <a:lnRef idx="2">
+        <a:scrgbClr r="0" g="0" b="0"/>
+      </a:lnRef>
+      <a:fillRef idx="1">
+        <a:scrgbClr r="0" g="0" b="0"/>
+      </a:fillRef>
+      <a:effectRef idx="0">
+        <a:scrgbClr r="0" g="0" b="0"/>
+      </a:effectRef>
+      <a:fontRef idx="minor"/>
+    </dgm:style>
+  </dgm:styleLbl>
+  <dgm:styleLbl name="bgAccFollowNode1">
+    <dgm:scene3d>
+      <a:camera prst="orthographicFront"/>
+      <a:lightRig rig="threePt" dir="t"/>
+    </dgm:scene3d>
+    <dgm:sp3d/>
+    <dgm:txPr/>
+    <dgm:style>
+      <a:lnRef idx="2">
+        <a:scrgbClr r="0" g="0" b="0"/>
+      </a:lnRef>
+      <a:fillRef idx="1">
+        <a:scrgbClr r="0" g="0" b="0"/>
+      </a:fillRef>
+      <a:effectRef idx="0">
+        <a:scrgbClr r="0" g="0" b="0"/>
+      </a:effectRef>
+      <a:fontRef idx="minor"/>
+    </dgm:style>
+  </dgm:styleLbl>
+  <dgm:styleLbl name="fgAcc0">
+    <dgm:scene3d>
+      <a:camera prst="orthographicFront"/>
+      <a:lightRig rig="threePt" dir="t"/>
+    </dgm:scene3d>
+    <dgm:sp3d/>
+    <dgm:txPr/>
+    <dgm:style>
+      <a:lnRef idx="2">
+        <a:scrgbClr r="0" g="0" b="0"/>
+      </a:lnRef>
+      <a:fillRef idx="1">
+        <a:scrgbClr r="0" g="0" b="0"/>
+      </a:fillRef>
+      <a:effectRef idx="0">
+        <a:scrgbClr r="0" g="0" b="0"/>
+      </a:effectRef>
+      <a:fontRef idx="minor"/>
+    </dgm:style>
+  </dgm:styleLbl>
+  <dgm:styleLbl name="fgAcc2">
+    <dgm:scene3d>
+      <a:camera prst="orthographicFront"/>
+      <a:lightRig rig="threePt" dir="t"/>
+    </dgm:scene3d>
+    <dgm:sp3d/>
+    <dgm:txPr/>
+    <dgm:style>
+      <a:lnRef idx="2">
+        <a:scrgbClr r="0" g="0" b="0"/>
+      </a:lnRef>
+      <a:fillRef idx="1">
+        <a:scrgbClr r="0" g="0" b="0"/>
+      </a:fillRef>
+      <a:effectRef idx="0">
+        <a:scrgbClr r="0" g="0" b="0"/>
+      </a:effectRef>
+      <a:fontRef idx="minor"/>
+    </dgm:style>
+  </dgm:styleLbl>
+  <dgm:styleLbl name="fgAcc3">
+    <dgm:scene3d>
+      <a:camera prst="orthographicFront"/>
+      <a:lightRig rig="threePt" dir="t"/>
+    </dgm:scene3d>
+    <dgm:sp3d/>
+    <dgm:txPr/>
+    <dgm:style>
+      <a:lnRef idx="2">
+        <a:scrgbClr r="0" g="0" b="0"/>
+      </a:lnRef>
+      <a:fillRef idx="1">
+        <a:scrgbClr r="0" g="0" b="0"/>
+      </a:fillRef>
+      <a:effectRef idx="0">
+        <a:scrgbClr r="0" g="0" b="0"/>
+      </a:effectRef>
+      <a:fontRef idx="minor"/>
+    </dgm:style>
+  </dgm:styleLbl>
+  <dgm:styleLbl name="fgAcc4">
+    <dgm:scene3d>
+      <a:camera prst="orthographicFront"/>
+      <a:lightRig rig="threePt" dir="t"/>
+    </dgm:scene3d>
+    <dgm:sp3d/>
+    <dgm:txPr/>
+    <dgm:style>
+      <a:lnRef idx="2">
+        <a:scrgbClr r="0" g="0" b="0"/>
+      </a:lnRef>
+      <a:fillRef idx="1">
+        <a:scrgbClr r="0" g="0" b="0"/>
+      </a:fillRef>
+      <a:effectRef idx="0">
+        <a:scrgbClr r="0" g="0" b="0"/>
+      </a:effectRef>
+      <a:fontRef idx="minor"/>
+    </dgm:style>
+  </dgm:styleLbl>
+  <dgm:styleLbl name="bgShp">
+    <dgm:scene3d>
+      <a:camera prst="orthographicFront"/>
+      <a:lightRig rig="threePt" dir="t"/>
+    </dgm:scene3d>
+    <dgm:sp3d/>
+    <dgm:txPr/>
+    <dgm:style>
+      <a:lnRef idx="0">
+        <a:scrgbClr r="0" g="0" b="0"/>
+      </a:lnRef>
+      <a:fillRef idx="1">
+        <a:scrgbClr r="0" g="0" b="0"/>
+      </a:fillRef>
+      <a:effectRef idx="0">
+        <a:scrgbClr r="0" g="0" b="0"/>
+      </a:effectRef>
+      <a:fontRef idx="minor"/>
+    </dgm:style>
+  </dgm:styleLbl>
+  <dgm:styleLbl name="dkBgShp">
+    <dgm:scene3d>
+      <a:camera prst="orthographicFront"/>
+      <a:lightRig rig="threePt" dir="t"/>
+    </dgm:scene3d>
+    <dgm:sp3d/>
+    <dgm:txPr/>
+    <dgm:style>
+      <a:lnRef idx="0">
+        <a:scrgbClr r="0" g="0" b="0"/>
+      </a:lnRef>
+      <a:fillRef idx="1">
+        <a:scrgbClr r="0" g="0" b="0"/>
+      </a:fillRef>
+      <a:effectRef idx="0">
+        <a:scrgbClr r="0" g="0" b="0"/>
+      </a:effectRef>
+      <a:fontRef idx="minor"/>
+    </dgm:style>
+  </dgm:styleLbl>
+  <dgm:styleLbl name="trBgShp">
+    <dgm:scene3d>
+      <a:camera prst="orthographicFront"/>
+      <a:lightRig rig="threePt" dir="t"/>
+    </dgm:scene3d>
+    <dgm:sp3d/>
+    <dgm:txPr/>
+    <dgm:style>
+      <a:lnRef idx="0">
+        <a:scrgbClr r="0" g="0" b="0"/>
+      </a:lnRef>
+      <a:fillRef idx="1">
+        <a:scrgbClr r="0" g="0" b="0"/>
+      </a:fillRef>
+      <a:effectRef idx="0">
+        <a:scrgbClr r="0" g="0" b="0"/>
+      </a:effectRef>
+      <a:fontRef idx="minor"/>
+    </dgm:style>
+  </dgm:styleLbl>
+  <dgm:styleLbl name="fgShp">
+    <dgm:scene3d>
+      <a:camera prst="orthographicFront"/>
+      <a:lightRig rig="threePt" dir="t"/>
+    </dgm:scene3d>
+    <dgm:sp3d/>
+    <dgm:txPr/>
+    <dgm:style>
+      <a:lnRef idx="2">
+        <a:scrgbClr r="0" g="0" b="0"/>
+      </a:lnRef>
+      <a:fillRef idx="1">
+        <a:scrgbClr r="0" g="0" b="0"/>
+      </a:fillRef>
+      <a:effectRef idx="0">
+        <a:scrgbClr r="0" g="0" b="0"/>
+      </a:effectRef>
+      <a:fontRef idx="minor"/>
+    </dgm:style>
+  </dgm:styleLbl>
+  <dgm:styleLbl name="revTx">
+    <dgm:scene3d>
+      <a:camera prst="orthographicFront"/>
+      <a:lightRig rig="threePt" dir="t"/>
+    </dgm:scene3d>
+    <dgm:sp3d/>
+    <dgm:txPr/>
+    <dgm:style>
+      <a:lnRef idx="0">
+        <a:scrgbClr r="0" g="0" b="0"/>
+      </a:lnRef>
+      <a:fillRef idx="0">
+        <a:scrgbClr r="0" g="0" b="0"/>
+      </a:fillRef>
+      <a:effectRef idx="0">
+        <a:scrgbClr r="0" g="0" b="0"/>
+      </a:effectRef>
+      <a:fontRef idx="minor"/>
+    </dgm:style>
+  </dgm:styleLbl>
+</dgm:styleDef>
+</file>
+
 <file path=ppt/notesMasters/notesMaster1.xml><?xml version="1.0" encoding="utf-8"?>
 <p:notesMaster xmlns:a="http://schemas.openxmlformats.org/drawingml/2006/main" xmlns:r="http://schemas.openxmlformats.org/officeDocument/2006/relationships" xmlns:p="http://schemas.openxmlformats.org/presentationml/2006/main">
   <p:cSld>
@@ -1874,7 +4809,7 @@
           <a:p>
             <a:fld id="{1C223EFC-526B-4EF2-8A0A-F01C60CA2A67}" type="datetimeFigureOut">
               <a:rPr lang="en-US" smtClean="0"/>
-              <a:t>7/8/2023</a:t>
+              <a:t>7/20/2023</a:t>
             </a:fld>
             <a:endParaRPr lang="en-US" dirty="0"/>
           </a:p>
@@ -2206,7 +5141,7 @@
           <a:p>
             <a:fld id="{DAF72F06-F6ED-43C1-A86D-15B5F2AFDECD}" type="slidenum">
               <a:rPr lang="en-US" smtClean="0"/>
-              <a:t>5</a:t>
+              <a:t>11</a:t>
             </a:fld>
             <a:endParaRPr lang="en-US" dirty="0"/>
           </a:p>
@@ -2290,7 +5225,7 @@
           <a:p>
             <a:fld id="{DAF72F06-F6ED-43C1-A86D-15B5F2AFDECD}" type="slidenum">
               <a:rPr lang="en-US" smtClean="0"/>
-              <a:t>12</a:t>
+              <a:t>18</a:t>
             </a:fld>
             <a:endParaRPr lang="en-US" dirty="0"/>
           </a:p>
@@ -2374,7 +5309,7 @@
           <a:p>
             <a:fld id="{DAF72F06-F6ED-43C1-A86D-15B5F2AFDECD}" type="slidenum">
               <a:rPr lang="en-US" smtClean="0"/>
-              <a:t>14</a:t>
+              <a:t>20</a:t>
             </a:fld>
             <a:endParaRPr lang="en-US" dirty="0"/>
           </a:p>
@@ -2458,7 +5393,7 @@
           <a:p>
             <a:fld id="{DAF72F06-F6ED-43C1-A86D-15B5F2AFDECD}" type="slidenum">
               <a:rPr lang="en-US" smtClean="0"/>
-              <a:t>16</a:t>
+              <a:t>22</a:t>
             </a:fld>
             <a:endParaRPr lang="en-US" dirty="0"/>
           </a:p>
@@ -5605,10 +8540,10 @@
       </p:grpSpPr>
       <p:sp>
         <p:nvSpPr>
-          <p:cNvPr id="6" name="Title 5">
-            <a:extLst>
-              <a:ext uri="{FF2B5EF4-FFF2-40B4-BE49-F238E27FC236}">
-                <a16:creationId xmlns:a16="http://schemas.microsoft.com/office/drawing/2014/main" id="{3F252A67-8C32-C845-AB69-95AEACCED5DA}"/>
+          <p:cNvPr id="2" name="Title 1">
+            <a:extLst>
+              <a:ext uri="{FF2B5EF4-FFF2-40B4-BE49-F238E27FC236}">
+                <a16:creationId xmlns:a16="http://schemas.microsoft.com/office/drawing/2014/main" id="{25B7B3AC-6DAD-D9F7-20F8-14207C49D88F}"/>
               </a:ext>
             </a:extLst>
           </p:cNvPr>
@@ -5626,206 +8561,17 @@
           <a:p>
             <a:r>
               <a:rPr lang="en-US" dirty="0"/>
-              <a:t>This study focused on coat-color variation in red foxes to learn if environmental factors affect coat-color outcomes</a:t>
-            </a:r>
-          </a:p>
-        </p:txBody>
-      </p:sp>
-      <p:pic>
-        <p:nvPicPr>
-          <p:cNvPr id="36" name="Picture Placeholder 11" descr="A red fox face&#10;">
-            <a:extLst>
-              <a:ext uri="{FF2B5EF4-FFF2-40B4-BE49-F238E27FC236}">
-                <a16:creationId xmlns:a16="http://schemas.microsoft.com/office/drawing/2014/main" id="{8F9442FF-E813-4B66-85BB-E81A8DF7A78E}"/>
-              </a:ext>
-            </a:extLst>
-          </p:cNvPr>
-          <p:cNvPicPr>
-            <a:picLocks noGrp="1" noChangeAspect="1"/>
-          </p:cNvPicPr>
-          <p:nvPr>
-            <p:ph type="pic" sz="quarter" idx="32"/>
-          </p:nvPr>
-        </p:nvPicPr>
-        <p:blipFill rotWithShape="1">
-          <a:blip r:embed="rId2">
-            <a:extLst>
-              <a:ext uri="{28A0092B-C50C-407E-A947-70E740481C1C}">
-                <a14:useLocalDpi xmlns:a14="http://schemas.microsoft.com/office/drawing/2010/main" val="0"/>
-              </a:ext>
-            </a:extLst>
-          </a:blip>
-          <a:srcRect/>
-          <a:stretch/>
-        </p:blipFill>
-        <p:spPr/>
-      </p:pic>
-      <p:sp>
-        <p:nvSpPr>
-          <p:cNvPr id="7" name="Text Placeholder 6">
-            <a:extLst>
-              <a:ext uri="{FF2B5EF4-FFF2-40B4-BE49-F238E27FC236}">
-                <a16:creationId xmlns:a16="http://schemas.microsoft.com/office/drawing/2014/main" id="{7771F4B4-43CC-8443-88D1-B8816C969421}"/>
-              </a:ext>
-            </a:extLst>
-          </p:cNvPr>
-          <p:cNvSpPr>
-            <a:spLocks noGrp="1"/>
-          </p:cNvSpPr>
-          <p:nvPr>
-            <p:ph type="body" sz="quarter" idx="35"/>
-          </p:nvPr>
-        </p:nvSpPr>
-        <p:spPr/>
-        <p:txBody>
-          <a:bodyPr/>
-          <a:lstStyle/>
-          <a:p>
-            <a:r>
-              <a:rPr lang="en-US" dirty="0"/>
-              <a:t>Coat-color variation in </a:t>
-            </a:r>
-          </a:p>
-          <a:p>
-            <a:r>
-              <a:rPr lang="en-US" dirty="0"/>
-              <a:t>red foxes</a:t>
-            </a:r>
-          </a:p>
-        </p:txBody>
-      </p:sp>
-      <p:pic>
-        <p:nvPicPr>
-          <p:cNvPr id="37" name="Picture Placeholder 13" descr="Population density graphic">
-            <a:extLst>
-              <a:ext uri="{FF2B5EF4-FFF2-40B4-BE49-F238E27FC236}">
-                <a16:creationId xmlns:a16="http://schemas.microsoft.com/office/drawing/2014/main" id="{564AD0F3-2418-431D-934A-58DE5A3F6796}"/>
-              </a:ext>
-            </a:extLst>
-          </p:cNvPr>
-          <p:cNvPicPr>
-            <a:picLocks noGrp="1" noChangeAspect="1"/>
-          </p:cNvPicPr>
-          <p:nvPr>
-            <p:ph type="pic" sz="quarter" idx="33"/>
-          </p:nvPr>
-        </p:nvPicPr>
-        <p:blipFill rotWithShape="1">
-          <a:blip r:embed="rId3">
-            <a:extLst>
-              <a:ext uri="{28A0092B-C50C-407E-A947-70E740481C1C}">
-                <a14:useLocalDpi xmlns:a14="http://schemas.microsoft.com/office/drawing/2010/main" val="0"/>
-              </a:ext>
-            </a:extLst>
-          </a:blip>
-          <a:srcRect/>
-          <a:stretch/>
-        </p:blipFill>
-        <p:spPr/>
-      </p:pic>
-      <p:sp>
-        <p:nvSpPr>
-          <p:cNvPr id="3" name="Text Placeholder 2">
-            <a:extLst>
-              <a:ext uri="{FF2B5EF4-FFF2-40B4-BE49-F238E27FC236}">
-                <a16:creationId xmlns:a16="http://schemas.microsoft.com/office/drawing/2014/main" id="{0517487B-8F5E-2B40-B56E-EE991D1501CC}"/>
-              </a:ext>
-            </a:extLst>
-          </p:cNvPr>
-          <p:cNvSpPr>
-            <a:spLocks noGrp="1"/>
-          </p:cNvSpPr>
-          <p:nvPr>
-            <p:ph type="body" sz="quarter" idx="22"/>
-          </p:nvPr>
-        </p:nvSpPr>
-        <p:spPr/>
-        <p:txBody>
-          <a:bodyPr/>
-          <a:lstStyle/>
-          <a:p>
-            <a:r>
-              <a:rPr lang="en-US" dirty="0"/>
-              <a:t>Population density and </a:t>
-            </a:r>
-          </a:p>
-          <a:p>
-            <a:r>
-              <a:rPr lang="en-US" dirty="0"/>
-              <a:t>coat color​</a:t>
-            </a:r>
-          </a:p>
-        </p:txBody>
-      </p:sp>
-      <p:pic>
-        <p:nvPicPr>
-          <p:cNvPr id="16" name="Picture Placeholder 15" descr="Pie chart">
-            <a:extLst>
-              <a:ext uri="{FF2B5EF4-FFF2-40B4-BE49-F238E27FC236}">
-                <a16:creationId xmlns:a16="http://schemas.microsoft.com/office/drawing/2014/main" id="{12AD7032-48CC-274A-A647-D907AFFA189F}"/>
-              </a:ext>
-            </a:extLst>
-          </p:cNvPr>
-          <p:cNvPicPr>
-            <a:picLocks noGrp="1" noChangeAspect="1"/>
-          </p:cNvPicPr>
-          <p:nvPr>
-            <p:ph type="pic" sz="quarter" idx="34"/>
-          </p:nvPr>
-        </p:nvPicPr>
-        <p:blipFill rotWithShape="1">
-          <a:blip r:embed="rId4">
-            <a:extLst>
-              <a:ext uri="{28A0092B-C50C-407E-A947-70E740481C1C}">
-                <a14:useLocalDpi xmlns:a14="http://schemas.microsoft.com/office/drawing/2010/main" val="0"/>
-              </a:ext>
-            </a:extLst>
-          </a:blip>
-          <a:srcRect/>
-          <a:stretch/>
-        </p:blipFill>
-        <p:spPr/>
-      </p:pic>
-      <p:sp>
-        <p:nvSpPr>
-          <p:cNvPr id="9" name="Text Placeholder 8">
-            <a:extLst>
-              <a:ext uri="{FF2B5EF4-FFF2-40B4-BE49-F238E27FC236}">
-                <a16:creationId xmlns:a16="http://schemas.microsoft.com/office/drawing/2014/main" id="{827EF115-4125-8045-B598-3FB1CA5BC651}"/>
-              </a:ext>
-            </a:extLst>
-          </p:cNvPr>
-          <p:cNvSpPr>
-            <a:spLocks noGrp="1"/>
-          </p:cNvSpPr>
-          <p:nvPr>
-            <p:ph type="body" sz="quarter" idx="36"/>
-          </p:nvPr>
-        </p:nvSpPr>
-        <p:spPr/>
-        <p:txBody>
-          <a:bodyPr/>
-          <a:lstStyle/>
-          <a:p>
-            <a:r>
-              <a:rPr lang="en-US" dirty="0"/>
-              <a:t>Elevation and coat</a:t>
-            </a:r>
-          </a:p>
-          <a:p>
-            <a:r>
-              <a:rPr lang="en-US" dirty="0"/>
-              <a:t>color​</a:t>
+              <a:t>Transformer for Video - Notes</a:t>
             </a:r>
           </a:p>
         </p:txBody>
       </p:sp>
       <p:sp>
         <p:nvSpPr>
-          <p:cNvPr id="2" name="Slide Number Placeholder 1">
-            <a:extLst>
-              <a:ext uri="{FF2B5EF4-FFF2-40B4-BE49-F238E27FC236}">
-                <a16:creationId xmlns:a16="http://schemas.microsoft.com/office/drawing/2014/main" id="{CCDD1993-624D-5847-9BAB-615CCA382CB7}"/>
+          <p:cNvPr id="4" name="Slide Number Placeholder 3">
+            <a:extLst>
+              <a:ext uri="{FF2B5EF4-FFF2-40B4-BE49-F238E27FC236}">
+                <a16:creationId xmlns:a16="http://schemas.microsoft.com/office/drawing/2014/main" id="{90C23A24-EB48-74BA-F4FD-FED43DDD1A18}"/>
               </a:ext>
             </a:extLst>
           </p:cNvPr>
@@ -5850,10 +8596,79 @@
           </a:p>
         </p:txBody>
       </p:sp>
+      <p:sp>
+        <p:nvSpPr>
+          <p:cNvPr id="5" name="TextBox 4">
+            <a:extLst>
+              <a:ext uri="{FF2B5EF4-FFF2-40B4-BE49-F238E27FC236}">
+                <a16:creationId xmlns:a16="http://schemas.microsoft.com/office/drawing/2014/main" id="{F49A33A0-DF39-5970-89C8-43E4DA964244}"/>
+              </a:ext>
+            </a:extLst>
+          </p:cNvPr>
+          <p:cNvSpPr txBox="1"/>
+          <p:nvPr/>
+        </p:nvSpPr>
+        <p:spPr>
+          <a:xfrm>
+            <a:off x="513183" y="1362270"/>
+            <a:ext cx="6301725" cy="1200329"/>
+          </a:xfrm>
+          <a:prstGeom prst="rect">
+            <a:avLst/>
+          </a:prstGeom>
+          <a:noFill/>
+        </p:spPr>
+        <p:txBody>
+          <a:bodyPr wrap="none" rtlCol="0">
+            <a:spAutoFit/>
+          </a:bodyPr>
+          <a:lstStyle/>
+          <a:p>
+            <a:pPr marL="342900" indent="-342900">
+              <a:buAutoNum type="arabicPeriod"/>
+            </a:pPr>
+            <a:r>
+              <a:rPr lang="en-US" dirty="0"/>
+              <a:t>Video classification with transformers</a:t>
+            </a:r>
+          </a:p>
+          <a:p>
+            <a:pPr marL="800100" lvl="1" indent="-342900">
+              <a:buAutoNum type="arabicPeriod"/>
+            </a:pPr>
+            <a:r>
+              <a:rPr lang="en-US" dirty="0" err="1"/>
+              <a:t>addes</a:t>
+            </a:r>
+            <a:r>
+              <a:rPr lang="en-US" dirty="0"/>
+              <a:t> positional embeddings to CNN feature maps</a:t>
+            </a:r>
+          </a:p>
+          <a:p>
+            <a:pPr marL="800100" lvl="1" indent="-342900">
+              <a:buAutoNum type="arabicPeriod"/>
+            </a:pPr>
+            <a:r>
+              <a:rPr lang="en-US" dirty="0"/>
+              <a:t>Uses the transformer for classification </a:t>
+            </a:r>
+          </a:p>
+          <a:p>
+            <a:pPr marL="800100" lvl="1" indent="-342900">
+              <a:buAutoNum type="arabicPeriod"/>
+            </a:pPr>
+            <a:r>
+              <a:rPr lang="en-US" dirty="0"/>
+              <a:t>https://keras.io/examples/vision/video_transformers/</a:t>
+            </a:r>
+          </a:p>
+        </p:txBody>
+      </p:sp>
     </p:spTree>
     <p:extLst>
       <p:ext uri="{BB962C8B-B14F-4D97-AF65-F5344CB8AC3E}">
-        <p14:creationId xmlns:p14="http://schemas.microsoft.com/office/powerpoint/2010/main" val="801557595"/>
+        <p14:creationId xmlns:p14="http://schemas.microsoft.com/office/powerpoint/2010/main" val="1767327167"/>
       </p:ext>
     </p:extLst>
   </p:cSld>
@@ -5882,10 +8697,10 @@
       </p:grpSpPr>
       <p:sp>
         <p:nvSpPr>
-          <p:cNvPr id="5" name="Title 4">
-            <a:extLst>
-              <a:ext uri="{FF2B5EF4-FFF2-40B4-BE49-F238E27FC236}">
-                <a16:creationId xmlns:a16="http://schemas.microsoft.com/office/drawing/2014/main" id="{90138C5A-D559-6F4C-9389-1150ADB9F538}"/>
+          <p:cNvPr id="2" name="Title 1">
+            <a:extLst>
+              <a:ext uri="{FF2B5EF4-FFF2-40B4-BE49-F238E27FC236}">
+                <a16:creationId xmlns:a16="http://schemas.microsoft.com/office/drawing/2014/main" id="{A7AEFD92-C4A8-C04F-AA2D-B10B39733560}"/>
               </a:ext>
             </a:extLst>
           </p:cNvPr>
@@ -5903,17 +8718,17 @@
           <a:p>
             <a:r>
               <a:rPr lang="en-US" dirty="0"/>
-              <a:t>One-sentence headline stating the main takeaway message for the slide; no longer than two lines</a:t>
+              <a:t>Title of presentation</a:t>
             </a:r>
           </a:p>
         </p:txBody>
       </p:sp>
       <p:sp>
         <p:nvSpPr>
-          <p:cNvPr id="23" name="Picture Placeholder 22" descr="Picture placeholder">
-            <a:extLst>
-              <a:ext uri="{FF2B5EF4-FFF2-40B4-BE49-F238E27FC236}">
-                <a16:creationId xmlns:a16="http://schemas.microsoft.com/office/drawing/2014/main" id="{97A5A91C-15AE-4E2C-A615-4E909CA640B0}"/>
+          <p:cNvPr id="6" name="Text Placeholder 5">
+            <a:extLst>
+              <a:ext uri="{FF2B5EF4-FFF2-40B4-BE49-F238E27FC236}">
+                <a16:creationId xmlns:a16="http://schemas.microsoft.com/office/drawing/2014/main" id="{0E7152F7-008A-CA47-A370-88F63720261B}"/>
               </a:ext>
             </a:extLst>
           </p:cNvPr>
@@ -5921,17 +8736,45 @@
             <a:spLocks noGrp="1"/>
           </p:cNvSpPr>
           <p:nvPr>
-            <p:ph type="pic" sz="quarter" idx="31"/>
+            <p:ph type="body" sz="quarter" idx="19"/>
+          </p:nvPr>
+        </p:nvSpPr>
+        <p:spPr/>
+        <p:txBody>
+          <a:bodyPr/>
+          <a:lstStyle/>
+          <a:p>
+            <a:r>
+              <a:rPr lang="en-US" dirty="0"/>
+              <a:t>Secondary title</a:t>
+            </a:r>
+          </a:p>
+        </p:txBody>
+      </p:sp>
+      <p:sp>
+        <p:nvSpPr>
+          <p:cNvPr id="15" name="Picture Placeholder 14" descr="Picture placeholder">
+            <a:extLst>
+              <a:ext uri="{FF2B5EF4-FFF2-40B4-BE49-F238E27FC236}">
+                <a16:creationId xmlns:a16="http://schemas.microsoft.com/office/drawing/2014/main" id="{A16654C4-B054-46A5-B603-2ECD573E2C72}"/>
+              </a:ext>
+            </a:extLst>
+          </p:cNvPr>
+          <p:cNvSpPr>
+            <a:spLocks noGrp="1"/>
+          </p:cNvSpPr>
+          <p:nvPr>
+            <p:ph type="pic" sz="quarter" idx="20"/>
           </p:nvPr>
         </p:nvSpPr>
         <p:spPr/>
       </p:sp>
       <p:sp>
         <p:nvSpPr>
-          <p:cNvPr id="14" name="Text Placeholder 13">
-            <a:extLst>
-              <a:ext uri="{FF2B5EF4-FFF2-40B4-BE49-F238E27FC236}">
-                <a16:creationId xmlns:a16="http://schemas.microsoft.com/office/drawing/2014/main" id="{03933CB2-C668-8248-8E77-8C3FF47A3B5A}"/>
+          <p:cNvPr id="4" name="Text Placeholder 3">
+            <a:extLst>
+              <a:ext uri="{FF2B5EF4-FFF2-40B4-BE49-F238E27FC236}">
+                <a16:creationId xmlns:a16="http://schemas.microsoft.com/office/drawing/2014/main" id="{368038C7-F913-CC43-B811-9406234F037B}"/>
               </a:ext>
             </a:extLst>
           </p:cNvPr>
@@ -5939,7 +8782,7 @@
             <a:spLocks noGrp="1"/>
           </p:cNvSpPr>
           <p:nvPr>
-            <p:ph type="body" sz="quarter" idx="30"/>
+            <p:ph type="body" sz="quarter" idx="14"/>
           </p:nvPr>
         </p:nvSpPr>
         <p:spPr/>
@@ -5947,19 +8790,26 @@
           <a:bodyPr/>
           <a:lstStyle/>
           <a:p>
+            <a:pPr lvl="0"/>
             <a:r>
               <a:rPr lang="en-US" dirty="0"/>
-              <a:t>Info or call-out</a:t>
+              <a:t>Name</a:t>
+            </a:r>
+          </a:p>
+          <a:p>
+            <a:r>
+              <a:rPr lang="en-US" dirty="0"/>
+              <a:t>Name</a:t>
             </a:r>
           </a:p>
         </p:txBody>
       </p:sp>
       <p:sp>
         <p:nvSpPr>
-          <p:cNvPr id="24" name="Picture Placeholder 23" descr="Picture placeholder">
-            <a:extLst>
-              <a:ext uri="{FF2B5EF4-FFF2-40B4-BE49-F238E27FC236}">
-                <a16:creationId xmlns:a16="http://schemas.microsoft.com/office/drawing/2014/main" id="{1F1DBC7D-FF84-4416-B97F-9F27F682E0F2}"/>
+          <p:cNvPr id="5" name="Text Placeholder 4">
+            <a:extLst>
+              <a:ext uri="{FF2B5EF4-FFF2-40B4-BE49-F238E27FC236}">
+                <a16:creationId xmlns:a16="http://schemas.microsoft.com/office/drawing/2014/main" id="{3D561332-6AEF-7547-A674-2FF50137C390}"/>
               </a:ext>
             </a:extLst>
           </p:cNvPr>
@@ -5967,25 +8817,7 @@
             <a:spLocks noGrp="1"/>
           </p:cNvSpPr>
           <p:nvPr>
-            <p:ph type="pic" sz="quarter" idx="32"/>
-          </p:nvPr>
-        </p:nvSpPr>
-        <p:spPr/>
-      </p:sp>
-      <p:sp>
-        <p:nvSpPr>
-          <p:cNvPr id="12" name="Text Placeholder 11">
-            <a:extLst>
-              <a:ext uri="{FF2B5EF4-FFF2-40B4-BE49-F238E27FC236}">
-                <a16:creationId xmlns:a16="http://schemas.microsoft.com/office/drawing/2014/main" id="{5DDD152E-341E-BE41-866F-57426B3BF8BF}"/>
-              </a:ext>
-            </a:extLst>
-          </p:cNvPr>
-          <p:cNvSpPr>
-            <a:spLocks noGrp="1"/>
-          </p:cNvSpPr>
-          <p:nvPr>
-            <p:ph type="body" sz="quarter" idx="29"/>
+            <p:ph type="body" sz="quarter" idx="18"/>
           </p:nvPr>
         </p:nvSpPr>
         <p:spPr/>
@@ -5995,83 +8827,22 @@
           <a:p>
             <a:r>
               <a:rPr lang="en-US" dirty="0"/>
-              <a:t>Info or call-out</a:t>
-            </a:r>
-          </a:p>
-        </p:txBody>
-      </p:sp>
-      <p:sp>
-        <p:nvSpPr>
-          <p:cNvPr id="25" name="Picture Placeholder 24" descr="Picture placeholder">
-            <a:extLst>
-              <a:ext uri="{FF2B5EF4-FFF2-40B4-BE49-F238E27FC236}">
-                <a16:creationId xmlns:a16="http://schemas.microsoft.com/office/drawing/2014/main" id="{85595941-EF67-4524-886C-508F2BCFF553}"/>
-              </a:ext>
-            </a:extLst>
-          </p:cNvPr>
-          <p:cNvSpPr>
-            <a:spLocks noGrp="1"/>
-          </p:cNvSpPr>
-          <p:nvPr>
-            <p:ph type="pic" sz="quarter" idx="33"/>
-          </p:nvPr>
-        </p:nvSpPr>
-        <p:spPr/>
-      </p:sp>
-      <p:sp>
-        <p:nvSpPr>
-          <p:cNvPr id="6" name="Text Placeholder 5">
-            <a:extLst>
-              <a:ext uri="{FF2B5EF4-FFF2-40B4-BE49-F238E27FC236}">
-                <a16:creationId xmlns:a16="http://schemas.microsoft.com/office/drawing/2014/main" id="{E940FE4F-1A1D-E345-B6F3-0DF938D32E23}"/>
-              </a:ext>
-            </a:extLst>
-          </p:cNvPr>
-          <p:cNvSpPr>
-            <a:spLocks noGrp="1"/>
-          </p:cNvSpPr>
-          <p:nvPr>
-            <p:ph type="body" sz="quarter" idx="10"/>
-          </p:nvPr>
-        </p:nvSpPr>
-        <p:spPr/>
-        <p:txBody>
-          <a:bodyPr/>
-          <a:lstStyle/>
+              <a:t>Department</a:t>
+            </a:r>
+          </a:p>
           <a:p>
             <a:r>
               <a:rPr lang="en-US" dirty="0"/>
-              <a:t>Info or call-out</a:t>
-            </a:r>
-          </a:p>
-        </p:txBody>
-      </p:sp>
-      <p:sp>
-        <p:nvSpPr>
-          <p:cNvPr id="10" name="Slide Number Placeholder 9">
-            <a:extLst>
-              <a:ext uri="{FF2B5EF4-FFF2-40B4-BE49-F238E27FC236}">
-                <a16:creationId xmlns:a16="http://schemas.microsoft.com/office/drawing/2014/main" id="{28DE37E5-5F6C-0C4C-AA85-EF844CD9A0FD}"/>
-              </a:ext>
-            </a:extLst>
-          </p:cNvPr>
-          <p:cNvSpPr>
-            <a:spLocks noGrp="1"/>
-          </p:cNvSpPr>
-          <p:nvPr>
-            <p:ph type="sldNum" sz="quarter" idx="17"/>
-          </p:nvPr>
-        </p:nvSpPr>
-        <p:spPr/>
-        <p:txBody>
-          <a:bodyPr/>
-          <a:lstStyle/>
-          <a:p>
-            <a:fld id="{A52BEA90-E6BE-45F4-8D5D-C2E01FE3DBCB}" type="slidenum">
-              <a:rPr lang="en-US" smtClean="0"/>
-              <a:pPr/>
-              <a:t>11</a:t>
-            </a:fld>
+              <a:t>Institution</a:t>
+            </a:r>
+          </a:p>
+          <a:p>
+            <a:r>
+              <a:rPr lang="en-US" dirty="0"/>
+              <a:t>Month XX, 20XX</a:t>
+            </a:r>
+          </a:p>
+          <a:p>
             <a:endParaRPr lang="en-US" dirty="0"/>
           </a:p>
         </p:txBody>
@@ -6079,7 +8850,7 @@
     </p:spTree>
     <p:extLst>
       <p:ext uri="{BB962C8B-B14F-4D97-AF65-F5344CB8AC3E}">
-        <p14:creationId xmlns:p14="http://schemas.microsoft.com/office/powerpoint/2010/main" val="2996136178"/>
+        <p14:creationId xmlns:p14="http://schemas.microsoft.com/office/powerpoint/2010/main" val="2691753805"/>
       </p:ext>
     </p:extLst>
   </p:cSld>
@@ -6108,10 +8879,10 @@
       </p:grpSpPr>
       <p:sp>
         <p:nvSpPr>
-          <p:cNvPr id="6" name="Title 5">
-            <a:extLst>
-              <a:ext uri="{FF2B5EF4-FFF2-40B4-BE49-F238E27FC236}">
-                <a16:creationId xmlns:a16="http://schemas.microsoft.com/office/drawing/2014/main" id="{AA34EFEE-3417-C94A-9E71-0178D688C6C3}"/>
+          <p:cNvPr id="5" name="Title 4">
+            <a:extLst>
+              <a:ext uri="{FF2B5EF4-FFF2-40B4-BE49-F238E27FC236}">
+                <a16:creationId xmlns:a16="http://schemas.microsoft.com/office/drawing/2014/main" id="{AB86DD66-4C89-CF4F-B2FB-DD3DB9618001}"/>
               </a:ext>
             </a:extLst>
           </p:cNvPr>
@@ -6129,17 +8900,48 @@
           <a:p>
             <a:r>
               <a:rPr lang="en-US" dirty="0"/>
-              <a:t>Red, cross, and silver color outcomes are controlled by two pairs of non-linked autosomal genes</a:t>
-            </a:r>
+              <a:t>Coat-color variation in red foxes</a:t>
+            </a:r>
+          </a:p>
+        </p:txBody>
+      </p:sp>
+      <p:sp>
+        <p:nvSpPr>
+          <p:cNvPr id="6" name="Text Placeholder 5">
+            <a:extLst>
+              <a:ext uri="{FF2B5EF4-FFF2-40B4-BE49-F238E27FC236}">
+                <a16:creationId xmlns:a16="http://schemas.microsoft.com/office/drawing/2014/main" id="{56116512-EFB2-B141-9159-58265075B81C}"/>
+              </a:ext>
+            </a:extLst>
+          </p:cNvPr>
+          <p:cNvSpPr>
+            <a:spLocks noGrp="1"/>
+          </p:cNvSpPr>
+          <p:nvPr>
+            <p:ph type="body" sz="quarter" idx="19"/>
+          </p:nvPr>
+        </p:nvSpPr>
+        <p:spPr/>
+        <p:txBody>
+          <a:bodyPr/>
+          <a:lstStyle/>
+          <a:p>
+            <a:r>
+              <a:rPr lang="en-US" dirty="0"/>
+              <a:t>Environmental factors that affect fur color</a:t>
+            </a:r>
+          </a:p>
+          <a:p>
+            <a:endParaRPr lang="en-US" dirty="0"/>
           </a:p>
         </p:txBody>
       </p:sp>
       <p:pic>
         <p:nvPicPr>
-          <p:cNvPr id="12" name="Picture Placeholder 11" descr="A red fox face&#10;">
-            <a:extLst>
-              <a:ext uri="{FF2B5EF4-FFF2-40B4-BE49-F238E27FC236}">
-                <a16:creationId xmlns:a16="http://schemas.microsoft.com/office/drawing/2014/main" id="{1774DAAD-BC66-A844-B61F-07ADECDD3976}"/>
+          <p:cNvPr id="8" name="Picture Placeholder 7" descr="Winter scene with a fox standing in the snow">
+            <a:extLst>
+              <a:ext uri="{FF2B5EF4-FFF2-40B4-BE49-F238E27FC236}">
+                <a16:creationId xmlns:a16="http://schemas.microsoft.com/office/drawing/2014/main" id="{64F6393B-4582-484B-82F7-1B00BD937081}"/>
               </a:ext>
             </a:extLst>
           </p:cNvPr>
@@ -6147,11 +8949,11 @@
             <a:picLocks noGrp="1" noChangeAspect="1"/>
           </p:cNvPicPr>
           <p:nvPr>
-            <p:ph type="pic" sz="quarter" idx="31"/>
+            <p:ph type="pic" sz="quarter" idx="20"/>
           </p:nvPr>
         </p:nvPicPr>
         <p:blipFill rotWithShape="1">
-          <a:blip r:embed="rId3">
+          <a:blip r:embed="rId2">
             <a:extLst>
               <a:ext uri="{28A0092B-C50C-407E-A947-70E740481C1C}">
                 <a14:useLocalDpi xmlns:a14="http://schemas.microsoft.com/office/drawing/2010/main" val="0"/>
@@ -6165,10 +8967,10 @@
       </p:pic>
       <p:sp>
         <p:nvSpPr>
-          <p:cNvPr id="10" name="Text Placeholder 9">
-            <a:extLst>
-              <a:ext uri="{FF2B5EF4-FFF2-40B4-BE49-F238E27FC236}">
-                <a16:creationId xmlns:a16="http://schemas.microsoft.com/office/drawing/2014/main" id="{8CEAAE69-D790-7E4C-9113-B3251E96FA8C}"/>
+          <p:cNvPr id="3" name="Text Placeholder 2">
+            <a:extLst>
+              <a:ext uri="{FF2B5EF4-FFF2-40B4-BE49-F238E27FC236}">
+                <a16:creationId xmlns:a16="http://schemas.microsoft.com/office/drawing/2014/main" id="{B63880AD-5D09-9A4C-8CFD-4C9FE8BEE5F1}"/>
               </a:ext>
             </a:extLst>
           </p:cNvPr>
@@ -6176,7 +8978,7 @@
             <a:spLocks noGrp="1"/>
           </p:cNvSpPr>
           <p:nvPr>
-            <p:ph type="body" sz="quarter" idx="30"/>
+            <p:ph type="body" sz="quarter" idx="14"/>
           </p:nvPr>
         </p:nvSpPr>
         <p:spPr/>
@@ -6185,47 +8987,25 @@
           <a:lstStyle/>
           <a:p>
             <a:r>
-              <a:rPr lang="en-US" dirty="0"/>
-              <a:t>Red: AABB​</a:t>
-            </a:r>
+              <a:rPr lang="en-US" b="1" dirty="0"/>
+              <a:t>Hayden Cook</a:t>
+            </a:r>
+          </a:p>
+          <a:p>
+            <a:r>
+              <a:rPr lang="en-US" b="1" dirty="0"/>
+              <a:t>Quinn Campbell, Ph.D.</a:t>
+            </a:r>
+            <a:endParaRPr lang="en-US" dirty="0"/>
           </a:p>
         </p:txBody>
       </p:sp>
-      <p:pic>
-        <p:nvPicPr>
-          <p:cNvPr id="14" name="Picture Placeholder 13" descr="Polar fox in the snow&#10;">
-            <a:extLst>
-              <a:ext uri="{FF2B5EF4-FFF2-40B4-BE49-F238E27FC236}">
-                <a16:creationId xmlns:a16="http://schemas.microsoft.com/office/drawing/2014/main" id="{F52CB88B-28DA-D44D-8CD9-DB99492450CA}"/>
-              </a:ext>
-            </a:extLst>
-          </p:cNvPr>
-          <p:cNvPicPr>
-            <a:picLocks noGrp="1" noChangeAspect="1"/>
-          </p:cNvPicPr>
-          <p:nvPr>
-            <p:ph type="pic" sz="quarter" idx="32"/>
-          </p:nvPr>
-        </p:nvPicPr>
-        <p:blipFill rotWithShape="1">
-          <a:blip r:embed="rId4">
-            <a:extLst>
-              <a:ext uri="{28A0092B-C50C-407E-A947-70E740481C1C}">
-                <a14:useLocalDpi xmlns:a14="http://schemas.microsoft.com/office/drawing/2010/main" val="0"/>
-              </a:ext>
-            </a:extLst>
-          </a:blip>
-          <a:srcRect/>
-          <a:stretch/>
-        </p:blipFill>
-        <p:spPr/>
-      </p:pic>
       <p:sp>
         <p:nvSpPr>
-          <p:cNvPr id="9" name="Text Placeholder 8">
-            <a:extLst>
-              <a:ext uri="{FF2B5EF4-FFF2-40B4-BE49-F238E27FC236}">
-                <a16:creationId xmlns:a16="http://schemas.microsoft.com/office/drawing/2014/main" id="{BAD4F2D3-D853-FD4E-818D-DA087F3E6172}"/>
+          <p:cNvPr id="4" name="Text Placeholder 3">
+            <a:extLst>
+              <a:ext uri="{FF2B5EF4-FFF2-40B4-BE49-F238E27FC236}">
+                <a16:creationId xmlns:a16="http://schemas.microsoft.com/office/drawing/2014/main" id="{50C842A0-54EA-C84E-9A2D-FC75AA3D537D}"/>
               </a:ext>
             </a:extLst>
           </p:cNvPr>
@@ -6233,7 +9013,7 @@
             <a:spLocks noGrp="1"/>
           </p:cNvSpPr>
           <p:nvPr>
-            <p:ph type="body" sz="quarter" idx="29"/>
+            <p:ph type="body" sz="quarter" idx="18"/>
           </p:nvPr>
         </p:nvSpPr>
         <p:spPr/>
@@ -6243,104 +9023,27 @@
           <a:p>
             <a:r>
               <a:rPr lang="en-US" dirty="0"/>
-              <a:t>Silver: AAbb​</a:t>
-            </a:r>
-          </a:p>
-        </p:txBody>
-      </p:sp>
-      <p:pic>
-        <p:nvPicPr>
-          <p:cNvPr id="16" name="Picture Placeholder 15" descr="Patagonian grey fox">
-            <a:extLst>
-              <a:ext uri="{FF2B5EF4-FFF2-40B4-BE49-F238E27FC236}">
-                <a16:creationId xmlns:a16="http://schemas.microsoft.com/office/drawing/2014/main" id="{50CCE299-CE33-8244-B4C7-B897E662C616}"/>
-              </a:ext>
-            </a:extLst>
-          </p:cNvPr>
-          <p:cNvPicPr>
-            <a:picLocks noGrp="1" noChangeAspect="1"/>
-          </p:cNvPicPr>
-          <p:nvPr>
-            <p:ph type="pic" sz="quarter" idx="33"/>
-          </p:nvPr>
-        </p:nvPicPr>
-        <p:blipFill>
-          <a:blip r:embed="rId5">
-            <a:extLst>
-              <a:ext uri="{28A0092B-C50C-407E-A947-70E740481C1C}">
-                <a14:useLocalDpi xmlns:a14="http://schemas.microsoft.com/office/drawing/2010/main" val="0"/>
-              </a:ext>
-            </a:extLst>
-          </a:blip>
-          <a:srcRect/>
-          <a:stretch>
-            <a:fillRect/>
-          </a:stretch>
-        </p:blipFill>
-        <p:spPr/>
-      </p:pic>
-      <p:sp>
-        <p:nvSpPr>
-          <p:cNvPr id="8" name="Text Placeholder 7">
-            <a:extLst>
-              <a:ext uri="{FF2B5EF4-FFF2-40B4-BE49-F238E27FC236}">
-                <a16:creationId xmlns:a16="http://schemas.microsoft.com/office/drawing/2014/main" id="{E1061BE1-4F13-1145-9E33-0D5A8A7D2865}"/>
-              </a:ext>
-            </a:extLst>
-          </p:cNvPr>
-          <p:cNvSpPr>
-            <a:spLocks noGrp="1"/>
-          </p:cNvSpPr>
-          <p:nvPr>
-            <p:ph type="body" sz="quarter" idx="10"/>
-          </p:nvPr>
-        </p:nvSpPr>
-        <p:spPr/>
-        <p:txBody>
-          <a:bodyPr/>
-          <a:lstStyle/>
+              <a:t>Department of Biology</a:t>
+            </a:r>
+          </a:p>
           <a:p>
             <a:r>
               <a:rPr lang="en-US" dirty="0"/>
-              <a:t>Cross: AaBb​</a:t>
-            </a:r>
-          </a:p>
-        </p:txBody>
-      </p:sp>
-      <p:sp>
-        <p:nvSpPr>
-          <p:cNvPr id="5" name="Slide Number Placeholder 4">
-            <a:extLst>
-              <a:ext uri="{FF2B5EF4-FFF2-40B4-BE49-F238E27FC236}">
-                <a16:creationId xmlns:a16="http://schemas.microsoft.com/office/drawing/2014/main" id="{09B321D0-5D09-9748-9611-90DFDA543945}"/>
-              </a:ext>
-            </a:extLst>
-          </p:cNvPr>
-          <p:cNvSpPr>
-            <a:spLocks noGrp="1"/>
-          </p:cNvSpPr>
-          <p:nvPr>
-            <p:ph type="sldNum" sz="quarter" idx="17"/>
-          </p:nvPr>
-        </p:nvSpPr>
-        <p:spPr/>
-        <p:txBody>
-          <a:bodyPr/>
-          <a:lstStyle/>
-          <a:p>
-            <a:fld id="{A52BEA90-E6BE-45F4-8D5D-C2E01FE3DBCB}" type="slidenum">
-              <a:rPr lang="en-US" smtClean="0"/>
-              <a:pPr/>
-              <a:t>12</a:t>
-            </a:fld>
-            <a:endParaRPr lang="en-US" dirty="0"/>
+              <a:t>Jasper University</a:t>
+            </a:r>
+          </a:p>
+          <a:p>
+            <a:r>
+              <a:rPr lang="en-US" dirty="0"/>
+              <a:t>December 12, 2021</a:t>
+            </a:r>
           </a:p>
         </p:txBody>
       </p:sp>
     </p:spTree>
     <p:extLst>
       <p:ext uri="{BB962C8B-B14F-4D97-AF65-F5344CB8AC3E}">
-        <p14:creationId xmlns:p14="http://schemas.microsoft.com/office/powerpoint/2010/main" val="1272337245"/>
+        <p14:creationId xmlns:p14="http://schemas.microsoft.com/office/powerpoint/2010/main" val="972034339"/>
       </p:ext>
     </p:extLst>
   </p:cSld>
@@ -6369,10 +9072,10 @@
       </p:grpSpPr>
       <p:sp>
         <p:nvSpPr>
-          <p:cNvPr id="2" name="Title 1">
-            <a:extLst>
-              <a:ext uri="{FF2B5EF4-FFF2-40B4-BE49-F238E27FC236}">
-                <a16:creationId xmlns:a16="http://schemas.microsoft.com/office/drawing/2014/main" id="{46DDC2A7-62E6-1947-9B60-7F0A62B94DA8}"/>
+          <p:cNvPr id="3" name="Title 2">
+            <a:extLst>
+              <a:ext uri="{FF2B5EF4-FFF2-40B4-BE49-F238E27FC236}">
+                <a16:creationId xmlns:a16="http://schemas.microsoft.com/office/drawing/2014/main" id="{6C7977C4-F464-D449-B7C1-AE7D4292B8E4}"/>
               </a:ext>
             </a:extLst>
           </p:cNvPr>
@@ -6390,6 +9093,1346 @@
           <a:p>
             <a:r>
               <a:rPr lang="en-US" dirty="0"/>
+              <a:t>Title of presentation </a:t>
+            </a:r>
+          </a:p>
+        </p:txBody>
+      </p:sp>
+      <p:sp>
+        <p:nvSpPr>
+          <p:cNvPr id="4" name="Text Placeholder 3">
+            <a:extLst>
+              <a:ext uri="{FF2B5EF4-FFF2-40B4-BE49-F238E27FC236}">
+                <a16:creationId xmlns:a16="http://schemas.microsoft.com/office/drawing/2014/main" id="{B46ECB84-B61A-8340-B7E3-FDD2403CEE57}"/>
+              </a:ext>
+            </a:extLst>
+          </p:cNvPr>
+          <p:cNvSpPr>
+            <a:spLocks noGrp="1"/>
+          </p:cNvSpPr>
+          <p:nvPr>
+            <p:ph type="body" sz="quarter" idx="21"/>
+          </p:nvPr>
+        </p:nvSpPr>
+        <p:spPr/>
+        <p:txBody>
+          <a:bodyPr/>
+          <a:lstStyle/>
+          <a:p>
+            <a:r>
+              <a:rPr lang="en-US" dirty="0"/>
+              <a:t>Secondary title</a:t>
+            </a:r>
+          </a:p>
+        </p:txBody>
+      </p:sp>
+      <p:sp>
+        <p:nvSpPr>
+          <p:cNvPr id="12" name="Picture Placeholder 11" descr="Picture placeholder">
+            <a:extLst>
+              <a:ext uri="{FF2B5EF4-FFF2-40B4-BE49-F238E27FC236}">
+                <a16:creationId xmlns:a16="http://schemas.microsoft.com/office/drawing/2014/main" id="{235EF78C-6A94-4C8B-AA17-24CF0960F3CC}"/>
+              </a:ext>
+            </a:extLst>
+          </p:cNvPr>
+          <p:cNvSpPr>
+            <a:spLocks noGrp="1"/>
+          </p:cNvSpPr>
+          <p:nvPr>
+            <p:ph type="pic" sz="quarter" idx="22"/>
+          </p:nvPr>
+        </p:nvSpPr>
+        <p:spPr/>
+      </p:sp>
+      <p:sp>
+        <p:nvSpPr>
+          <p:cNvPr id="5" name="Text Placeholder 4">
+            <a:extLst>
+              <a:ext uri="{FF2B5EF4-FFF2-40B4-BE49-F238E27FC236}">
+                <a16:creationId xmlns:a16="http://schemas.microsoft.com/office/drawing/2014/main" id="{1E198F46-EA3E-D747-9F3D-910243C08741}"/>
+              </a:ext>
+            </a:extLst>
+          </p:cNvPr>
+          <p:cNvSpPr>
+            <a:spLocks noGrp="1"/>
+          </p:cNvSpPr>
+          <p:nvPr>
+            <p:ph type="body" sz="quarter" idx="10"/>
+          </p:nvPr>
+        </p:nvSpPr>
+        <p:spPr/>
+        <p:txBody>
+          <a:bodyPr/>
+          <a:lstStyle/>
+          <a:p>
+            <a:r>
+              <a:rPr lang="en-US" b="1" dirty="0"/>
+              <a:t>Name</a:t>
+            </a:r>
+          </a:p>
+          <a:p>
+            <a:r>
+              <a:rPr lang="en-US" b="1" dirty="0"/>
+              <a:t>Name</a:t>
+            </a:r>
+          </a:p>
+          <a:p>
+            <a:endParaRPr lang="en-US" dirty="0"/>
+          </a:p>
+          <a:p>
+            <a:r>
+              <a:rPr lang="en-US" dirty="0"/>
+              <a:t>Department</a:t>
+            </a:r>
+          </a:p>
+          <a:p>
+            <a:r>
+              <a:rPr lang="en-US" dirty="0"/>
+              <a:t>Institution</a:t>
+            </a:r>
+          </a:p>
+          <a:p>
+            <a:r>
+              <a:rPr lang="en-US" dirty="0"/>
+              <a:t>Month XX, 20XX</a:t>
+            </a:r>
+          </a:p>
+        </p:txBody>
+      </p:sp>
+    </p:spTree>
+    <p:extLst>
+      <p:ext uri="{BB962C8B-B14F-4D97-AF65-F5344CB8AC3E}">
+        <p14:creationId xmlns:p14="http://schemas.microsoft.com/office/powerpoint/2010/main" val="2112437206"/>
+      </p:ext>
+    </p:extLst>
+  </p:cSld>
+  <p:clrMapOvr>
+    <a:masterClrMapping/>
+  </p:clrMapOvr>
+</p:sld>
+</file>
+
+<file path=ppt/slides/slide14.xml><?xml version="1.0" encoding="utf-8"?>
+<p:sld xmlns:a="http://schemas.openxmlformats.org/drawingml/2006/main" xmlns:r="http://schemas.openxmlformats.org/officeDocument/2006/relationships" xmlns:p="http://schemas.openxmlformats.org/presentationml/2006/main">
+  <p:cSld>
+    <p:spTree>
+      <p:nvGrpSpPr>
+        <p:cNvPr id="1" name=""/>
+        <p:cNvGrpSpPr/>
+        <p:nvPr/>
+      </p:nvGrpSpPr>
+      <p:grpSpPr>
+        <a:xfrm>
+          <a:off x="0" y="0"/>
+          <a:ext cx="0" cy="0"/>
+          <a:chOff x="0" y="0"/>
+          <a:chExt cx="0" cy="0"/>
+        </a:xfrm>
+      </p:grpSpPr>
+      <p:sp>
+        <p:nvSpPr>
+          <p:cNvPr id="3" name="Title 2">
+            <a:extLst>
+              <a:ext uri="{FF2B5EF4-FFF2-40B4-BE49-F238E27FC236}">
+                <a16:creationId xmlns:a16="http://schemas.microsoft.com/office/drawing/2014/main" id="{4D76E574-6F12-2143-ACF1-0D21437251FC}"/>
+              </a:ext>
+            </a:extLst>
+          </p:cNvPr>
+          <p:cNvSpPr>
+            <a:spLocks noGrp="1"/>
+          </p:cNvSpPr>
+          <p:nvPr>
+            <p:ph type="title"/>
+          </p:nvPr>
+        </p:nvSpPr>
+        <p:spPr/>
+        <p:txBody>
+          <a:bodyPr/>
+          <a:lstStyle/>
+          <a:p>
+            <a:r>
+              <a:rPr lang="en-US" dirty="0"/>
+              <a:t>Coat-color variation in red foxes </a:t>
+            </a:r>
+          </a:p>
+        </p:txBody>
+      </p:sp>
+      <p:sp>
+        <p:nvSpPr>
+          <p:cNvPr id="4" name="Text Placeholder 3">
+            <a:extLst>
+              <a:ext uri="{FF2B5EF4-FFF2-40B4-BE49-F238E27FC236}">
+                <a16:creationId xmlns:a16="http://schemas.microsoft.com/office/drawing/2014/main" id="{6DA12B50-D0A7-6B4C-AB28-27EC387C517A}"/>
+              </a:ext>
+            </a:extLst>
+          </p:cNvPr>
+          <p:cNvSpPr>
+            <a:spLocks noGrp="1"/>
+          </p:cNvSpPr>
+          <p:nvPr>
+            <p:ph type="body" sz="quarter" idx="21"/>
+          </p:nvPr>
+        </p:nvSpPr>
+        <p:spPr/>
+        <p:txBody>
+          <a:bodyPr/>
+          <a:lstStyle/>
+          <a:p>
+            <a:r>
+              <a:rPr lang="en-US" dirty="0"/>
+              <a:t>Environmental factors that affect fur color</a:t>
+            </a:r>
+          </a:p>
+          <a:p>
+            <a:endParaRPr lang="en-US" dirty="0"/>
+          </a:p>
+        </p:txBody>
+      </p:sp>
+      <p:pic>
+        <p:nvPicPr>
+          <p:cNvPr id="7" name="Picture Placeholder 6" descr="Fox standing in field of snow">
+            <a:extLst>
+              <a:ext uri="{FF2B5EF4-FFF2-40B4-BE49-F238E27FC236}">
+                <a16:creationId xmlns:a16="http://schemas.microsoft.com/office/drawing/2014/main" id="{052F552C-2509-2A4A-B971-97339C647B5E}"/>
+              </a:ext>
+            </a:extLst>
+          </p:cNvPr>
+          <p:cNvPicPr>
+            <a:picLocks noGrp="1" noChangeAspect="1"/>
+          </p:cNvPicPr>
+          <p:nvPr>
+            <p:ph type="pic" sz="quarter" idx="4294967295"/>
+          </p:nvPr>
+        </p:nvPicPr>
+        <p:blipFill rotWithShape="1">
+          <a:blip r:embed="rId2">
+            <a:extLst>
+              <a:ext uri="{28A0092B-C50C-407E-A947-70E740481C1C}">
+                <a14:useLocalDpi xmlns:a14="http://schemas.microsoft.com/office/drawing/2010/main" val="0"/>
+              </a:ext>
+            </a:extLst>
+          </a:blip>
+          <a:srcRect/>
+          <a:stretch/>
+        </p:blipFill>
+        <p:spPr>
+          <a:xfrm flipH="1">
+            <a:off x="1597" y="2066538"/>
+            <a:ext cx="12188952" cy="4800603"/>
+          </a:xfrm>
+        </p:spPr>
+      </p:pic>
+      <p:sp>
+        <p:nvSpPr>
+          <p:cNvPr id="5" name="Text Placeholder 4">
+            <a:extLst>
+              <a:ext uri="{FF2B5EF4-FFF2-40B4-BE49-F238E27FC236}">
+                <a16:creationId xmlns:a16="http://schemas.microsoft.com/office/drawing/2014/main" id="{15A1BD6E-CB7C-1E4C-98ED-ABCC7B6DF936}"/>
+              </a:ext>
+            </a:extLst>
+          </p:cNvPr>
+          <p:cNvSpPr>
+            <a:spLocks noGrp="1"/>
+          </p:cNvSpPr>
+          <p:nvPr>
+            <p:ph type="body" sz="quarter" idx="10"/>
+          </p:nvPr>
+        </p:nvSpPr>
+        <p:spPr>
+          <a:solidFill>
+            <a:srgbClr val="262626">
+              <a:alpha val="50196"/>
+            </a:srgbClr>
+          </a:solidFill>
+        </p:spPr>
+        <p:txBody>
+          <a:bodyPr/>
+          <a:lstStyle/>
+          <a:p>
+            <a:r>
+              <a:rPr lang="en-US" b="1" dirty="0"/>
+              <a:t>Hayden Cook</a:t>
+            </a:r>
+          </a:p>
+          <a:p>
+            <a:r>
+              <a:rPr lang="en-US" b="1" dirty="0"/>
+              <a:t>Quinn Campbell, Ph.D.</a:t>
+            </a:r>
+          </a:p>
+          <a:p>
+            <a:endParaRPr lang="en-US" b="1" dirty="0"/>
+          </a:p>
+          <a:p>
+            <a:r>
+              <a:rPr lang="en-US" dirty="0"/>
+              <a:t>Department of Biology</a:t>
+            </a:r>
+          </a:p>
+          <a:p>
+            <a:r>
+              <a:rPr lang="en-US" dirty="0"/>
+              <a:t>Jasper University</a:t>
+            </a:r>
+          </a:p>
+          <a:p>
+            <a:r>
+              <a:rPr lang="en-US" dirty="0"/>
+              <a:t>December 12, 2021</a:t>
+            </a:r>
+          </a:p>
+        </p:txBody>
+      </p:sp>
+    </p:spTree>
+    <p:extLst>
+      <p:ext uri="{BB962C8B-B14F-4D97-AF65-F5344CB8AC3E}">
+        <p14:creationId xmlns:p14="http://schemas.microsoft.com/office/powerpoint/2010/main" val="1221784968"/>
+      </p:ext>
+    </p:extLst>
+  </p:cSld>
+  <p:clrMapOvr>
+    <a:masterClrMapping/>
+  </p:clrMapOvr>
+</p:sld>
+</file>
+
+<file path=ppt/slides/slide15.xml><?xml version="1.0" encoding="utf-8"?>
+<p:sld xmlns:a="http://schemas.openxmlformats.org/drawingml/2006/main" xmlns:r="http://schemas.openxmlformats.org/officeDocument/2006/relationships" xmlns:p="http://schemas.openxmlformats.org/presentationml/2006/main">
+  <p:cSld>
+    <p:spTree>
+      <p:nvGrpSpPr>
+        <p:cNvPr id="1" name=""/>
+        <p:cNvGrpSpPr/>
+        <p:nvPr/>
+      </p:nvGrpSpPr>
+      <p:grpSpPr>
+        <a:xfrm>
+          <a:off x="0" y="0"/>
+          <a:ext cx="0" cy="0"/>
+          <a:chOff x="0" y="0"/>
+          <a:chExt cx="0" cy="0"/>
+        </a:xfrm>
+      </p:grpSpPr>
+      <p:sp>
+        <p:nvSpPr>
+          <p:cNvPr id="16" name="Title 15">
+            <a:extLst>
+              <a:ext uri="{FF2B5EF4-FFF2-40B4-BE49-F238E27FC236}">
+                <a16:creationId xmlns:a16="http://schemas.microsoft.com/office/drawing/2014/main" id="{31559193-D32B-DF46-A00E-90827C46EB39}"/>
+              </a:ext>
+            </a:extLst>
+          </p:cNvPr>
+          <p:cNvSpPr>
+            <a:spLocks noGrp="1"/>
+          </p:cNvSpPr>
+          <p:nvPr>
+            <p:ph type="title"/>
+          </p:nvPr>
+        </p:nvSpPr>
+        <p:spPr/>
+        <p:txBody>
+          <a:bodyPr/>
+          <a:lstStyle/>
+          <a:p>
+            <a:r>
+              <a:rPr lang="en-US" dirty="0"/>
+              <a:t>Short summary of the presentation; </a:t>
+            </a:r>
+            <a:br>
+              <a:rPr lang="en-US" dirty="0"/>
+            </a:br>
+            <a:r>
+              <a:rPr lang="en-US" dirty="0"/>
+              <a:t>no longer than two lines​</a:t>
+            </a:r>
+          </a:p>
+        </p:txBody>
+      </p:sp>
+      <p:sp>
+        <p:nvSpPr>
+          <p:cNvPr id="33" name="Picture Placeholder 32" descr="Picture placeholder">
+            <a:extLst>
+              <a:ext uri="{FF2B5EF4-FFF2-40B4-BE49-F238E27FC236}">
+                <a16:creationId xmlns:a16="http://schemas.microsoft.com/office/drawing/2014/main" id="{09D3B286-EAC5-47B5-A210-B1418401BBFB}"/>
+              </a:ext>
+            </a:extLst>
+          </p:cNvPr>
+          <p:cNvSpPr>
+            <a:spLocks noGrp="1"/>
+          </p:cNvSpPr>
+          <p:nvPr>
+            <p:ph type="pic" sz="quarter" idx="32"/>
+          </p:nvPr>
+        </p:nvSpPr>
+        <p:spPr/>
+      </p:sp>
+      <p:sp>
+        <p:nvSpPr>
+          <p:cNvPr id="20" name="Text Placeholder 19">
+            <a:extLst>
+              <a:ext uri="{FF2B5EF4-FFF2-40B4-BE49-F238E27FC236}">
+                <a16:creationId xmlns:a16="http://schemas.microsoft.com/office/drawing/2014/main" id="{6C29D695-E04C-1A40-A4AC-7C58DA0EAFC7}"/>
+              </a:ext>
+            </a:extLst>
+          </p:cNvPr>
+          <p:cNvSpPr>
+            <a:spLocks noGrp="1"/>
+          </p:cNvSpPr>
+          <p:nvPr>
+            <p:ph type="body" sz="quarter" idx="35"/>
+          </p:nvPr>
+        </p:nvSpPr>
+        <p:spPr/>
+        <p:txBody>
+          <a:bodyPr/>
+          <a:lstStyle/>
+          <a:p>
+            <a:r>
+              <a:rPr lang="en-US" dirty="0"/>
+              <a:t>Title of section 1</a:t>
+            </a:r>
+          </a:p>
+        </p:txBody>
+      </p:sp>
+      <p:sp>
+        <p:nvSpPr>
+          <p:cNvPr id="34" name="Picture Placeholder 33" descr="Picture placeholder">
+            <a:extLst>
+              <a:ext uri="{FF2B5EF4-FFF2-40B4-BE49-F238E27FC236}">
+                <a16:creationId xmlns:a16="http://schemas.microsoft.com/office/drawing/2014/main" id="{EB32B436-E546-4A77-B5AC-DDFCE353FC0D}"/>
+              </a:ext>
+            </a:extLst>
+          </p:cNvPr>
+          <p:cNvSpPr>
+            <a:spLocks noGrp="1"/>
+          </p:cNvSpPr>
+          <p:nvPr>
+            <p:ph type="pic" sz="quarter" idx="33"/>
+          </p:nvPr>
+        </p:nvSpPr>
+        <p:spPr/>
+      </p:sp>
+      <p:sp>
+        <p:nvSpPr>
+          <p:cNvPr id="32" name="Text Placeholder 31">
+            <a:extLst>
+              <a:ext uri="{FF2B5EF4-FFF2-40B4-BE49-F238E27FC236}">
+                <a16:creationId xmlns:a16="http://schemas.microsoft.com/office/drawing/2014/main" id="{9F983F22-14BA-4187-AC39-8300E1DAAEDF}"/>
+              </a:ext>
+            </a:extLst>
+          </p:cNvPr>
+          <p:cNvSpPr>
+            <a:spLocks noGrp="1"/>
+          </p:cNvSpPr>
+          <p:nvPr>
+            <p:ph type="body" sz="quarter" idx="22"/>
+          </p:nvPr>
+        </p:nvSpPr>
+        <p:spPr/>
+        <p:txBody>
+          <a:bodyPr/>
+          <a:lstStyle/>
+          <a:p>
+            <a:r>
+              <a:rPr lang="en-US" dirty="0"/>
+              <a:t>Title of section 2</a:t>
+            </a:r>
+          </a:p>
+        </p:txBody>
+      </p:sp>
+      <p:sp>
+        <p:nvSpPr>
+          <p:cNvPr id="35" name="Picture Placeholder 34" descr="Picture placeholder">
+            <a:extLst>
+              <a:ext uri="{FF2B5EF4-FFF2-40B4-BE49-F238E27FC236}">
+                <a16:creationId xmlns:a16="http://schemas.microsoft.com/office/drawing/2014/main" id="{16A61ECF-116F-4ED3-A968-F294512A4568}"/>
+              </a:ext>
+            </a:extLst>
+          </p:cNvPr>
+          <p:cNvSpPr>
+            <a:spLocks noGrp="1"/>
+          </p:cNvSpPr>
+          <p:nvPr>
+            <p:ph type="pic" sz="quarter" idx="34"/>
+          </p:nvPr>
+        </p:nvSpPr>
+        <p:spPr/>
+      </p:sp>
+      <p:sp>
+        <p:nvSpPr>
+          <p:cNvPr id="22" name="Text Placeholder 21">
+            <a:extLst>
+              <a:ext uri="{FF2B5EF4-FFF2-40B4-BE49-F238E27FC236}">
+                <a16:creationId xmlns:a16="http://schemas.microsoft.com/office/drawing/2014/main" id="{40254CD8-6494-BE4F-9325-D9725283CB7A}"/>
+              </a:ext>
+            </a:extLst>
+          </p:cNvPr>
+          <p:cNvSpPr>
+            <a:spLocks noGrp="1"/>
+          </p:cNvSpPr>
+          <p:nvPr>
+            <p:ph type="body" sz="quarter" idx="36"/>
+          </p:nvPr>
+        </p:nvSpPr>
+        <p:spPr/>
+        <p:txBody>
+          <a:bodyPr/>
+          <a:lstStyle/>
+          <a:p>
+            <a:r>
+              <a:rPr lang="en-US" dirty="0"/>
+              <a:t>Title of section 3</a:t>
+            </a:r>
+          </a:p>
+        </p:txBody>
+      </p:sp>
+      <p:sp>
+        <p:nvSpPr>
+          <p:cNvPr id="2" name="Slide Number Placeholder 1">
+            <a:extLst>
+              <a:ext uri="{FF2B5EF4-FFF2-40B4-BE49-F238E27FC236}">
+                <a16:creationId xmlns:a16="http://schemas.microsoft.com/office/drawing/2014/main" id="{D9A1132A-859D-EB43-9E0E-7333329A72F6}"/>
+              </a:ext>
+            </a:extLst>
+          </p:cNvPr>
+          <p:cNvSpPr>
+            <a:spLocks noGrp="1"/>
+          </p:cNvSpPr>
+          <p:nvPr>
+            <p:ph type="sldNum" sz="quarter" idx="17"/>
+          </p:nvPr>
+        </p:nvSpPr>
+        <p:spPr/>
+        <p:txBody>
+          <a:bodyPr/>
+          <a:lstStyle/>
+          <a:p>
+            <a:fld id="{A52BEA90-E6BE-45F4-8D5D-C2E01FE3DBCB}" type="slidenum">
+              <a:rPr lang="en-US" smtClean="0"/>
+              <a:pPr/>
+              <a:t>15</a:t>
+            </a:fld>
+            <a:endParaRPr lang="en-US" dirty="0"/>
+          </a:p>
+        </p:txBody>
+      </p:sp>
+    </p:spTree>
+    <p:extLst>
+      <p:ext uri="{BB962C8B-B14F-4D97-AF65-F5344CB8AC3E}">
+        <p14:creationId xmlns:p14="http://schemas.microsoft.com/office/powerpoint/2010/main" val="974409820"/>
+      </p:ext>
+    </p:extLst>
+  </p:cSld>
+  <p:clrMapOvr>
+    <a:masterClrMapping/>
+  </p:clrMapOvr>
+</p:sld>
+</file>
+
+<file path=ppt/slides/slide16.xml><?xml version="1.0" encoding="utf-8"?>
+<p:sld xmlns:a="http://schemas.openxmlformats.org/drawingml/2006/main" xmlns:r="http://schemas.openxmlformats.org/officeDocument/2006/relationships" xmlns:p="http://schemas.openxmlformats.org/presentationml/2006/main">
+  <p:cSld>
+    <p:spTree>
+      <p:nvGrpSpPr>
+        <p:cNvPr id="1" name=""/>
+        <p:cNvGrpSpPr/>
+        <p:nvPr/>
+      </p:nvGrpSpPr>
+      <p:grpSpPr>
+        <a:xfrm>
+          <a:off x="0" y="0"/>
+          <a:ext cx="0" cy="0"/>
+          <a:chOff x="0" y="0"/>
+          <a:chExt cx="0" cy="0"/>
+        </a:xfrm>
+      </p:grpSpPr>
+      <p:sp>
+        <p:nvSpPr>
+          <p:cNvPr id="6" name="Title 5">
+            <a:extLst>
+              <a:ext uri="{FF2B5EF4-FFF2-40B4-BE49-F238E27FC236}">
+                <a16:creationId xmlns:a16="http://schemas.microsoft.com/office/drawing/2014/main" id="{3F252A67-8C32-C845-AB69-95AEACCED5DA}"/>
+              </a:ext>
+            </a:extLst>
+          </p:cNvPr>
+          <p:cNvSpPr>
+            <a:spLocks noGrp="1"/>
+          </p:cNvSpPr>
+          <p:nvPr>
+            <p:ph type="title"/>
+          </p:nvPr>
+        </p:nvSpPr>
+        <p:spPr/>
+        <p:txBody>
+          <a:bodyPr/>
+          <a:lstStyle/>
+          <a:p>
+            <a:r>
+              <a:rPr lang="en-US" dirty="0"/>
+              <a:t>This study focused on coat-color variation in red foxes to learn if environmental factors affect coat-color outcomes</a:t>
+            </a:r>
+          </a:p>
+        </p:txBody>
+      </p:sp>
+      <p:pic>
+        <p:nvPicPr>
+          <p:cNvPr id="36" name="Picture Placeholder 11" descr="A red fox face&#10;">
+            <a:extLst>
+              <a:ext uri="{FF2B5EF4-FFF2-40B4-BE49-F238E27FC236}">
+                <a16:creationId xmlns:a16="http://schemas.microsoft.com/office/drawing/2014/main" id="{8F9442FF-E813-4B66-85BB-E81A8DF7A78E}"/>
+              </a:ext>
+            </a:extLst>
+          </p:cNvPr>
+          <p:cNvPicPr>
+            <a:picLocks noGrp="1" noChangeAspect="1"/>
+          </p:cNvPicPr>
+          <p:nvPr>
+            <p:ph type="pic" sz="quarter" idx="32"/>
+          </p:nvPr>
+        </p:nvPicPr>
+        <p:blipFill rotWithShape="1">
+          <a:blip r:embed="rId2">
+            <a:extLst>
+              <a:ext uri="{28A0092B-C50C-407E-A947-70E740481C1C}">
+                <a14:useLocalDpi xmlns:a14="http://schemas.microsoft.com/office/drawing/2010/main" val="0"/>
+              </a:ext>
+            </a:extLst>
+          </a:blip>
+          <a:srcRect/>
+          <a:stretch/>
+        </p:blipFill>
+        <p:spPr/>
+      </p:pic>
+      <p:sp>
+        <p:nvSpPr>
+          <p:cNvPr id="7" name="Text Placeholder 6">
+            <a:extLst>
+              <a:ext uri="{FF2B5EF4-FFF2-40B4-BE49-F238E27FC236}">
+                <a16:creationId xmlns:a16="http://schemas.microsoft.com/office/drawing/2014/main" id="{7771F4B4-43CC-8443-88D1-B8816C969421}"/>
+              </a:ext>
+            </a:extLst>
+          </p:cNvPr>
+          <p:cNvSpPr>
+            <a:spLocks noGrp="1"/>
+          </p:cNvSpPr>
+          <p:nvPr>
+            <p:ph type="body" sz="quarter" idx="35"/>
+          </p:nvPr>
+        </p:nvSpPr>
+        <p:spPr/>
+        <p:txBody>
+          <a:bodyPr/>
+          <a:lstStyle/>
+          <a:p>
+            <a:r>
+              <a:rPr lang="en-US" dirty="0"/>
+              <a:t>Coat-color variation in </a:t>
+            </a:r>
+          </a:p>
+          <a:p>
+            <a:r>
+              <a:rPr lang="en-US" dirty="0"/>
+              <a:t>red foxes</a:t>
+            </a:r>
+          </a:p>
+        </p:txBody>
+      </p:sp>
+      <p:pic>
+        <p:nvPicPr>
+          <p:cNvPr id="37" name="Picture Placeholder 13" descr="Population density graphic">
+            <a:extLst>
+              <a:ext uri="{FF2B5EF4-FFF2-40B4-BE49-F238E27FC236}">
+                <a16:creationId xmlns:a16="http://schemas.microsoft.com/office/drawing/2014/main" id="{564AD0F3-2418-431D-934A-58DE5A3F6796}"/>
+              </a:ext>
+            </a:extLst>
+          </p:cNvPr>
+          <p:cNvPicPr>
+            <a:picLocks noGrp="1" noChangeAspect="1"/>
+          </p:cNvPicPr>
+          <p:nvPr>
+            <p:ph type="pic" sz="quarter" idx="33"/>
+          </p:nvPr>
+        </p:nvPicPr>
+        <p:blipFill rotWithShape="1">
+          <a:blip r:embed="rId3">
+            <a:extLst>
+              <a:ext uri="{28A0092B-C50C-407E-A947-70E740481C1C}">
+                <a14:useLocalDpi xmlns:a14="http://schemas.microsoft.com/office/drawing/2010/main" val="0"/>
+              </a:ext>
+            </a:extLst>
+          </a:blip>
+          <a:srcRect/>
+          <a:stretch/>
+        </p:blipFill>
+        <p:spPr/>
+      </p:pic>
+      <p:sp>
+        <p:nvSpPr>
+          <p:cNvPr id="3" name="Text Placeholder 2">
+            <a:extLst>
+              <a:ext uri="{FF2B5EF4-FFF2-40B4-BE49-F238E27FC236}">
+                <a16:creationId xmlns:a16="http://schemas.microsoft.com/office/drawing/2014/main" id="{0517487B-8F5E-2B40-B56E-EE991D1501CC}"/>
+              </a:ext>
+            </a:extLst>
+          </p:cNvPr>
+          <p:cNvSpPr>
+            <a:spLocks noGrp="1"/>
+          </p:cNvSpPr>
+          <p:nvPr>
+            <p:ph type="body" sz="quarter" idx="22"/>
+          </p:nvPr>
+        </p:nvSpPr>
+        <p:spPr/>
+        <p:txBody>
+          <a:bodyPr/>
+          <a:lstStyle/>
+          <a:p>
+            <a:r>
+              <a:rPr lang="en-US" dirty="0"/>
+              <a:t>Population density and </a:t>
+            </a:r>
+          </a:p>
+          <a:p>
+            <a:r>
+              <a:rPr lang="en-US" dirty="0"/>
+              <a:t>coat color​</a:t>
+            </a:r>
+          </a:p>
+        </p:txBody>
+      </p:sp>
+      <p:pic>
+        <p:nvPicPr>
+          <p:cNvPr id="16" name="Picture Placeholder 15" descr="Pie chart">
+            <a:extLst>
+              <a:ext uri="{FF2B5EF4-FFF2-40B4-BE49-F238E27FC236}">
+                <a16:creationId xmlns:a16="http://schemas.microsoft.com/office/drawing/2014/main" id="{12AD7032-48CC-274A-A647-D907AFFA189F}"/>
+              </a:ext>
+            </a:extLst>
+          </p:cNvPr>
+          <p:cNvPicPr>
+            <a:picLocks noGrp="1" noChangeAspect="1"/>
+          </p:cNvPicPr>
+          <p:nvPr>
+            <p:ph type="pic" sz="quarter" idx="34"/>
+          </p:nvPr>
+        </p:nvPicPr>
+        <p:blipFill rotWithShape="1">
+          <a:blip r:embed="rId4">
+            <a:extLst>
+              <a:ext uri="{28A0092B-C50C-407E-A947-70E740481C1C}">
+                <a14:useLocalDpi xmlns:a14="http://schemas.microsoft.com/office/drawing/2010/main" val="0"/>
+              </a:ext>
+            </a:extLst>
+          </a:blip>
+          <a:srcRect/>
+          <a:stretch/>
+        </p:blipFill>
+        <p:spPr/>
+      </p:pic>
+      <p:sp>
+        <p:nvSpPr>
+          <p:cNvPr id="9" name="Text Placeholder 8">
+            <a:extLst>
+              <a:ext uri="{FF2B5EF4-FFF2-40B4-BE49-F238E27FC236}">
+                <a16:creationId xmlns:a16="http://schemas.microsoft.com/office/drawing/2014/main" id="{827EF115-4125-8045-B598-3FB1CA5BC651}"/>
+              </a:ext>
+            </a:extLst>
+          </p:cNvPr>
+          <p:cNvSpPr>
+            <a:spLocks noGrp="1"/>
+          </p:cNvSpPr>
+          <p:nvPr>
+            <p:ph type="body" sz="quarter" idx="36"/>
+          </p:nvPr>
+        </p:nvSpPr>
+        <p:spPr/>
+        <p:txBody>
+          <a:bodyPr/>
+          <a:lstStyle/>
+          <a:p>
+            <a:r>
+              <a:rPr lang="en-US" dirty="0"/>
+              <a:t>Elevation and coat</a:t>
+            </a:r>
+          </a:p>
+          <a:p>
+            <a:r>
+              <a:rPr lang="en-US" dirty="0"/>
+              <a:t>color​</a:t>
+            </a:r>
+          </a:p>
+        </p:txBody>
+      </p:sp>
+      <p:sp>
+        <p:nvSpPr>
+          <p:cNvPr id="2" name="Slide Number Placeholder 1">
+            <a:extLst>
+              <a:ext uri="{FF2B5EF4-FFF2-40B4-BE49-F238E27FC236}">
+                <a16:creationId xmlns:a16="http://schemas.microsoft.com/office/drawing/2014/main" id="{CCDD1993-624D-5847-9BAB-615CCA382CB7}"/>
+              </a:ext>
+            </a:extLst>
+          </p:cNvPr>
+          <p:cNvSpPr>
+            <a:spLocks noGrp="1"/>
+          </p:cNvSpPr>
+          <p:nvPr>
+            <p:ph type="sldNum" sz="quarter" idx="17"/>
+          </p:nvPr>
+        </p:nvSpPr>
+        <p:spPr/>
+        <p:txBody>
+          <a:bodyPr/>
+          <a:lstStyle/>
+          <a:p>
+            <a:fld id="{A52BEA90-E6BE-45F4-8D5D-C2E01FE3DBCB}" type="slidenum">
+              <a:rPr lang="en-US" smtClean="0"/>
+              <a:pPr/>
+              <a:t>16</a:t>
+            </a:fld>
+            <a:endParaRPr lang="en-US" dirty="0"/>
+          </a:p>
+        </p:txBody>
+      </p:sp>
+    </p:spTree>
+    <p:extLst>
+      <p:ext uri="{BB962C8B-B14F-4D97-AF65-F5344CB8AC3E}">
+        <p14:creationId xmlns:p14="http://schemas.microsoft.com/office/powerpoint/2010/main" val="801557595"/>
+      </p:ext>
+    </p:extLst>
+  </p:cSld>
+  <p:clrMapOvr>
+    <a:masterClrMapping/>
+  </p:clrMapOvr>
+</p:sld>
+</file>
+
+<file path=ppt/slides/slide17.xml><?xml version="1.0" encoding="utf-8"?>
+<p:sld xmlns:a="http://schemas.openxmlformats.org/drawingml/2006/main" xmlns:r="http://schemas.openxmlformats.org/officeDocument/2006/relationships" xmlns:p="http://schemas.openxmlformats.org/presentationml/2006/main">
+  <p:cSld>
+    <p:spTree>
+      <p:nvGrpSpPr>
+        <p:cNvPr id="1" name=""/>
+        <p:cNvGrpSpPr/>
+        <p:nvPr/>
+      </p:nvGrpSpPr>
+      <p:grpSpPr>
+        <a:xfrm>
+          <a:off x="0" y="0"/>
+          <a:ext cx="0" cy="0"/>
+          <a:chOff x="0" y="0"/>
+          <a:chExt cx="0" cy="0"/>
+        </a:xfrm>
+      </p:grpSpPr>
+      <p:sp>
+        <p:nvSpPr>
+          <p:cNvPr id="5" name="Title 4">
+            <a:extLst>
+              <a:ext uri="{FF2B5EF4-FFF2-40B4-BE49-F238E27FC236}">
+                <a16:creationId xmlns:a16="http://schemas.microsoft.com/office/drawing/2014/main" id="{90138C5A-D559-6F4C-9389-1150ADB9F538}"/>
+              </a:ext>
+            </a:extLst>
+          </p:cNvPr>
+          <p:cNvSpPr>
+            <a:spLocks noGrp="1"/>
+          </p:cNvSpPr>
+          <p:nvPr>
+            <p:ph type="title"/>
+          </p:nvPr>
+        </p:nvSpPr>
+        <p:spPr/>
+        <p:txBody>
+          <a:bodyPr/>
+          <a:lstStyle/>
+          <a:p>
+            <a:r>
+              <a:rPr lang="en-US" dirty="0"/>
+              <a:t>One-sentence headline stating the main takeaway message for the slide; no longer than two lines</a:t>
+            </a:r>
+          </a:p>
+        </p:txBody>
+      </p:sp>
+      <p:sp>
+        <p:nvSpPr>
+          <p:cNvPr id="23" name="Picture Placeholder 22" descr="Picture placeholder">
+            <a:extLst>
+              <a:ext uri="{FF2B5EF4-FFF2-40B4-BE49-F238E27FC236}">
+                <a16:creationId xmlns:a16="http://schemas.microsoft.com/office/drawing/2014/main" id="{97A5A91C-15AE-4E2C-A615-4E909CA640B0}"/>
+              </a:ext>
+            </a:extLst>
+          </p:cNvPr>
+          <p:cNvSpPr>
+            <a:spLocks noGrp="1"/>
+          </p:cNvSpPr>
+          <p:nvPr>
+            <p:ph type="pic" sz="quarter" idx="31"/>
+          </p:nvPr>
+        </p:nvSpPr>
+        <p:spPr/>
+      </p:sp>
+      <p:sp>
+        <p:nvSpPr>
+          <p:cNvPr id="14" name="Text Placeholder 13">
+            <a:extLst>
+              <a:ext uri="{FF2B5EF4-FFF2-40B4-BE49-F238E27FC236}">
+                <a16:creationId xmlns:a16="http://schemas.microsoft.com/office/drawing/2014/main" id="{03933CB2-C668-8248-8E77-8C3FF47A3B5A}"/>
+              </a:ext>
+            </a:extLst>
+          </p:cNvPr>
+          <p:cNvSpPr>
+            <a:spLocks noGrp="1"/>
+          </p:cNvSpPr>
+          <p:nvPr>
+            <p:ph type="body" sz="quarter" idx="30"/>
+          </p:nvPr>
+        </p:nvSpPr>
+        <p:spPr/>
+        <p:txBody>
+          <a:bodyPr/>
+          <a:lstStyle/>
+          <a:p>
+            <a:r>
+              <a:rPr lang="en-US" dirty="0"/>
+              <a:t>Info or call-out</a:t>
+            </a:r>
+          </a:p>
+        </p:txBody>
+      </p:sp>
+      <p:sp>
+        <p:nvSpPr>
+          <p:cNvPr id="24" name="Picture Placeholder 23" descr="Picture placeholder">
+            <a:extLst>
+              <a:ext uri="{FF2B5EF4-FFF2-40B4-BE49-F238E27FC236}">
+                <a16:creationId xmlns:a16="http://schemas.microsoft.com/office/drawing/2014/main" id="{1F1DBC7D-FF84-4416-B97F-9F27F682E0F2}"/>
+              </a:ext>
+            </a:extLst>
+          </p:cNvPr>
+          <p:cNvSpPr>
+            <a:spLocks noGrp="1"/>
+          </p:cNvSpPr>
+          <p:nvPr>
+            <p:ph type="pic" sz="quarter" idx="32"/>
+          </p:nvPr>
+        </p:nvSpPr>
+        <p:spPr/>
+      </p:sp>
+      <p:sp>
+        <p:nvSpPr>
+          <p:cNvPr id="12" name="Text Placeholder 11">
+            <a:extLst>
+              <a:ext uri="{FF2B5EF4-FFF2-40B4-BE49-F238E27FC236}">
+                <a16:creationId xmlns:a16="http://schemas.microsoft.com/office/drawing/2014/main" id="{5DDD152E-341E-BE41-866F-57426B3BF8BF}"/>
+              </a:ext>
+            </a:extLst>
+          </p:cNvPr>
+          <p:cNvSpPr>
+            <a:spLocks noGrp="1"/>
+          </p:cNvSpPr>
+          <p:nvPr>
+            <p:ph type="body" sz="quarter" idx="29"/>
+          </p:nvPr>
+        </p:nvSpPr>
+        <p:spPr/>
+        <p:txBody>
+          <a:bodyPr/>
+          <a:lstStyle/>
+          <a:p>
+            <a:r>
+              <a:rPr lang="en-US" dirty="0"/>
+              <a:t>Info or call-out</a:t>
+            </a:r>
+          </a:p>
+        </p:txBody>
+      </p:sp>
+      <p:sp>
+        <p:nvSpPr>
+          <p:cNvPr id="25" name="Picture Placeholder 24" descr="Picture placeholder">
+            <a:extLst>
+              <a:ext uri="{FF2B5EF4-FFF2-40B4-BE49-F238E27FC236}">
+                <a16:creationId xmlns:a16="http://schemas.microsoft.com/office/drawing/2014/main" id="{85595941-EF67-4524-886C-508F2BCFF553}"/>
+              </a:ext>
+            </a:extLst>
+          </p:cNvPr>
+          <p:cNvSpPr>
+            <a:spLocks noGrp="1"/>
+          </p:cNvSpPr>
+          <p:nvPr>
+            <p:ph type="pic" sz="quarter" idx="33"/>
+          </p:nvPr>
+        </p:nvSpPr>
+        <p:spPr/>
+      </p:sp>
+      <p:sp>
+        <p:nvSpPr>
+          <p:cNvPr id="6" name="Text Placeholder 5">
+            <a:extLst>
+              <a:ext uri="{FF2B5EF4-FFF2-40B4-BE49-F238E27FC236}">
+                <a16:creationId xmlns:a16="http://schemas.microsoft.com/office/drawing/2014/main" id="{E940FE4F-1A1D-E345-B6F3-0DF938D32E23}"/>
+              </a:ext>
+            </a:extLst>
+          </p:cNvPr>
+          <p:cNvSpPr>
+            <a:spLocks noGrp="1"/>
+          </p:cNvSpPr>
+          <p:nvPr>
+            <p:ph type="body" sz="quarter" idx="10"/>
+          </p:nvPr>
+        </p:nvSpPr>
+        <p:spPr/>
+        <p:txBody>
+          <a:bodyPr/>
+          <a:lstStyle/>
+          <a:p>
+            <a:r>
+              <a:rPr lang="en-US" dirty="0"/>
+              <a:t>Info or call-out</a:t>
+            </a:r>
+          </a:p>
+        </p:txBody>
+      </p:sp>
+      <p:sp>
+        <p:nvSpPr>
+          <p:cNvPr id="10" name="Slide Number Placeholder 9">
+            <a:extLst>
+              <a:ext uri="{FF2B5EF4-FFF2-40B4-BE49-F238E27FC236}">
+                <a16:creationId xmlns:a16="http://schemas.microsoft.com/office/drawing/2014/main" id="{28DE37E5-5F6C-0C4C-AA85-EF844CD9A0FD}"/>
+              </a:ext>
+            </a:extLst>
+          </p:cNvPr>
+          <p:cNvSpPr>
+            <a:spLocks noGrp="1"/>
+          </p:cNvSpPr>
+          <p:nvPr>
+            <p:ph type="sldNum" sz="quarter" idx="17"/>
+          </p:nvPr>
+        </p:nvSpPr>
+        <p:spPr/>
+        <p:txBody>
+          <a:bodyPr/>
+          <a:lstStyle/>
+          <a:p>
+            <a:fld id="{A52BEA90-E6BE-45F4-8D5D-C2E01FE3DBCB}" type="slidenum">
+              <a:rPr lang="en-US" smtClean="0"/>
+              <a:pPr/>
+              <a:t>17</a:t>
+            </a:fld>
+            <a:endParaRPr lang="en-US" dirty="0"/>
+          </a:p>
+        </p:txBody>
+      </p:sp>
+    </p:spTree>
+    <p:extLst>
+      <p:ext uri="{BB962C8B-B14F-4D97-AF65-F5344CB8AC3E}">
+        <p14:creationId xmlns:p14="http://schemas.microsoft.com/office/powerpoint/2010/main" val="2996136178"/>
+      </p:ext>
+    </p:extLst>
+  </p:cSld>
+  <p:clrMapOvr>
+    <a:masterClrMapping/>
+  </p:clrMapOvr>
+</p:sld>
+</file>
+
+<file path=ppt/slides/slide18.xml><?xml version="1.0" encoding="utf-8"?>
+<p:sld xmlns:a="http://schemas.openxmlformats.org/drawingml/2006/main" xmlns:r="http://schemas.openxmlformats.org/officeDocument/2006/relationships" xmlns:p="http://schemas.openxmlformats.org/presentationml/2006/main">
+  <p:cSld>
+    <p:spTree>
+      <p:nvGrpSpPr>
+        <p:cNvPr id="1" name=""/>
+        <p:cNvGrpSpPr/>
+        <p:nvPr/>
+      </p:nvGrpSpPr>
+      <p:grpSpPr>
+        <a:xfrm>
+          <a:off x="0" y="0"/>
+          <a:ext cx="0" cy="0"/>
+          <a:chOff x="0" y="0"/>
+          <a:chExt cx="0" cy="0"/>
+        </a:xfrm>
+      </p:grpSpPr>
+      <p:sp>
+        <p:nvSpPr>
+          <p:cNvPr id="6" name="Title 5">
+            <a:extLst>
+              <a:ext uri="{FF2B5EF4-FFF2-40B4-BE49-F238E27FC236}">
+                <a16:creationId xmlns:a16="http://schemas.microsoft.com/office/drawing/2014/main" id="{AA34EFEE-3417-C94A-9E71-0178D688C6C3}"/>
+              </a:ext>
+            </a:extLst>
+          </p:cNvPr>
+          <p:cNvSpPr>
+            <a:spLocks noGrp="1"/>
+          </p:cNvSpPr>
+          <p:nvPr>
+            <p:ph type="title"/>
+          </p:nvPr>
+        </p:nvSpPr>
+        <p:spPr/>
+        <p:txBody>
+          <a:bodyPr/>
+          <a:lstStyle/>
+          <a:p>
+            <a:r>
+              <a:rPr lang="en-US" dirty="0"/>
+              <a:t>Red, cross, and silver color outcomes are controlled by two pairs of non-linked autosomal genes</a:t>
+            </a:r>
+          </a:p>
+        </p:txBody>
+      </p:sp>
+      <p:pic>
+        <p:nvPicPr>
+          <p:cNvPr id="12" name="Picture Placeholder 11" descr="A red fox face&#10;">
+            <a:extLst>
+              <a:ext uri="{FF2B5EF4-FFF2-40B4-BE49-F238E27FC236}">
+                <a16:creationId xmlns:a16="http://schemas.microsoft.com/office/drawing/2014/main" id="{1774DAAD-BC66-A844-B61F-07ADECDD3976}"/>
+              </a:ext>
+            </a:extLst>
+          </p:cNvPr>
+          <p:cNvPicPr>
+            <a:picLocks noGrp="1" noChangeAspect="1"/>
+          </p:cNvPicPr>
+          <p:nvPr>
+            <p:ph type="pic" sz="quarter" idx="31"/>
+          </p:nvPr>
+        </p:nvPicPr>
+        <p:blipFill rotWithShape="1">
+          <a:blip r:embed="rId3">
+            <a:extLst>
+              <a:ext uri="{28A0092B-C50C-407E-A947-70E740481C1C}">
+                <a14:useLocalDpi xmlns:a14="http://schemas.microsoft.com/office/drawing/2010/main" val="0"/>
+              </a:ext>
+            </a:extLst>
+          </a:blip>
+          <a:srcRect/>
+          <a:stretch/>
+        </p:blipFill>
+        <p:spPr/>
+      </p:pic>
+      <p:sp>
+        <p:nvSpPr>
+          <p:cNvPr id="10" name="Text Placeholder 9">
+            <a:extLst>
+              <a:ext uri="{FF2B5EF4-FFF2-40B4-BE49-F238E27FC236}">
+                <a16:creationId xmlns:a16="http://schemas.microsoft.com/office/drawing/2014/main" id="{8CEAAE69-D790-7E4C-9113-B3251E96FA8C}"/>
+              </a:ext>
+            </a:extLst>
+          </p:cNvPr>
+          <p:cNvSpPr>
+            <a:spLocks noGrp="1"/>
+          </p:cNvSpPr>
+          <p:nvPr>
+            <p:ph type="body" sz="quarter" idx="30"/>
+          </p:nvPr>
+        </p:nvSpPr>
+        <p:spPr/>
+        <p:txBody>
+          <a:bodyPr/>
+          <a:lstStyle/>
+          <a:p>
+            <a:r>
+              <a:rPr lang="en-US" dirty="0"/>
+              <a:t>Red: AABB​</a:t>
+            </a:r>
+          </a:p>
+        </p:txBody>
+      </p:sp>
+      <p:pic>
+        <p:nvPicPr>
+          <p:cNvPr id="14" name="Picture Placeholder 13" descr="Polar fox in the snow&#10;">
+            <a:extLst>
+              <a:ext uri="{FF2B5EF4-FFF2-40B4-BE49-F238E27FC236}">
+                <a16:creationId xmlns:a16="http://schemas.microsoft.com/office/drawing/2014/main" id="{F52CB88B-28DA-D44D-8CD9-DB99492450CA}"/>
+              </a:ext>
+            </a:extLst>
+          </p:cNvPr>
+          <p:cNvPicPr>
+            <a:picLocks noGrp="1" noChangeAspect="1"/>
+          </p:cNvPicPr>
+          <p:nvPr>
+            <p:ph type="pic" sz="quarter" idx="32"/>
+          </p:nvPr>
+        </p:nvPicPr>
+        <p:blipFill rotWithShape="1">
+          <a:blip r:embed="rId4">
+            <a:extLst>
+              <a:ext uri="{28A0092B-C50C-407E-A947-70E740481C1C}">
+                <a14:useLocalDpi xmlns:a14="http://schemas.microsoft.com/office/drawing/2010/main" val="0"/>
+              </a:ext>
+            </a:extLst>
+          </a:blip>
+          <a:srcRect/>
+          <a:stretch/>
+        </p:blipFill>
+        <p:spPr/>
+      </p:pic>
+      <p:sp>
+        <p:nvSpPr>
+          <p:cNvPr id="9" name="Text Placeholder 8">
+            <a:extLst>
+              <a:ext uri="{FF2B5EF4-FFF2-40B4-BE49-F238E27FC236}">
+                <a16:creationId xmlns:a16="http://schemas.microsoft.com/office/drawing/2014/main" id="{BAD4F2D3-D853-FD4E-818D-DA087F3E6172}"/>
+              </a:ext>
+            </a:extLst>
+          </p:cNvPr>
+          <p:cNvSpPr>
+            <a:spLocks noGrp="1"/>
+          </p:cNvSpPr>
+          <p:nvPr>
+            <p:ph type="body" sz="quarter" idx="29"/>
+          </p:nvPr>
+        </p:nvSpPr>
+        <p:spPr/>
+        <p:txBody>
+          <a:bodyPr/>
+          <a:lstStyle/>
+          <a:p>
+            <a:r>
+              <a:rPr lang="en-US" dirty="0"/>
+              <a:t>Silver: AAbb​</a:t>
+            </a:r>
+          </a:p>
+        </p:txBody>
+      </p:sp>
+      <p:pic>
+        <p:nvPicPr>
+          <p:cNvPr id="16" name="Picture Placeholder 15" descr="Patagonian grey fox">
+            <a:extLst>
+              <a:ext uri="{FF2B5EF4-FFF2-40B4-BE49-F238E27FC236}">
+                <a16:creationId xmlns:a16="http://schemas.microsoft.com/office/drawing/2014/main" id="{50CCE299-CE33-8244-B4C7-B897E662C616}"/>
+              </a:ext>
+            </a:extLst>
+          </p:cNvPr>
+          <p:cNvPicPr>
+            <a:picLocks noGrp="1" noChangeAspect="1"/>
+          </p:cNvPicPr>
+          <p:nvPr>
+            <p:ph type="pic" sz="quarter" idx="33"/>
+          </p:nvPr>
+        </p:nvPicPr>
+        <p:blipFill>
+          <a:blip r:embed="rId5">
+            <a:extLst>
+              <a:ext uri="{28A0092B-C50C-407E-A947-70E740481C1C}">
+                <a14:useLocalDpi xmlns:a14="http://schemas.microsoft.com/office/drawing/2010/main" val="0"/>
+              </a:ext>
+            </a:extLst>
+          </a:blip>
+          <a:srcRect/>
+          <a:stretch>
+            <a:fillRect/>
+          </a:stretch>
+        </p:blipFill>
+        <p:spPr/>
+      </p:pic>
+      <p:sp>
+        <p:nvSpPr>
+          <p:cNvPr id="8" name="Text Placeholder 7">
+            <a:extLst>
+              <a:ext uri="{FF2B5EF4-FFF2-40B4-BE49-F238E27FC236}">
+                <a16:creationId xmlns:a16="http://schemas.microsoft.com/office/drawing/2014/main" id="{E1061BE1-4F13-1145-9E33-0D5A8A7D2865}"/>
+              </a:ext>
+            </a:extLst>
+          </p:cNvPr>
+          <p:cNvSpPr>
+            <a:spLocks noGrp="1"/>
+          </p:cNvSpPr>
+          <p:nvPr>
+            <p:ph type="body" sz="quarter" idx="10"/>
+          </p:nvPr>
+        </p:nvSpPr>
+        <p:spPr/>
+        <p:txBody>
+          <a:bodyPr/>
+          <a:lstStyle/>
+          <a:p>
+            <a:r>
+              <a:rPr lang="en-US" dirty="0"/>
+              <a:t>Cross: AaBb​</a:t>
+            </a:r>
+          </a:p>
+        </p:txBody>
+      </p:sp>
+      <p:sp>
+        <p:nvSpPr>
+          <p:cNvPr id="5" name="Slide Number Placeholder 4">
+            <a:extLst>
+              <a:ext uri="{FF2B5EF4-FFF2-40B4-BE49-F238E27FC236}">
+                <a16:creationId xmlns:a16="http://schemas.microsoft.com/office/drawing/2014/main" id="{09B321D0-5D09-9748-9611-90DFDA543945}"/>
+              </a:ext>
+            </a:extLst>
+          </p:cNvPr>
+          <p:cNvSpPr>
+            <a:spLocks noGrp="1"/>
+          </p:cNvSpPr>
+          <p:nvPr>
+            <p:ph type="sldNum" sz="quarter" idx="17"/>
+          </p:nvPr>
+        </p:nvSpPr>
+        <p:spPr/>
+        <p:txBody>
+          <a:bodyPr/>
+          <a:lstStyle/>
+          <a:p>
+            <a:fld id="{A52BEA90-E6BE-45F4-8D5D-C2E01FE3DBCB}" type="slidenum">
+              <a:rPr lang="en-US" smtClean="0"/>
+              <a:pPr/>
+              <a:t>18</a:t>
+            </a:fld>
+            <a:endParaRPr lang="en-US" dirty="0"/>
+          </a:p>
+        </p:txBody>
+      </p:sp>
+    </p:spTree>
+    <p:extLst>
+      <p:ext uri="{BB962C8B-B14F-4D97-AF65-F5344CB8AC3E}">
+        <p14:creationId xmlns:p14="http://schemas.microsoft.com/office/powerpoint/2010/main" val="1272337245"/>
+      </p:ext>
+    </p:extLst>
+  </p:cSld>
+  <p:clrMapOvr>
+    <a:masterClrMapping/>
+  </p:clrMapOvr>
+</p:sld>
+</file>
+
+<file path=ppt/slides/slide19.xml><?xml version="1.0" encoding="utf-8"?>
+<p:sld xmlns:a="http://schemas.openxmlformats.org/drawingml/2006/main" xmlns:r="http://schemas.openxmlformats.org/officeDocument/2006/relationships" xmlns:p="http://schemas.openxmlformats.org/presentationml/2006/main">
+  <p:cSld>
+    <p:spTree>
+      <p:nvGrpSpPr>
+        <p:cNvPr id="1" name=""/>
+        <p:cNvGrpSpPr/>
+        <p:nvPr/>
+      </p:nvGrpSpPr>
+      <p:grpSpPr>
+        <a:xfrm>
+          <a:off x="0" y="0"/>
+          <a:ext cx="0" cy="0"/>
+          <a:chOff x="0" y="0"/>
+          <a:chExt cx="0" cy="0"/>
+        </a:xfrm>
+      </p:grpSpPr>
+      <p:sp>
+        <p:nvSpPr>
+          <p:cNvPr id="2" name="Title 1">
+            <a:extLst>
+              <a:ext uri="{FF2B5EF4-FFF2-40B4-BE49-F238E27FC236}">
+                <a16:creationId xmlns:a16="http://schemas.microsoft.com/office/drawing/2014/main" id="{46DDC2A7-62E6-1947-9B60-7F0A62B94DA8}"/>
+              </a:ext>
+            </a:extLst>
+          </p:cNvPr>
+          <p:cNvSpPr>
+            <a:spLocks noGrp="1"/>
+          </p:cNvSpPr>
+          <p:nvPr>
+            <p:ph type="title"/>
+          </p:nvPr>
+        </p:nvSpPr>
+        <p:spPr/>
+        <p:txBody>
+          <a:bodyPr/>
+          <a:lstStyle/>
+          <a:p>
+            <a:r>
+              <a:rPr lang="en-US" dirty="0"/>
               <a:t>One-sentence headline stating the main takeaway message for the slide; no longer than two lines </a:t>
             </a:r>
           </a:p>
@@ -6444,7 +10487,7 @@
             <a:fld id="{A52BEA90-E6BE-45F4-8D5D-C2E01FE3DBCB}" type="slidenum">
               <a:rPr lang="en-US" smtClean="0"/>
               <a:pPr/>
-              <a:t>13</a:t>
+              <a:t>19</a:t>
             </a:fld>
             <a:endParaRPr lang="en-US" dirty="0"/>
           </a:p>
@@ -6463,7 +10506,968 @@
 </p:sld>
 </file>
 
-<file path=ppt/slides/slide14.xml><?xml version="1.0" encoding="utf-8"?>
+<file path=ppt/slides/slide2.xml><?xml version="1.0" encoding="utf-8"?>
+<p:sld xmlns:a="http://schemas.openxmlformats.org/drawingml/2006/main" xmlns:r="http://schemas.openxmlformats.org/officeDocument/2006/relationships" xmlns:p="http://schemas.openxmlformats.org/presentationml/2006/main">
+  <p:cSld>
+    <p:spTree>
+      <p:nvGrpSpPr>
+        <p:cNvPr id="1" name=""/>
+        <p:cNvGrpSpPr/>
+        <p:nvPr/>
+      </p:nvGrpSpPr>
+      <p:grpSpPr>
+        <a:xfrm>
+          <a:off x="0" y="0"/>
+          <a:ext cx="0" cy="0"/>
+          <a:chOff x="0" y="0"/>
+          <a:chExt cx="0" cy="0"/>
+        </a:xfrm>
+      </p:grpSpPr>
+      <p:sp>
+        <p:nvSpPr>
+          <p:cNvPr id="2" name="Title 1">
+            <a:extLst>
+              <a:ext uri="{FF2B5EF4-FFF2-40B4-BE49-F238E27FC236}">
+                <a16:creationId xmlns:a16="http://schemas.microsoft.com/office/drawing/2014/main" id="{47EEF2F3-1F28-D566-FA64-4A13E6899027}"/>
+              </a:ext>
+            </a:extLst>
+          </p:cNvPr>
+          <p:cNvSpPr>
+            <a:spLocks noGrp="1"/>
+          </p:cNvSpPr>
+          <p:nvPr>
+            <p:ph type="title"/>
+          </p:nvPr>
+        </p:nvSpPr>
+        <p:spPr/>
+        <p:txBody>
+          <a:bodyPr/>
+          <a:lstStyle/>
+          <a:p>
+            <a:r>
+              <a:rPr lang="en-US" dirty="0" err="1"/>
+              <a:t>Data_Loader</a:t>
+            </a:r>
+            <a:endParaRPr lang="en-US" dirty="0"/>
+          </a:p>
+        </p:txBody>
+      </p:sp>
+      <p:sp>
+        <p:nvSpPr>
+          <p:cNvPr id="4" name="Slide Number Placeholder 3">
+            <a:extLst>
+              <a:ext uri="{FF2B5EF4-FFF2-40B4-BE49-F238E27FC236}">
+                <a16:creationId xmlns:a16="http://schemas.microsoft.com/office/drawing/2014/main" id="{560EC6EC-854E-06BE-8576-D60476B02449}"/>
+              </a:ext>
+            </a:extLst>
+          </p:cNvPr>
+          <p:cNvSpPr>
+            <a:spLocks noGrp="1"/>
+          </p:cNvSpPr>
+          <p:nvPr>
+            <p:ph type="sldNum" sz="quarter" idx="17"/>
+          </p:nvPr>
+        </p:nvSpPr>
+        <p:spPr/>
+        <p:txBody>
+          <a:bodyPr/>
+          <a:lstStyle/>
+          <a:p>
+            <a:fld id="{A52BEA90-E6BE-45F4-8D5D-C2E01FE3DBCB}" type="slidenum">
+              <a:rPr lang="en-US" smtClean="0"/>
+              <a:pPr/>
+              <a:t>2</a:t>
+            </a:fld>
+            <a:endParaRPr lang="en-US" dirty="0"/>
+          </a:p>
+        </p:txBody>
+      </p:sp>
+      <p:sp>
+        <p:nvSpPr>
+          <p:cNvPr id="7" name="Rectangle: Rounded Corners 6">
+            <a:extLst>
+              <a:ext uri="{FF2B5EF4-FFF2-40B4-BE49-F238E27FC236}">
+                <a16:creationId xmlns:a16="http://schemas.microsoft.com/office/drawing/2014/main" id="{21C7B79E-5804-81A3-DA1A-3673BDC64964}"/>
+              </a:ext>
+            </a:extLst>
+          </p:cNvPr>
+          <p:cNvSpPr/>
+          <p:nvPr/>
+        </p:nvSpPr>
+        <p:spPr>
+          <a:xfrm>
+            <a:off x="743984" y="1393282"/>
+            <a:ext cx="1828800" cy="914400"/>
+          </a:xfrm>
+          <a:prstGeom prst="roundRect">
+            <a:avLst/>
+          </a:prstGeom>
+        </p:spPr>
+        <p:style>
+          <a:lnRef idx="2">
+            <a:schemeClr val="accent6"/>
+          </a:lnRef>
+          <a:fillRef idx="1">
+            <a:schemeClr val="lt1"/>
+          </a:fillRef>
+          <a:effectRef idx="0">
+            <a:schemeClr val="accent6"/>
+          </a:effectRef>
+          <a:fontRef idx="minor">
+            <a:schemeClr val="dk1"/>
+          </a:fontRef>
+        </p:style>
+        <p:txBody>
+          <a:bodyPr rtlCol="0" anchor="ctr"/>
+          <a:lstStyle/>
+          <a:p>
+            <a:pPr algn="ctr"/>
+            <a:r>
+              <a:rPr lang="en-US" dirty="0" err="1"/>
+              <a:t>Data_Loader</a:t>
+            </a:r>
+            <a:endParaRPr lang="en-US" dirty="0"/>
+          </a:p>
+        </p:txBody>
+      </p:sp>
+      <p:sp>
+        <p:nvSpPr>
+          <p:cNvPr id="11" name="TextBox 10">
+            <a:extLst>
+              <a:ext uri="{FF2B5EF4-FFF2-40B4-BE49-F238E27FC236}">
+                <a16:creationId xmlns:a16="http://schemas.microsoft.com/office/drawing/2014/main" id="{6CD0C76C-23A9-F06D-3F44-30D40E92415B}"/>
+              </a:ext>
+            </a:extLst>
+          </p:cNvPr>
+          <p:cNvSpPr txBox="1"/>
+          <p:nvPr/>
+        </p:nvSpPr>
+        <p:spPr>
+          <a:xfrm>
+            <a:off x="2628562" y="1265707"/>
+            <a:ext cx="3867343" cy="584775"/>
+          </a:xfrm>
+          <a:prstGeom prst="rect">
+            <a:avLst/>
+          </a:prstGeom>
+          <a:noFill/>
+        </p:spPr>
+        <p:txBody>
+          <a:bodyPr wrap="square">
+            <a:spAutoFit/>
+          </a:bodyPr>
+          <a:lstStyle/>
+          <a:p>
+            <a:r>
+              <a:rPr lang="en-US" sz="1600" i="1" dirty="0"/>
+              <a:t>Reads all videos in the data folder and builds a </a:t>
+            </a:r>
+            <a:r>
+              <a:rPr lang="en-US" sz="1600" i="1" dirty="0" err="1"/>
+              <a:t>MultiZipVideoDataset</a:t>
+            </a:r>
+            <a:endParaRPr lang="en-US" sz="1600" i="1" dirty="0"/>
+          </a:p>
+        </p:txBody>
+      </p:sp>
+      <p:cxnSp>
+        <p:nvCxnSpPr>
+          <p:cNvPr id="13" name="Straight Arrow Connector 12">
+            <a:extLst>
+              <a:ext uri="{FF2B5EF4-FFF2-40B4-BE49-F238E27FC236}">
+                <a16:creationId xmlns:a16="http://schemas.microsoft.com/office/drawing/2014/main" id="{5BCCF0AB-ED15-C1FE-0E18-794A4F8E3DFF}"/>
+              </a:ext>
+            </a:extLst>
+          </p:cNvPr>
+          <p:cNvCxnSpPr>
+            <a:cxnSpLocks/>
+            <a:stCxn id="7" idx="3"/>
+          </p:cNvCxnSpPr>
+          <p:nvPr/>
+        </p:nvCxnSpPr>
+        <p:spPr>
+          <a:xfrm>
+            <a:off x="2572784" y="1850482"/>
+            <a:ext cx="4055096" cy="0"/>
+          </a:xfrm>
+          <a:prstGeom prst="straightConnector1">
+            <a:avLst/>
+          </a:prstGeom>
+          <a:ln>
+            <a:tailEnd type="triangle"/>
+          </a:ln>
+        </p:spPr>
+        <p:style>
+          <a:lnRef idx="1">
+            <a:schemeClr val="dk1"/>
+          </a:lnRef>
+          <a:fillRef idx="0">
+            <a:schemeClr val="dk1"/>
+          </a:fillRef>
+          <a:effectRef idx="0">
+            <a:schemeClr val="dk1"/>
+          </a:effectRef>
+          <a:fontRef idx="minor">
+            <a:schemeClr val="tx1"/>
+          </a:fontRef>
+        </p:style>
+      </p:cxnSp>
+      <p:sp>
+        <p:nvSpPr>
+          <p:cNvPr id="16" name="Rectangle: Single Corner Snipped 15">
+            <a:extLst>
+              <a:ext uri="{FF2B5EF4-FFF2-40B4-BE49-F238E27FC236}">
+                <a16:creationId xmlns:a16="http://schemas.microsoft.com/office/drawing/2014/main" id="{403E3F2D-28A9-41BF-98DB-500160EC40EF}"/>
+              </a:ext>
+            </a:extLst>
+          </p:cNvPr>
+          <p:cNvSpPr/>
+          <p:nvPr/>
+        </p:nvSpPr>
+        <p:spPr>
+          <a:xfrm>
+            <a:off x="6799100" y="1393283"/>
+            <a:ext cx="4055096" cy="914399"/>
+          </a:xfrm>
+          <a:prstGeom prst="snip1Rect">
+            <a:avLst/>
+          </a:prstGeom>
+        </p:spPr>
+        <p:style>
+          <a:lnRef idx="2">
+            <a:schemeClr val="accent6"/>
+          </a:lnRef>
+          <a:fillRef idx="1">
+            <a:schemeClr val="lt1"/>
+          </a:fillRef>
+          <a:effectRef idx="0">
+            <a:schemeClr val="accent6"/>
+          </a:effectRef>
+          <a:fontRef idx="minor">
+            <a:schemeClr val="dk1"/>
+          </a:fontRef>
+        </p:style>
+        <p:txBody>
+          <a:bodyPr numCol="1" rtlCol="0" anchor="t" anchorCtr="0">
+            <a:noAutofit/>
+          </a:bodyPr>
+          <a:lstStyle/>
+          <a:p>
+            <a:r>
+              <a:rPr lang="en-US" sz="1100" dirty="0"/>
+              <a:t>dataset: </a:t>
+            </a:r>
+            <a:r>
+              <a:rPr lang="en-US" sz="1100" dirty="0" err="1">
+                <a:solidFill>
+                  <a:srgbClr val="A9B7C6"/>
+                </a:solidFill>
+                <a:effectLst/>
+                <a:latin typeface="JetBrains Mono"/>
+              </a:rPr>
+              <a:t>MultiZipVideoDataset</a:t>
+            </a:r>
+            <a:endParaRPr lang="en-US" sz="1100" dirty="0">
+              <a:solidFill>
+                <a:srgbClr val="A9B7C6"/>
+              </a:solidFill>
+              <a:effectLst/>
+              <a:latin typeface="JetBrains Mono"/>
+            </a:endParaRPr>
+          </a:p>
+          <a:p>
+            <a:r>
+              <a:rPr lang="en-US" sz="1100" dirty="0" err="1"/>
+              <a:t>dataloader</a:t>
+            </a:r>
+            <a:r>
+              <a:rPr lang="en-US" sz="1100" dirty="0"/>
+              <a:t>: </a:t>
+            </a:r>
+            <a:r>
+              <a:rPr lang="en-US" sz="1100" dirty="0" err="1">
+                <a:solidFill>
+                  <a:srgbClr val="A9B7C6"/>
+                </a:solidFill>
+                <a:effectLst/>
+                <a:latin typeface="JetBrains Mono"/>
+              </a:rPr>
+              <a:t>torch.utils.data.DataLoader</a:t>
+            </a:r>
+            <a:r>
+              <a:rPr lang="en-US" sz="1100" dirty="0">
+                <a:solidFill>
+                  <a:srgbClr val="A9B7C6"/>
+                </a:solidFill>
+                <a:effectLst/>
+                <a:latin typeface="JetBrains Mono"/>
+              </a:rPr>
+              <a:t>(dataset</a:t>
+            </a:r>
+            <a:r>
+              <a:rPr lang="en-US" sz="1100" dirty="0">
+                <a:solidFill>
+                  <a:srgbClr val="CC7832"/>
+                </a:solidFill>
+                <a:effectLst/>
+                <a:latin typeface="JetBrains Mono"/>
+              </a:rPr>
+              <a:t>, </a:t>
+            </a:r>
+            <a:r>
+              <a:rPr lang="en-US" sz="1100" dirty="0" err="1">
+                <a:solidFill>
+                  <a:srgbClr val="AA4926"/>
+                </a:solidFill>
+                <a:effectLst/>
+                <a:latin typeface="JetBrains Mono"/>
+              </a:rPr>
+              <a:t>batch_size</a:t>
+            </a:r>
+            <a:r>
+              <a:rPr lang="en-US" sz="1100" dirty="0">
+                <a:solidFill>
+                  <a:srgbClr val="A9B7C6"/>
+                </a:solidFill>
+                <a:effectLst/>
+                <a:latin typeface="JetBrains Mono"/>
+              </a:rPr>
+              <a:t>=</a:t>
+            </a:r>
+            <a:r>
+              <a:rPr lang="en-US" sz="1100" dirty="0">
+                <a:solidFill>
+                  <a:srgbClr val="6897BB"/>
+                </a:solidFill>
+                <a:effectLst/>
+                <a:latin typeface="JetBrains Mono"/>
+              </a:rPr>
+              <a:t>1</a:t>
+            </a:r>
+            <a:r>
+              <a:rPr lang="en-US" sz="1100" dirty="0">
+                <a:solidFill>
+                  <a:srgbClr val="CC7832"/>
+                </a:solidFill>
+                <a:effectLst/>
+                <a:latin typeface="JetBrains Mono"/>
+              </a:rPr>
+              <a:t>, </a:t>
+            </a:r>
+            <a:r>
+              <a:rPr lang="en-US" sz="1100" dirty="0">
+                <a:solidFill>
+                  <a:srgbClr val="AA4926"/>
+                </a:solidFill>
+                <a:effectLst/>
+                <a:latin typeface="JetBrains Mono"/>
+              </a:rPr>
+              <a:t>shuffle</a:t>
+            </a:r>
+            <a:r>
+              <a:rPr lang="en-US" sz="1100" dirty="0">
+                <a:solidFill>
+                  <a:srgbClr val="A9B7C6"/>
+                </a:solidFill>
+                <a:effectLst/>
+                <a:latin typeface="JetBrains Mono"/>
+              </a:rPr>
+              <a:t>=</a:t>
+            </a:r>
+            <a:r>
+              <a:rPr lang="en-US" sz="1100" dirty="0">
+                <a:solidFill>
+                  <a:srgbClr val="CC7832"/>
+                </a:solidFill>
+                <a:effectLst/>
+                <a:latin typeface="JetBrains Mono"/>
+              </a:rPr>
+              <a:t>True</a:t>
+            </a:r>
+            <a:r>
+              <a:rPr lang="en-US" sz="1800" dirty="0">
+                <a:solidFill>
+                  <a:srgbClr val="A9B7C6"/>
+                </a:solidFill>
+                <a:effectLst/>
+                <a:latin typeface="JetBrains Mono"/>
+              </a:rPr>
+              <a:t>)</a:t>
+            </a:r>
+          </a:p>
+          <a:p>
+            <a:endParaRPr lang="en-US" sz="1800" dirty="0">
+              <a:solidFill>
+                <a:srgbClr val="A9B7C6"/>
+              </a:solidFill>
+              <a:effectLst/>
+              <a:latin typeface="JetBrains Mono"/>
+            </a:endParaRPr>
+          </a:p>
+          <a:p>
+            <a:endParaRPr lang="en-US" sz="1800" dirty="0">
+              <a:solidFill>
+                <a:srgbClr val="A9B7C6"/>
+              </a:solidFill>
+              <a:effectLst/>
+              <a:latin typeface="JetBrains Mono"/>
+            </a:endParaRPr>
+          </a:p>
+          <a:p>
+            <a:endParaRPr lang="en-US" dirty="0"/>
+          </a:p>
+        </p:txBody>
+      </p:sp>
+      <p:sp>
+        <p:nvSpPr>
+          <p:cNvPr id="18" name="TextBox 17">
+            <a:extLst>
+              <a:ext uri="{FF2B5EF4-FFF2-40B4-BE49-F238E27FC236}">
+                <a16:creationId xmlns:a16="http://schemas.microsoft.com/office/drawing/2014/main" id="{330E60DD-F384-AA3B-0781-4E166B795F87}"/>
+              </a:ext>
+            </a:extLst>
+          </p:cNvPr>
+          <p:cNvSpPr txBox="1"/>
+          <p:nvPr/>
+        </p:nvSpPr>
+        <p:spPr>
+          <a:xfrm>
+            <a:off x="622045" y="2809240"/>
+            <a:ext cx="9828596" cy="1815882"/>
+          </a:xfrm>
+          <a:prstGeom prst="rect">
+            <a:avLst/>
+          </a:prstGeom>
+          <a:noFill/>
+        </p:spPr>
+        <p:txBody>
+          <a:bodyPr wrap="square">
+            <a:spAutoFit/>
+          </a:bodyPr>
+          <a:lstStyle/>
+          <a:p>
+            <a:br>
+              <a:rPr lang="en-US" sz="1400" dirty="0">
+                <a:solidFill>
+                  <a:srgbClr val="A9B7C6"/>
+                </a:solidFill>
+                <a:effectLst/>
+                <a:latin typeface="JetBrains Mono"/>
+              </a:rPr>
+            </a:br>
+            <a:r>
+              <a:rPr lang="en-US" sz="1400" dirty="0" err="1">
+                <a:solidFill>
+                  <a:srgbClr val="A9B7C6"/>
+                </a:solidFill>
+                <a:effectLst/>
+                <a:latin typeface="JetBrains Mono"/>
+              </a:rPr>
+              <a:t>zip_file_paths</a:t>
+            </a:r>
+            <a:r>
+              <a:rPr lang="en-US" sz="1400" dirty="0">
+                <a:solidFill>
+                  <a:srgbClr val="A9B7C6"/>
+                </a:solidFill>
+                <a:effectLst/>
+                <a:latin typeface="JetBrains Mono"/>
+              </a:rPr>
+              <a:t> = [</a:t>
+            </a:r>
+            <a:r>
+              <a:rPr lang="en-US" sz="1400" dirty="0" err="1">
+                <a:solidFill>
+                  <a:srgbClr val="A9B7C6"/>
+                </a:solidFill>
+                <a:effectLst/>
+                <a:latin typeface="JetBrains Mono"/>
+              </a:rPr>
+              <a:t>os.path.normpath</a:t>
+            </a:r>
+            <a:r>
+              <a:rPr lang="en-US" sz="1400" dirty="0">
+                <a:solidFill>
+                  <a:srgbClr val="A9B7C6"/>
+                </a:solidFill>
+                <a:effectLst/>
+                <a:latin typeface="JetBrains Mono"/>
+              </a:rPr>
+              <a:t>(</a:t>
+            </a:r>
+            <a:r>
+              <a:rPr lang="en-US" sz="1400" dirty="0" err="1">
+                <a:solidFill>
+                  <a:srgbClr val="6A8759"/>
+                </a:solidFill>
+                <a:effectLst/>
+                <a:latin typeface="JetBrains Mono"/>
+              </a:rPr>
+              <a:t>r'C</a:t>
+            </a:r>
+            <a:r>
+              <a:rPr lang="en-US" sz="1400" dirty="0">
+                <a:solidFill>
+                  <a:srgbClr val="6A8759"/>
+                </a:solidFill>
+                <a:effectLst/>
+                <a:latin typeface="JetBrains Mono"/>
+              </a:rPr>
+              <a:t>:\\Users\\</a:t>
+            </a:r>
+            <a:r>
+              <a:rPr lang="en-US" sz="1400" dirty="0" err="1">
+                <a:solidFill>
+                  <a:srgbClr val="6A8759"/>
+                </a:solidFill>
+                <a:effectLst/>
+                <a:latin typeface="JetBrains Mono"/>
+              </a:rPr>
+              <a:t>karthik.venkat</a:t>
+            </a:r>
+            <a:r>
+              <a:rPr lang="en-US" sz="1400" dirty="0">
+                <a:solidFill>
+                  <a:srgbClr val="6A8759"/>
+                </a:solidFill>
+                <a:effectLst/>
+                <a:latin typeface="JetBrains Mono"/>
+              </a:rPr>
+              <a:t>\\</a:t>
+            </a:r>
+            <a:r>
+              <a:rPr lang="en-US" sz="1400" dirty="0" err="1">
+                <a:solidFill>
+                  <a:srgbClr val="6A8759"/>
+                </a:solidFill>
+                <a:effectLst/>
+                <a:latin typeface="JetBrains Mono"/>
+              </a:rPr>
+              <a:t>PycharmProjects</a:t>
+            </a:r>
+            <a:r>
+              <a:rPr lang="en-US" sz="1400" dirty="0">
+                <a:solidFill>
+                  <a:srgbClr val="6A8759"/>
+                </a:solidFill>
+                <a:effectLst/>
+                <a:latin typeface="JetBrains Mono"/>
+              </a:rPr>
+              <a:t>\\</a:t>
+            </a:r>
+            <a:r>
+              <a:rPr lang="en-US" sz="1400" dirty="0" err="1">
+                <a:solidFill>
+                  <a:srgbClr val="6A8759"/>
+                </a:solidFill>
+                <a:effectLst/>
+                <a:latin typeface="JetBrains Mono"/>
+              </a:rPr>
+              <a:t>video_anomaly_detection</a:t>
+            </a:r>
+            <a:r>
+              <a:rPr lang="en-US" sz="1400" dirty="0">
+                <a:solidFill>
+                  <a:srgbClr val="6A8759"/>
+                </a:solidFill>
+                <a:effectLst/>
+                <a:latin typeface="JetBrains Mono"/>
+              </a:rPr>
+              <a:t>\\data\\Anomaly-Videos-Part-1.zip'</a:t>
+            </a:r>
+            <a:r>
+              <a:rPr lang="en-US" sz="1400" dirty="0">
+                <a:solidFill>
+                  <a:srgbClr val="A9B7C6"/>
+                </a:solidFill>
+                <a:effectLst/>
+                <a:latin typeface="JetBrains Mono"/>
+              </a:rPr>
+              <a:t>)</a:t>
+            </a:r>
+            <a:r>
+              <a:rPr lang="en-US" sz="1400" dirty="0">
+                <a:solidFill>
+                  <a:srgbClr val="CC7832"/>
+                </a:solidFill>
+                <a:effectLst/>
+                <a:latin typeface="JetBrains Mono"/>
+              </a:rPr>
+              <a:t>,</a:t>
+            </a:r>
+            <a:br>
+              <a:rPr lang="en-US" sz="1400" dirty="0">
+                <a:solidFill>
+                  <a:srgbClr val="CC7832"/>
+                </a:solidFill>
+                <a:effectLst/>
+                <a:latin typeface="JetBrains Mono"/>
+              </a:rPr>
+            </a:br>
+            <a:r>
+              <a:rPr lang="en-US" sz="1400" dirty="0">
+                <a:solidFill>
+                  <a:srgbClr val="CC7832"/>
+                </a:solidFill>
+                <a:effectLst/>
+                <a:latin typeface="JetBrains Mono"/>
+              </a:rPr>
+              <a:t>                  </a:t>
+            </a:r>
+            <a:r>
+              <a:rPr lang="en-US" sz="1400" dirty="0" err="1">
+                <a:solidFill>
+                  <a:srgbClr val="A9B7C6"/>
+                </a:solidFill>
+                <a:effectLst/>
+                <a:latin typeface="JetBrains Mono"/>
+              </a:rPr>
+              <a:t>os.path.normpath</a:t>
+            </a:r>
+            <a:r>
+              <a:rPr lang="en-US" sz="1400" dirty="0">
+                <a:solidFill>
+                  <a:srgbClr val="A9B7C6"/>
+                </a:solidFill>
+                <a:effectLst/>
+                <a:latin typeface="JetBrains Mono"/>
+              </a:rPr>
+              <a:t>(</a:t>
+            </a:r>
+            <a:r>
+              <a:rPr lang="en-US" sz="1400" dirty="0" err="1">
+                <a:solidFill>
+                  <a:srgbClr val="6A8759"/>
+                </a:solidFill>
+                <a:effectLst/>
+                <a:latin typeface="JetBrains Mono"/>
+              </a:rPr>
+              <a:t>r'C</a:t>
+            </a:r>
+            <a:r>
+              <a:rPr lang="en-US" sz="1400" dirty="0">
+                <a:solidFill>
+                  <a:srgbClr val="6A8759"/>
+                </a:solidFill>
+                <a:effectLst/>
+                <a:latin typeface="JetBrains Mono"/>
+              </a:rPr>
+              <a:t>:\\Users\\</a:t>
+            </a:r>
+            <a:r>
+              <a:rPr lang="en-US" sz="1400" dirty="0" err="1">
+                <a:solidFill>
+                  <a:srgbClr val="6A8759"/>
+                </a:solidFill>
+                <a:effectLst/>
+                <a:latin typeface="JetBrains Mono"/>
+              </a:rPr>
+              <a:t>karthik.venkat</a:t>
+            </a:r>
+            <a:r>
+              <a:rPr lang="en-US" sz="1400" dirty="0">
+                <a:solidFill>
+                  <a:srgbClr val="6A8759"/>
+                </a:solidFill>
+                <a:effectLst/>
+                <a:latin typeface="JetBrains Mono"/>
+              </a:rPr>
+              <a:t>\\</a:t>
+            </a:r>
+            <a:r>
+              <a:rPr lang="en-US" sz="1400" dirty="0" err="1">
+                <a:solidFill>
+                  <a:srgbClr val="6A8759"/>
+                </a:solidFill>
+                <a:effectLst/>
+                <a:latin typeface="JetBrains Mono"/>
+              </a:rPr>
+              <a:t>PycharmProjects</a:t>
+            </a:r>
+            <a:r>
+              <a:rPr lang="en-US" sz="1400" dirty="0">
+                <a:solidFill>
+                  <a:srgbClr val="6A8759"/>
+                </a:solidFill>
+                <a:effectLst/>
+                <a:latin typeface="JetBrains Mono"/>
+              </a:rPr>
+              <a:t>\\</a:t>
+            </a:r>
+            <a:r>
+              <a:rPr lang="en-US" sz="1400" dirty="0" err="1">
+                <a:solidFill>
+                  <a:srgbClr val="6A8759"/>
+                </a:solidFill>
+                <a:effectLst/>
+                <a:latin typeface="JetBrains Mono"/>
+              </a:rPr>
+              <a:t>video_anomaly_detection</a:t>
+            </a:r>
+            <a:r>
+              <a:rPr lang="en-US" sz="1400" dirty="0">
+                <a:solidFill>
+                  <a:srgbClr val="6A8759"/>
+                </a:solidFill>
+                <a:effectLst/>
+                <a:latin typeface="JetBrains Mono"/>
+              </a:rPr>
+              <a:t>\\data\\Anomaly-Videos-Part-2.zip'</a:t>
+            </a:r>
+            <a:r>
+              <a:rPr lang="en-US" sz="1400" dirty="0">
+                <a:solidFill>
+                  <a:srgbClr val="A9B7C6"/>
+                </a:solidFill>
+                <a:effectLst/>
+                <a:latin typeface="JetBrains Mono"/>
+              </a:rPr>
+              <a:t>)</a:t>
+            </a:r>
+            <a:r>
+              <a:rPr lang="en-US" sz="1400" dirty="0">
+                <a:solidFill>
+                  <a:srgbClr val="CC7832"/>
+                </a:solidFill>
+                <a:effectLst/>
+                <a:latin typeface="JetBrains Mono"/>
+              </a:rPr>
+              <a:t>,</a:t>
+            </a:r>
+            <a:br>
+              <a:rPr lang="en-US" sz="1400" dirty="0">
+                <a:solidFill>
+                  <a:srgbClr val="CC7832"/>
+                </a:solidFill>
+                <a:effectLst/>
+                <a:latin typeface="JetBrains Mono"/>
+              </a:rPr>
+            </a:br>
+            <a:r>
+              <a:rPr lang="en-US" sz="1400" dirty="0">
+                <a:solidFill>
+                  <a:srgbClr val="CC7832"/>
+                </a:solidFill>
+                <a:effectLst/>
+                <a:latin typeface="JetBrains Mono"/>
+              </a:rPr>
+              <a:t>                </a:t>
+            </a:r>
+            <a:r>
+              <a:rPr lang="en-US" sz="1400" dirty="0" err="1">
+                <a:solidFill>
+                  <a:srgbClr val="A9B7C6"/>
+                </a:solidFill>
+                <a:effectLst/>
+                <a:latin typeface="JetBrains Mono"/>
+              </a:rPr>
+              <a:t>os.path.normpath</a:t>
+            </a:r>
+            <a:r>
+              <a:rPr lang="en-US" sz="1400" dirty="0">
+                <a:solidFill>
+                  <a:srgbClr val="A9B7C6"/>
+                </a:solidFill>
+                <a:effectLst/>
+                <a:latin typeface="JetBrains Mono"/>
+              </a:rPr>
+              <a:t>(</a:t>
+            </a:r>
+            <a:r>
+              <a:rPr lang="en-US" sz="1400" dirty="0" err="1">
+                <a:solidFill>
+                  <a:srgbClr val="6A8759"/>
+                </a:solidFill>
+                <a:effectLst/>
+                <a:latin typeface="JetBrains Mono"/>
+              </a:rPr>
+              <a:t>r'C</a:t>
+            </a:r>
+            <a:r>
+              <a:rPr lang="en-US" sz="1400" dirty="0">
+                <a:solidFill>
+                  <a:srgbClr val="6A8759"/>
+                </a:solidFill>
+                <a:effectLst/>
+                <a:latin typeface="JetBrains Mono"/>
+              </a:rPr>
+              <a:t>:\\Users\\</a:t>
+            </a:r>
+            <a:r>
+              <a:rPr lang="en-US" sz="1400" dirty="0" err="1">
+                <a:solidFill>
+                  <a:srgbClr val="6A8759"/>
+                </a:solidFill>
+                <a:effectLst/>
+                <a:latin typeface="JetBrains Mono"/>
+              </a:rPr>
+              <a:t>karthik.venkat</a:t>
+            </a:r>
+            <a:r>
+              <a:rPr lang="en-US" sz="1400" dirty="0">
+                <a:solidFill>
+                  <a:srgbClr val="6A8759"/>
+                </a:solidFill>
+                <a:effectLst/>
+                <a:latin typeface="JetBrains Mono"/>
+              </a:rPr>
+              <a:t>\\</a:t>
+            </a:r>
+            <a:r>
+              <a:rPr lang="en-US" sz="1400" dirty="0" err="1">
+                <a:solidFill>
+                  <a:srgbClr val="6A8759"/>
+                </a:solidFill>
+                <a:effectLst/>
+                <a:latin typeface="JetBrains Mono"/>
+              </a:rPr>
+              <a:t>PycharmProjects</a:t>
+            </a:r>
+            <a:r>
+              <a:rPr lang="en-US" sz="1400" dirty="0">
+                <a:solidFill>
+                  <a:srgbClr val="6A8759"/>
+                </a:solidFill>
+                <a:effectLst/>
+                <a:latin typeface="JetBrains Mono"/>
+              </a:rPr>
+              <a:t>\\</a:t>
+            </a:r>
+            <a:r>
+              <a:rPr lang="en-US" sz="1400" dirty="0" err="1">
+                <a:solidFill>
+                  <a:srgbClr val="6A8759"/>
+                </a:solidFill>
+                <a:effectLst/>
+                <a:latin typeface="JetBrains Mono"/>
+              </a:rPr>
+              <a:t>video_anomaly_detection</a:t>
+            </a:r>
+            <a:r>
+              <a:rPr lang="en-US" sz="1400" dirty="0">
+                <a:solidFill>
+                  <a:srgbClr val="6A8759"/>
+                </a:solidFill>
+                <a:effectLst/>
+                <a:latin typeface="JetBrains Mono"/>
+              </a:rPr>
+              <a:t>\\data\\Training-Normal-Videos-Part-1.zip'</a:t>
+            </a:r>
+            <a:r>
+              <a:rPr lang="en-US" sz="1400" dirty="0">
+                <a:solidFill>
+                  <a:srgbClr val="A9B7C6"/>
+                </a:solidFill>
+                <a:effectLst/>
+                <a:latin typeface="JetBrains Mono"/>
+              </a:rPr>
+              <a:t>)</a:t>
+            </a:r>
+            <a:br>
+              <a:rPr lang="en-US" sz="1400" dirty="0">
+                <a:solidFill>
+                  <a:srgbClr val="CC7832"/>
+                </a:solidFill>
+                <a:effectLst/>
+                <a:latin typeface="JetBrains Mono"/>
+              </a:rPr>
+            </a:br>
+            <a:r>
+              <a:rPr lang="en-US" sz="1400" dirty="0">
+                <a:solidFill>
+                  <a:srgbClr val="CC7832"/>
+                </a:solidFill>
+                <a:effectLst/>
+                <a:latin typeface="JetBrains Mono"/>
+              </a:rPr>
+              <a:t>                   </a:t>
+            </a:r>
+            <a:r>
+              <a:rPr lang="en-US" sz="1400" dirty="0">
+                <a:solidFill>
+                  <a:srgbClr val="A9B7C6"/>
+                </a:solidFill>
+                <a:effectLst/>
+                <a:latin typeface="JetBrains Mono"/>
+              </a:rPr>
+              <a:t>]</a:t>
+            </a:r>
+          </a:p>
+        </p:txBody>
+      </p:sp>
+      <p:sp>
+        <p:nvSpPr>
+          <p:cNvPr id="20" name="TextBox 19">
+            <a:extLst>
+              <a:ext uri="{FF2B5EF4-FFF2-40B4-BE49-F238E27FC236}">
+                <a16:creationId xmlns:a16="http://schemas.microsoft.com/office/drawing/2014/main" id="{C574CCCF-B946-3ABD-A44E-1EBB01EB5B50}"/>
+              </a:ext>
+            </a:extLst>
+          </p:cNvPr>
+          <p:cNvSpPr txBox="1"/>
+          <p:nvPr/>
+        </p:nvSpPr>
+        <p:spPr>
+          <a:xfrm>
+            <a:off x="743984" y="4998720"/>
+            <a:ext cx="7353295" cy="369332"/>
+          </a:xfrm>
+          <a:prstGeom prst="rect">
+            <a:avLst/>
+          </a:prstGeom>
+          <a:noFill/>
+        </p:spPr>
+        <p:txBody>
+          <a:bodyPr wrap="none" rtlCol="0">
+            <a:spAutoFit/>
+          </a:bodyPr>
+          <a:lstStyle/>
+          <a:p>
+            <a:r>
+              <a:rPr lang="en-US" dirty="0"/>
+              <a:t>Iterator and </a:t>
+            </a:r>
+            <a:r>
+              <a:rPr lang="en-US" dirty="0" err="1"/>
+              <a:t>dataset.samples</a:t>
+            </a:r>
+            <a:r>
+              <a:rPr lang="en-US" dirty="0"/>
+              <a:t> attribute returns </a:t>
+            </a:r>
+            <a:r>
+              <a:rPr lang="en-US" dirty="0" err="1"/>
+              <a:t>vidoes</a:t>
+            </a:r>
+            <a:r>
+              <a:rPr lang="en-US" dirty="0"/>
+              <a:t> as </a:t>
+            </a:r>
+            <a:r>
+              <a:rPr lang="en-US" dirty="0" err="1"/>
+              <a:t>numpy</a:t>
+            </a:r>
+            <a:r>
+              <a:rPr lang="en-US" dirty="0"/>
+              <a:t> arrays </a:t>
+            </a:r>
+          </a:p>
+        </p:txBody>
+      </p:sp>
+    </p:spTree>
+    <p:extLst>
+      <p:ext uri="{BB962C8B-B14F-4D97-AF65-F5344CB8AC3E}">
+        <p14:creationId xmlns:p14="http://schemas.microsoft.com/office/powerpoint/2010/main" val="1396989265"/>
+      </p:ext>
+    </p:extLst>
+  </p:cSld>
+  <p:clrMapOvr>
+    <a:masterClrMapping/>
+  </p:clrMapOvr>
+</p:sld>
+</file>
+
+<file path=ppt/slides/slide20.xml><?xml version="1.0" encoding="utf-8"?>
 <p:sld xmlns:a="http://schemas.openxmlformats.org/drawingml/2006/main" xmlns:r="http://schemas.openxmlformats.org/officeDocument/2006/relationships" xmlns:p="http://schemas.openxmlformats.org/presentationml/2006/main">
   <p:cSld>
     <p:spTree>
@@ -9919,7 +14923,7 @@
           <a:p>
             <a:fld id="{A52BEA90-E6BE-45F4-8D5D-C2E01FE3DBCB}" type="slidenum">
               <a:rPr lang="en-US" sz="1200" smtClean="0"/>
-              <a:t>14</a:t>
+              <a:t>20</a:t>
             </a:fld>
             <a:endParaRPr lang="en-US" sz="1200" dirty="0"/>
           </a:p>
@@ -9938,7 +14942,7 @@
 </p:sld>
 </file>
 
-<file path=ppt/slides/slide15.xml><?xml version="1.0" encoding="utf-8"?>
+<file path=ppt/slides/slide21.xml><?xml version="1.0" encoding="utf-8"?>
 <p:sld xmlns:a="http://schemas.openxmlformats.org/drawingml/2006/main" xmlns:r="http://schemas.openxmlformats.org/officeDocument/2006/relationships" xmlns:p="http://schemas.openxmlformats.org/presentationml/2006/main">
   <p:cSld>
     <p:spTree>
@@ -10057,7 +15061,7 @@
             <a:fld id="{A52BEA90-E6BE-45F4-8D5D-C2E01FE3DBCB}" type="slidenum">
               <a:rPr lang="en-US" smtClean="0"/>
               <a:pPr/>
-              <a:t>15</a:t>
+              <a:t>21</a:t>
             </a:fld>
             <a:endParaRPr lang="en-US" dirty="0"/>
           </a:p>
@@ -10076,7 +15080,7 @@
 </p:sld>
 </file>
 
-<file path=ppt/slides/slide16.xml><?xml version="1.0" encoding="utf-8"?>
+<file path=ppt/slides/slide22.xml><?xml version="1.0" encoding="utf-8"?>
 <p:sld xmlns:a="http://schemas.openxmlformats.org/drawingml/2006/main" xmlns:r="http://schemas.openxmlformats.org/officeDocument/2006/relationships" xmlns:p="http://schemas.openxmlformats.org/presentationml/2006/main">
   <p:cSld>
     <p:spTree>
@@ -10537,7 +15541,7 @@
             <a:fld id="{A52BEA90-E6BE-45F4-8D5D-C2E01FE3DBCB}" type="slidenum">
               <a:rPr lang="en-US" smtClean="0"/>
               <a:pPr/>
-              <a:t>16</a:t>
+              <a:t>22</a:t>
             </a:fld>
             <a:endParaRPr lang="en-US" dirty="0"/>
           </a:p>
@@ -10556,7 +15560,7 @@
 </p:sld>
 </file>
 
-<file path=ppt/slides/slide17.xml><?xml version="1.0" encoding="utf-8"?>
+<file path=ppt/slides/slide23.xml><?xml version="1.0" encoding="utf-8"?>
 <p:sld xmlns:a="http://schemas.openxmlformats.org/drawingml/2006/main" xmlns:r="http://schemas.openxmlformats.org/officeDocument/2006/relationships" xmlns:p="http://schemas.openxmlformats.org/presentationml/2006/main">
   <p:cSld>
     <p:spTree>
@@ -10708,7 +15712,7 @@
 </p:sld>
 </file>
 
-<file path=ppt/slides/slide18.xml><?xml version="1.0" encoding="utf-8"?>
+<file path=ppt/slides/slide24.xml><?xml version="1.0" encoding="utf-8"?>
 <p:sld xmlns:a="http://schemas.openxmlformats.org/drawingml/2006/main" xmlns:r="http://schemas.openxmlformats.org/officeDocument/2006/relationships" xmlns:p="http://schemas.openxmlformats.org/presentationml/2006/main">
   <p:cSld>
     <p:spTree>
@@ -10876,7 +15880,7 @@
 </p:sld>
 </file>
 
-<file path=ppt/slides/slide19.xml><?xml version="1.0" encoding="utf-8"?>
+<file path=ppt/slides/slide25.xml><?xml version="1.0" encoding="utf-8"?>
 <p:sld xmlns:a="http://schemas.openxmlformats.org/drawingml/2006/main" xmlns:r="http://schemas.openxmlformats.org/officeDocument/2006/relationships" xmlns:p="http://schemas.openxmlformats.org/presentationml/2006/main">
   <p:cSld>
     <p:spTree>
@@ -11038,7 +16042,7 @@
             <a:fld id="{A52BEA90-E6BE-45F4-8D5D-C2E01FE3DBCB}" type="slidenum">
               <a:rPr lang="en-US" smtClean="0"/>
               <a:pPr/>
-              <a:t>19</a:t>
+              <a:t>25</a:t>
             </a:fld>
             <a:endParaRPr lang="en-US" dirty="0"/>
           </a:p>
@@ -11057,968 +16061,7 @@
 </p:sld>
 </file>
 
-<file path=ppt/slides/slide2.xml><?xml version="1.0" encoding="utf-8"?>
-<p:sld xmlns:a="http://schemas.openxmlformats.org/drawingml/2006/main" xmlns:r="http://schemas.openxmlformats.org/officeDocument/2006/relationships" xmlns:p="http://schemas.openxmlformats.org/presentationml/2006/main">
-  <p:cSld>
-    <p:spTree>
-      <p:nvGrpSpPr>
-        <p:cNvPr id="1" name=""/>
-        <p:cNvGrpSpPr/>
-        <p:nvPr/>
-      </p:nvGrpSpPr>
-      <p:grpSpPr>
-        <a:xfrm>
-          <a:off x="0" y="0"/>
-          <a:ext cx="0" cy="0"/>
-          <a:chOff x="0" y="0"/>
-          <a:chExt cx="0" cy="0"/>
-        </a:xfrm>
-      </p:grpSpPr>
-      <p:sp>
-        <p:nvSpPr>
-          <p:cNvPr id="2" name="Title 1">
-            <a:extLst>
-              <a:ext uri="{FF2B5EF4-FFF2-40B4-BE49-F238E27FC236}">
-                <a16:creationId xmlns:a16="http://schemas.microsoft.com/office/drawing/2014/main" id="{47EEF2F3-1F28-D566-FA64-4A13E6899027}"/>
-              </a:ext>
-            </a:extLst>
-          </p:cNvPr>
-          <p:cNvSpPr>
-            <a:spLocks noGrp="1"/>
-          </p:cNvSpPr>
-          <p:nvPr>
-            <p:ph type="title"/>
-          </p:nvPr>
-        </p:nvSpPr>
-        <p:spPr/>
-        <p:txBody>
-          <a:bodyPr/>
-          <a:lstStyle/>
-          <a:p>
-            <a:r>
-              <a:rPr lang="en-US" dirty="0" err="1"/>
-              <a:t>Data_Loader</a:t>
-            </a:r>
-            <a:endParaRPr lang="en-US" dirty="0"/>
-          </a:p>
-        </p:txBody>
-      </p:sp>
-      <p:sp>
-        <p:nvSpPr>
-          <p:cNvPr id="4" name="Slide Number Placeholder 3">
-            <a:extLst>
-              <a:ext uri="{FF2B5EF4-FFF2-40B4-BE49-F238E27FC236}">
-                <a16:creationId xmlns:a16="http://schemas.microsoft.com/office/drawing/2014/main" id="{560EC6EC-854E-06BE-8576-D60476B02449}"/>
-              </a:ext>
-            </a:extLst>
-          </p:cNvPr>
-          <p:cNvSpPr>
-            <a:spLocks noGrp="1"/>
-          </p:cNvSpPr>
-          <p:nvPr>
-            <p:ph type="sldNum" sz="quarter" idx="17"/>
-          </p:nvPr>
-        </p:nvSpPr>
-        <p:spPr/>
-        <p:txBody>
-          <a:bodyPr/>
-          <a:lstStyle/>
-          <a:p>
-            <a:fld id="{A52BEA90-E6BE-45F4-8D5D-C2E01FE3DBCB}" type="slidenum">
-              <a:rPr lang="en-US" smtClean="0"/>
-              <a:pPr/>
-              <a:t>2</a:t>
-            </a:fld>
-            <a:endParaRPr lang="en-US" dirty="0"/>
-          </a:p>
-        </p:txBody>
-      </p:sp>
-      <p:sp>
-        <p:nvSpPr>
-          <p:cNvPr id="7" name="Rectangle: Rounded Corners 6">
-            <a:extLst>
-              <a:ext uri="{FF2B5EF4-FFF2-40B4-BE49-F238E27FC236}">
-                <a16:creationId xmlns:a16="http://schemas.microsoft.com/office/drawing/2014/main" id="{21C7B79E-5804-81A3-DA1A-3673BDC64964}"/>
-              </a:ext>
-            </a:extLst>
-          </p:cNvPr>
-          <p:cNvSpPr/>
-          <p:nvPr/>
-        </p:nvSpPr>
-        <p:spPr>
-          <a:xfrm>
-            <a:off x="743984" y="1393282"/>
-            <a:ext cx="1828800" cy="914400"/>
-          </a:xfrm>
-          <a:prstGeom prst="roundRect">
-            <a:avLst/>
-          </a:prstGeom>
-        </p:spPr>
-        <p:style>
-          <a:lnRef idx="2">
-            <a:schemeClr val="accent6"/>
-          </a:lnRef>
-          <a:fillRef idx="1">
-            <a:schemeClr val="lt1"/>
-          </a:fillRef>
-          <a:effectRef idx="0">
-            <a:schemeClr val="accent6"/>
-          </a:effectRef>
-          <a:fontRef idx="minor">
-            <a:schemeClr val="dk1"/>
-          </a:fontRef>
-        </p:style>
-        <p:txBody>
-          <a:bodyPr rtlCol="0" anchor="ctr"/>
-          <a:lstStyle/>
-          <a:p>
-            <a:pPr algn="ctr"/>
-            <a:r>
-              <a:rPr lang="en-US" dirty="0" err="1"/>
-              <a:t>Data_Loader</a:t>
-            </a:r>
-            <a:endParaRPr lang="en-US" dirty="0"/>
-          </a:p>
-        </p:txBody>
-      </p:sp>
-      <p:sp>
-        <p:nvSpPr>
-          <p:cNvPr id="11" name="TextBox 10">
-            <a:extLst>
-              <a:ext uri="{FF2B5EF4-FFF2-40B4-BE49-F238E27FC236}">
-                <a16:creationId xmlns:a16="http://schemas.microsoft.com/office/drawing/2014/main" id="{6CD0C76C-23A9-F06D-3F44-30D40E92415B}"/>
-              </a:ext>
-            </a:extLst>
-          </p:cNvPr>
-          <p:cNvSpPr txBox="1"/>
-          <p:nvPr/>
-        </p:nvSpPr>
-        <p:spPr>
-          <a:xfrm>
-            <a:off x="2628562" y="1265707"/>
-            <a:ext cx="3867343" cy="584775"/>
-          </a:xfrm>
-          <a:prstGeom prst="rect">
-            <a:avLst/>
-          </a:prstGeom>
-          <a:noFill/>
-        </p:spPr>
-        <p:txBody>
-          <a:bodyPr wrap="square">
-            <a:spAutoFit/>
-          </a:bodyPr>
-          <a:lstStyle/>
-          <a:p>
-            <a:r>
-              <a:rPr lang="en-US" sz="1600" i="1" dirty="0"/>
-              <a:t>Reads all videos in the data folder and builds a </a:t>
-            </a:r>
-            <a:r>
-              <a:rPr lang="en-US" sz="1600" i="1" dirty="0" err="1"/>
-              <a:t>MultiZipVideoDataset</a:t>
-            </a:r>
-            <a:endParaRPr lang="en-US" sz="1600" i="1" dirty="0"/>
-          </a:p>
-        </p:txBody>
-      </p:sp>
-      <p:cxnSp>
-        <p:nvCxnSpPr>
-          <p:cNvPr id="13" name="Straight Arrow Connector 12">
-            <a:extLst>
-              <a:ext uri="{FF2B5EF4-FFF2-40B4-BE49-F238E27FC236}">
-                <a16:creationId xmlns:a16="http://schemas.microsoft.com/office/drawing/2014/main" id="{5BCCF0AB-ED15-C1FE-0E18-794A4F8E3DFF}"/>
-              </a:ext>
-            </a:extLst>
-          </p:cNvPr>
-          <p:cNvCxnSpPr>
-            <a:cxnSpLocks/>
-            <a:stCxn id="7" idx="3"/>
-          </p:cNvCxnSpPr>
-          <p:nvPr/>
-        </p:nvCxnSpPr>
-        <p:spPr>
-          <a:xfrm>
-            <a:off x="2572784" y="1850482"/>
-            <a:ext cx="4055096" cy="0"/>
-          </a:xfrm>
-          <a:prstGeom prst="straightConnector1">
-            <a:avLst/>
-          </a:prstGeom>
-          <a:ln>
-            <a:tailEnd type="triangle"/>
-          </a:ln>
-        </p:spPr>
-        <p:style>
-          <a:lnRef idx="1">
-            <a:schemeClr val="dk1"/>
-          </a:lnRef>
-          <a:fillRef idx="0">
-            <a:schemeClr val="dk1"/>
-          </a:fillRef>
-          <a:effectRef idx="0">
-            <a:schemeClr val="dk1"/>
-          </a:effectRef>
-          <a:fontRef idx="minor">
-            <a:schemeClr val="tx1"/>
-          </a:fontRef>
-        </p:style>
-      </p:cxnSp>
-      <p:sp>
-        <p:nvSpPr>
-          <p:cNvPr id="16" name="Rectangle: Single Corner Snipped 15">
-            <a:extLst>
-              <a:ext uri="{FF2B5EF4-FFF2-40B4-BE49-F238E27FC236}">
-                <a16:creationId xmlns:a16="http://schemas.microsoft.com/office/drawing/2014/main" id="{403E3F2D-28A9-41BF-98DB-500160EC40EF}"/>
-              </a:ext>
-            </a:extLst>
-          </p:cNvPr>
-          <p:cNvSpPr/>
-          <p:nvPr/>
-        </p:nvSpPr>
-        <p:spPr>
-          <a:xfrm>
-            <a:off x="6799100" y="1393283"/>
-            <a:ext cx="4055096" cy="914399"/>
-          </a:xfrm>
-          <a:prstGeom prst="snip1Rect">
-            <a:avLst/>
-          </a:prstGeom>
-        </p:spPr>
-        <p:style>
-          <a:lnRef idx="2">
-            <a:schemeClr val="accent6"/>
-          </a:lnRef>
-          <a:fillRef idx="1">
-            <a:schemeClr val="lt1"/>
-          </a:fillRef>
-          <a:effectRef idx="0">
-            <a:schemeClr val="accent6"/>
-          </a:effectRef>
-          <a:fontRef idx="minor">
-            <a:schemeClr val="dk1"/>
-          </a:fontRef>
-        </p:style>
-        <p:txBody>
-          <a:bodyPr numCol="1" rtlCol="0" anchor="t" anchorCtr="0">
-            <a:noAutofit/>
-          </a:bodyPr>
-          <a:lstStyle/>
-          <a:p>
-            <a:r>
-              <a:rPr lang="en-US" sz="1100" dirty="0"/>
-              <a:t>dataset: </a:t>
-            </a:r>
-            <a:r>
-              <a:rPr lang="en-US" sz="1100" dirty="0" err="1">
-                <a:solidFill>
-                  <a:srgbClr val="A9B7C6"/>
-                </a:solidFill>
-                <a:effectLst/>
-                <a:latin typeface="JetBrains Mono"/>
-              </a:rPr>
-              <a:t>MultiZipVideoDataset</a:t>
-            </a:r>
-            <a:endParaRPr lang="en-US" sz="1100" dirty="0">
-              <a:solidFill>
-                <a:srgbClr val="A9B7C6"/>
-              </a:solidFill>
-              <a:effectLst/>
-              <a:latin typeface="JetBrains Mono"/>
-            </a:endParaRPr>
-          </a:p>
-          <a:p>
-            <a:r>
-              <a:rPr lang="en-US" sz="1100" dirty="0" err="1"/>
-              <a:t>dataloader</a:t>
-            </a:r>
-            <a:r>
-              <a:rPr lang="en-US" sz="1100" dirty="0"/>
-              <a:t>: </a:t>
-            </a:r>
-            <a:r>
-              <a:rPr lang="en-US" sz="1100" dirty="0" err="1">
-                <a:solidFill>
-                  <a:srgbClr val="A9B7C6"/>
-                </a:solidFill>
-                <a:effectLst/>
-                <a:latin typeface="JetBrains Mono"/>
-              </a:rPr>
-              <a:t>torch.utils.data.DataLoader</a:t>
-            </a:r>
-            <a:r>
-              <a:rPr lang="en-US" sz="1100" dirty="0">
-                <a:solidFill>
-                  <a:srgbClr val="A9B7C6"/>
-                </a:solidFill>
-                <a:effectLst/>
-                <a:latin typeface="JetBrains Mono"/>
-              </a:rPr>
-              <a:t>(dataset</a:t>
-            </a:r>
-            <a:r>
-              <a:rPr lang="en-US" sz="1100" dirty="0">
-                <a:solidFill>
-                  <a:srgbClr val="CC7832"/>
-                </a:solidFill>
-                <a:effectLst/>
-                <a:latin typeface="JetBrains Mono"/>
-              </a:rPr>
-              <a:t>, </a:t>
-            </a:r>
-            <a:r>
-              <a:rPr lang="en-US" sz="1100" dirty="0" err="1">
-                <a:solidFill>
-                  <a:srgbClr val="AA4926"/>
-                </a:solidFill>
-                <a:effectLst/>
-                <a:latin typeface="JetBrains Mono"/>
-              </a:rPr>
-              <a:t>batch_size</a:t>
-            </a:r>
-            <a:r>
-              <a:rPr lang="en-US" sz="1100" dirty="0">
-                <a:solidFill>
-                  <a:srgbClr val="A9B7C6"/>
-                </a:solidFill>
-                <a:effectLst/>
-                <a:latin typeface="JetBrains Mono"/>
-              </a:rPr>
-              <a:t>=</a:t>
-            </a:r>
-            <a:r>
-              <a:rPr lang="en-US" sz="1100" dirty="0">
-                <a:solidFill>
-                  <a:srgbClr val="6897BB"/>
-                </a:solidFill>
-                <a:effectLst/>
-                <a:latin typeface="JetBrains Mono"/>
-              </a:rPr>
-              <a:t>1</a:t>
-            </a:r>
-            <a:r>
-              <a:rPr lang="en-US" sz="1100" dirty="0">
-                <a:solidFill>
-                  <a:srgbClr val="CC7832"/>
-                </a:solidFill>
-                <a:effectLst/>
-                <a:latin typeface="JetBrains Mono"/>
-              </a:rPr>
-              <a:t>, </a:t>
-            </a:r>
-            <a:r>
-              <a:rPr lang="en-US" sz="1100" dirty="0">
-                <a:solidFill>
-                  <a:srgbClr val="AA4926"/>
-                </a:solidFill>
-                <a:effectLst/>
-                <a:latin typeface="JetBrains Mono"/>
-              </a:rPr>
-              <a:t>shuffle</a:t>
-            </a:r>
-            <a:r>
-              <a:rPr lang="en-US" sz="1100" dirty="0">
-                <a:solidFill>
-                  <a:srgbClr val="A9B7C6"/>
-                </a:solidFill>
-                <a:effectLst/>
-                <a:latin typeface="JetBrains Mono"/>
-              </a:rPr>
-              <a:t>=</a:t>
-            </a:r>
-            <a:r>
-              <a:rPr lang="en-US" sz="1100" dirty="0">
-                <a:solidFill>
-                  <a:srgbClr val="CC7832"/>
-                </a:solidFill>
-                <a:effectLst/>
-                <a:latin typeface="JetBrains Mono"/>
-              </a:rPr>
-              <a:t>True</a:t>
-            </a:r>
-            <a:r>
-              <a:rPr lang="en-US" sz="1800" dirty="0">
-                <a:solidFill>
-                  <a:srgbClr val="A9B7C6"/>
-                </a:solidFill>
-                <a:effectLst/>
-                <a:latin typeface="JetBrains Mono"/>
-              </a:rPr>
-              <a:t>)</a:t>
-            </a:r>
-          </a:p>
-          <a:p>
-            <a:endParaRPr lang="en-US" sz="1800" dirty="0">
-              <a:solidFill>
-                <a:srgbClr val="A9B7C6"/>
-              </a:solidFill>
-              <a:effectLst/>
-              <a:latin typeface="JetBrains Mono"/>
-            </a:endParaRPr>
-          </a:p>
-          <a:p>
-            <a:endParaRPr lang="en-US" sz="1800" dirty="0">
-              <a:solidFill>
-                <a:srgbClr val="A9B7C6"/>
-              </a:solidFill>
-              <a:effectLst/>
-              <a:latin typeface="JetBrains Mono"/>
-            </a:endParaRPr>
-          </a:p>
-          <a:p>
-            <a:endParaRPr lang="en-US" dirty="0"/>
-          </a:p>
-        </p:txBody>
-      </p:sp>
-      <p:sp>
-        <p:nvSpPr>
-          <p:cNvPr id="18" name="TextBox 17">
-            <a:extLst>
-              <a:ext uri="{FF2B5EF4-FFF2-40B4-BE49-F238E27FC236}">
-                <a16:creationId xmlns:a16="http://schemas.microsoft.com/office/drawing/2014/main" id="{330E60DD-F384-AA3B-0781-4E166B795F87}"/>
-              </a:ext>
-            </a:extLst>
-          </p:cNvPr>
-          <p:cNvSpPr txBox="1"/>
-          <p:nvPr/>
-        </p:nvSpPr>
-        <p:spPr>
-          <a:xfrm>
-            <a:off x="622045" y="2809240"/>
-            <a:ext cx="9828596" cy="1815882"/>
-          </a:xfrm>
-          <a:prstGeom prst="rect">
-            <a:avLst/>
-          </a:prstGeom>
-          <a:noFill/>
-        </p:spPr>
-        <p:txBody>
-          <a:bodyPr wrap="square">
-            <a:spAutoFit/>
-          </a:bodyPr>
-          <a:lstStyle/>
-          <a:p>
-            <a:br>
-              <a:rPr lang="en-US" sz="1400" dirty="0">
-                <a:solidFill>
-                  <a:srgbClr val="A9B7C6"/>
-                </a:solidFill>
-                <a:effectLst/>
-                <a:latin typeface="JetBrains Mono"/>
-              </a:rPr>
-            </a:br>
-            <a:r>
-              <a:rPr lang="en-US" sz="1400" dirty="0" err="1">
-                <a:solidFill>
-                  <a:srgbClr val="A9B7C6"/>
-                </a:solidFill>
-                <a:effectLst/>
-                <a:latin typeface="JetBrains Mono"/>
-              </a:rPr>
-              <a:t>zip_file_paths</a:t>
-            </a:r>
-            <a:r>
-              <a:rPr lang="en-US" sz="1400" dirty="0">
-                <a:solidFill>
-                  <a:srgbClr val="A9B7C6"/>
-                </a:solidFill>
-                <a:effectLst/>
-                <a:latin typeface="JetBrains Mono"/>
-              </a:rPr>
-              <a:t> = [</a:t>
-            </a:r>
-            <a:r>
-              <a:rPr lang="en-US" sz="1400" dirty="0" err="1">
-                <a:solidFill>
-                  <a:srgbClr val="A9B7C6"/>
-                </a:solidFill>
-                <a:effectLst/>
-                <a:latin typeface="JetBrains Mono"/>
-              </a:rPr>
-              <a:t>os.path.normpath</a:t>
-            </a:r>
-            <a:r>
-              <a:rPr lang="en-US" sz="1400" dirty="0">
-                <a:solidFill>
-                  <a:srgbClr val="A9B7C6"/>
-                </a:solidFill>
-                <a:effectLst/>
-                <a:latin typeface="JetBrains Mono"/>
-              </a:rPr>
-              <a:t>(</a:t>
-            </a:r>
-            <a:r>
-              <a:rPr lang="en-US" sz="1400" dirty="0" err="1">
-                <a:solidFill>
-                  <a:srgbClr val="6A8759"/>
-                </a:solidFill>
-                <a:effectLst/>
-                <a:latin typeface="JetBrains Mono"/>
-              </a:rPr>
-              <a:t>r'C</a:t>
-            </a:r>
-            <a:r>
-              <a:rPr lang="en-US" sz="1400" dirty="0">
-                <a:solidFill>
-                  <a:srgbClr val="6A8759"/>
-                </a:solidFill>
-                <a:effectLst/>
-                <a:latin typeface="JetBrains Mono"/>
-              </a:rPr>
-              <a:t>:\\Users\\</a:t>
-            </a:r>
-            <a:r>
-              <a:rPr lang="en-US" sz="1400" dirty="0" err="1">
-                <a:solidFill>
-                  <a:srgbClr val="6A8759"/>
-                </a:solidFill>
-                <a:effectLst/>
-                <a:latin typeface="JetBrains Mono"/>
-              </a:rPr>
-              <a:t>karthik.venkat</a:t>
-            </a:r>
-            <a:r>
-              <a:rPr lang="en-US" sz="1400" dirty="0">
-                <a:solidFill>
-                  <a:srgbClr val="6A8759"/>
-                </a:solidFill>
-                <a:effectLst/>
-                <a:latin typeface="JetBrains Mono"/>
-              </a:rPr>
-              <a:t>\\</a:t>
-            </a:r>
-            <a:r>
-              <a:rPr lang="en-US" sz="1400" dirty="0" err="1">
-                <a:solidFill>
-                  <a:srgbClr val="6A8759"/>
-                </a:solidFill>
-                <a:effectLst/>
-                <a:latin typeface="JetBrains Mono"/>
-              </a:rPr>
-              <a:t>PycharmProjects</a:t>
-            </a:r>
-            <a:r>
-              <a:rPr lang="en-US" sz="1400" dirty="0">
-                <a:solidFill>
-                  <a:srgbClr val="6A8759"/>
-                </a:solidFill>
-                <a:effectLst/>
-                <a:latin typeface="JetBrains Mono"/>
-              </a:rPr>
-              <a:t>\\</a:t>
-            </a:r>
-            <a:r>
-              <a:rPr lang="en-US" sz="1400" dirty="0" err="1">
-                <a:solidFill>
-                  <a:srgbClr val="6A8759"/>
-                </a:solidFill>
-                <a:effectLst/>
-                <a:latin typeface="JetBrains Mono"/>
-              </a:rPr>
-              <a:t>video_anomaly_detection</a:t>
-            </a:r>
-            <a:r>
-              <a:rPr lang="en-US" sz="1400" dirty="0">
-                <a:solidFill>
-                  <a:srgbClr val="6A8759"/>
-                </a:solidFill>
-                <a:effectLst/>
-                <a:latin typeface="JetBrains Mono"/>
-              </a:rPr>
-              <a:t>\\data\\Anomaly-Videos-Part-1.zip'</a:t>
-            </a:r>
-            <a:r>
-              <a:rPr lang="en-US" sz="1400" dirty="0">
-                <a:solidFill>
-                  <a:srgbClr val="A9B7C6"/>
-                </a:solidFill>
-                <a:effectLst/>
-                <a:latin typeface="JetBrains Mono"/>
-              </a:rPr>
-              <a:t>)</a:t>
-            </a:r>
-            <a:r>
-              <a:rPr lang="en-US" sz="1400" dirty="0">
-                <a:solidFill>
-                  <a:srgbClr val="CC7832"/>
-                </a:solidFill>
-                <a:effectLst/>
-                <a:latin typeface="JetBrains Mono"/>
-              </a:rPr>
-              <a:t>,</a:t>
-            </a:r>
-            <a:br>
-              <a:rPr lang="en-US" sz="1400" dirty="0">
-                <a:solidFill>
-                  <a:srgbClr val="CC7832"/>
-                </a:solidFill>
-                <a:effectLst/>
-                <a:latin typeface="JetBrains Mono"/>
-              </a:rPr>
-            </a:br>
-            <a:r>
-              <a:rPr lang="en-US" sz="1400" dirty="0">
-                <a:solidFill>
-                  <a:srgbClr val="CC7832"/>
-                </a:solidFill>
-                <a:effectLst/>
-                <a:latin typeface="JetBrains Mono"/>
-              </a:rPr>
-              <a:t>                  </a:t>
-            </a:r>
-            <a:r>
-              <a:rPr lang="en-US" sz="1400" dirty="0" err="1">
-                <a:solidFill>
-                  <a:srgbClr val="A9B7C6"/>
-                </a:solidFill>
-                <a:effectLst/>
-                <a:latin typeface="JetBrains Mono"/>
-              </a:rPr>
-              <a:t>os.path.normpath</a:t>
-            </a:r>
-            <a:r>
-              <a:rPr lang="en-US" sz="1400" dirty="0">
-                <a:solidFill>
-                  <a:srgbClr val="A9B7C6"/>
-                </a:solidFill>
-                <a:effectLst/>
-                <a:latin typeface="JetBrains Mono"/>
-              </a:rPr>
-              <a:t>(</a:t>
-            </a:r>
-            <a:r>
-              <a:rPr lang="en-US" sz="1400" dirty="0" err="1">
-                <a:solidFill>
-                  <a:srgbClr val="6A8759"/>
-                </a:solidFill>
-                <a:effectLst/>
-                <a:latin typeface="JetBrains Mono"/>
-              </a:rPr>
-              <a:t>r'C</a:t>
-            </a:r>
-            <a:r>
-              <a:rPr lang="en-US" sz="1400" dirty="0">
-                <a:solidFill>
-                  <a:srgbClr val="6A8759"/>
-                </a:solidFill>
-                <a:effectLst/>
-                <a:latin typeface="JetBrains Mono"/>
-              </a:rPr>
-              <a:t>:\\Users\\</a:t>
-            </a:r>
-            <a:r>
-              <a:rPr lang="en-US" sz="1400" dirty="0" err="1">
-                <a:solidFill>
-                  <a:srgbClr val="6A8759"/>
-                </a:solidFill>
-                <a:effectLst/>
-                <a:latin typeface="JetBrains Mono"/>
-              </a:rPr>
-              <a:t>karthik.venkat</a:t>
-            </a:r>
-            <a:r>
-              <a:rPr lang="en-US" sz="1400" dirty="0">
-                <a:solidFill>
-                  <a:srgbClr val="6A8759"/>
-                </a:solidFill>
-                <a:effectLst/>
-                <a:latin typeface="JetBrains Mono"/>
-              </a:rPr>
-              <a:t>\\</a:t>
-            </a:r>
-            <a:r>
-              <a:rPr lang="en-US" sz="1400" dirty="0" err="1">
-                <a:solidFill>
-                  <a:srgbClr val="6A8759"/>
-                </a:solidFill>
-                <a:effectLst/>
-                <a:latin typeface="JetBrains Mono"/>
-              </a:rPr>
-              <a:t>PycharmProjects</a:t>
-            </a:r>
-            <a:r>
-              <a:rPr lang="en-US" sz="1400" dirty="0">
-                <a:solidFill>
-                  <a:srgbClr val="6A8759"/>
-                </a:solidFill>
-                <a:effectLst/>
-                <a:latin typeface="JetBrains Mono"/>
-              </a:rPr>
-              <a:t>\\</a:t>
-            </a:r>
-            <a:r>
-              <a:rPr lang="en-US" sz="1400" dirty="0" err="1">
-                <a:solidFill>
-                  <a:srgbClr val="6A8759"/>
-                </a:solidFill>
-                <a:effectLst/>
-                <a:latin typeface="JetBrains Mono"/>
-              </a:rPr>
-              <a:t>video_anomaly_detection</a:t>
-            </a:r>
-            <a:r>
-              <a:rPr lang="en-US" sz="1400" dirty="0">
-                <a:solidFill>
-                  <a:srgbClr val="6A8759"/>
-                </a:solidFill>
-                <a:effectLst/>
-                <a:latin typeface="JetBrains Mono"/>
-              </a:rPr>
-              <a:t>\\data\\Anomaly-Videos-Part-2.zip'</a:t>
-            </a:r>
-            <a:r>
-              <a:rPr lang="en-US" sz="1400" dirty="0">
-                <a:solidFill>
-                  <a:srgbClr val="A9B7C6"/>
-                </a:solidFill>
-                <a:effectLst/>
-                <a:latin typeface="JetBrains Mono"/>
-              </a:rPr>
-              <a:t>)</a:t>
-            </a:r>
-            <a:r>
-              <a:rPr lang="en-US" sz="1400" dirty="0">
-                <a:solidFill>
-                  <a:srgbClr val="CC7832"/>
-                </a:solidFill>
-                <a:effectLst/>
-                <a:latin typeface="JetBrains Mono"/>
-              </a:rPr>
-              <a:t>,</a:t>
-            </a:r>
-            <a:br>
-              <a:rPr lang="en-US" sz="1400" dirty="0">
-                <a:solidFill>
-                  <a:srgbClr val="CC7832"/>
-                </a:solidFill>
-                <a:effectLst/>
-                <a:latin typeface="JetBrains Mono"/>
-              </a:rPr>
-            </a:br>
-            <a:r>
-              <a:rPr lang="en-US" sz="1400" dirty="0">
-                <a:solidFill>
-                  <a:srgbClr val="CC7832"/>
-                </a:solidFill>
-                <a:effectLst/>
-                <a:latin typeface="JetBrains Mono"/>
-              </a:rPr>
-              <a:t>                </a:t>
-            </a:r>
-            <a:r>
-              <a:rPr lang="en-US" sz="1400" dirty="0" err="1">
-                <a:solidFill>
-                  <a:srgbClr val="A9B7C6"/>
-                </a:solidFill>
-                <a:effectLst/>
-                <a:latin typeface="JetBrains Mono"/>
-              </a:rPr>
-              <a:t>os.path.normpath</a:t>
-            </a:r>
-            <a:r>
-              <a:rPr lang="en-US" sz="1400" dirty="0">
-                <a:solidFill>
-                  <a:srgbClr val="A9B7C6"/>
-                </a:solidFill>
-                <a:effectLst/>
-                <a:latin typeface="JetBrains Mono"/>
-              </a:rPr>
-              <a:t>(</a:t>
-            </a:r>
-            <a:r>
-              <a:rPr lang="en-US" sz="1400" dirty="0" err="1">
-                <a:solidFill>
-                  <a:srgbClr val="6A8759"/>
-                </a:solidFill>
-                <a:effectLst/>
-                <a:latin typeface="JetBrains Mono"/>
-              </a:rPr>
-              <a:t>r'C</a:t>
-            </a:r>
-            <a:r>
-              <a:rPr lang="en-US" sz="1400" dirty="0">
-                <a:solidFill>
-                  <a:srgbClr val="6A8759"/>
-                </a:solidFill>
-                <a:effectLst/>
-                <a:latin typeface="JetBrains Mono"/>
-              </a:rPr>
-              <a:t>:\\Users\\</a:t>
-            </a:r>
-            <a:r>
-              <a:rPr lang="en-US" sz="1400" dirty="0" err="1">
-                <a:solidFill>
-                  <a:srgbClr val="6A8759"/>
-                </a:solidFill>
-                <a:effectLst/>
-                <a:latin typeface="JetBrains Mono"/>
-              </a:rPr>
-              <a:t>karthik.venkat</a:t>
-            </a:r>
-            <a:r>
-              <a:rPr lang="en-US" sz="1400" dirty="0">
-                <a:solidFill>
-                  <a:srgbClr val="6A8759"/>
-                </a:solidFill>
-                <a:effectLst/>
-                <a:latin typeface="JetBrains Mono"/>
-              </a:rPr>
-              <a:t>\\</a:t>
-            </a:r>
-            <a:r>
-              <a:rPr lang="en-US" sz="1400" dirty="0" err="1">
-                <a:solidFill>
-                  <a:srgbClr val="6A8759"/>
-                </a:solidFill>
-                <a:effectLst/>
-                <a:latin typeface="JetBrains Mono"/>
-              </a:rPr>
-              <a:t>PycharmProjects</a:t>
-            </a:r>
-            <a:r>
-              <a:rPr lang="en-US" sz="1400" dirty="0">
-                <a:solidFill>
-                  <a:srgbClr val="6A8759"/>
-                </a:solidFill>
-                <a:effectLst/>
-                <a:latin typeface="JetBrains Mono"/>
-              </a:rPr>
-              <a:t>\\</a:t>
-            </a:r>
-            <a:r>
-              <a:rPr lang="en-US" sz="1400" dirty="0" err="1">
-                <a:solidFill>
-                  <a:srgbClr val="6A8759"/>
-                </a:solidFill>
-                <a:effectLst/>
-                <a:latin typeface="JetBrains Mono"/>
-              </a:rPr>
-              <a:t>video_anomaly_detection</a:t>
-            </a:r>
-            <a:r>
-              <a:rPr lang="en-US" sz="1400" dirty="0">
-                <a:solidFill>
-                  <a:srgbClr val="6A8759"/>
-                </a:solidFill>
-                <a:effectLst/>
-                <a:latin typeface="JetBrains Mono"/>
-              </a:rPr>
-              <a:t>\\data\\Training-Normal-Videos-Part-1.zip'</a:t>
-            </a:r>
-            <a:r>
-              <a:rPr lang="en-US" sz="1400" dirty="0">
-                <a:solidFill>
-                  <a:srgbClr val="A9B7C6"/>
-                </a:solidFill>
-                <a:effectLst/>
-                <a:latin typeface="JetBrains Mono"/>
-              </a:rPr>
-              <a:t>)</a:t>
-            </a:r>
-            <a:br>
-              <a:rPr lang="en-US" sz="1400" dirty="0">
-                <a:solidFill>
-                  <a:srgbClr val="CC7832"/>
-                </a:solidFill>
-                <a:effectLst/>
-                <a:latin typeface="JetBrains Mono"/>
-              </a:rPr>
-            </a:br>
-            <a:r>
-              <a:rPr lang="en-US" sz="1400" dirty="0">
-                <a:solidFill>
-                  <a:srgbClr val="CC7832"/>
-                </a:solidFill>
-                <a:effectLst/>
-                <a:latin typeface="JetBrains Mono"/>
-              </a:rPr>
-              <a:t>                   </a:t>
-            </a:r>
-            <a:r>
-              <a:rPr lang="en-US" sz="1400" dirty="0">
-                <a:solidFill>
-                  <a:srgbClr val="A9B7C6"/>
-                </a:solidFill>
-                <a:effectLst/>
-                <a:latin typeface="JetBrains Mono"/>
-              </a:rPr>
-              <a:t>]</a:t>
-            </a:r>
-          </a:p>
-        </p:txBody>
-      </p:sp>
-      <p:sp>
-        <p:nvSpPr>
-          <p:cNvPr id="20" name="TextBox 19">
-            <a:extLst>
-              <a:ext uri="{FF2B5EF4-FFF2-40B4-BE49-F238E27FC236}">
-                <a16:creationId xmlns:a16="http://schemas.microsoft.com/office/drawing/2014/main" id="{C574CCCF-B946-3ABD-A44E-1EBB01EB5B50}"/>
-              </a:ext>
-            </a:extLst>
-          </p:cNvPr>
-          <p:cNvSpPr txBox="1"/>
-          <p:nvPr/>
-        </p:nvSpPr>
-        <p:spPr>
-          <a:xfrm>
-            <a:off x="743984" y="4998720"/>
-            <a:ext cx="7353295" cy="369332"/>
-          </a:xfrm>
-          <a:prstGeom prst="rect">
-            <a:avLst/>
-          </a:prstGeom>
-          <a:noFill/>
-        </p:spPr>
-        <p:txBody>
-          <a:bodyPr wrap="none" rtlCol="0">
-            <a:spAutoFit/>
-          </a:bodyPr>
-          <a:lstStyle/>
-          <a:p>
-            <a:r>
-              <a:rPr lang="en-US" dirty="0"/>
-              <a:t>Iterator and </a:t>
-            </a:r>
-            <a:r>
-              <a:rPr lang="en-US" dirty="0" err="1"/>
-              <a:t>dataset.samples</a:t>
-            </a:r>
-            <a:r>
-              <a:rPr lang="en-US" dirty="0"/>
-              <a:t> attribute returns </a:t>
-            </a:r>
-            <a:r>
-              <a:rPr lang="en-US" dirty="0" err="1"/>
-              <a:t>vidoes</a:t>
-            </a:r>
-            <a:r>
-              <a:rPr lang="en-US" dirty="0"/>
-              <a:t> as </a:t>
-            </a:r>
-            <a:r>
-              <a:rPr lang="en-US" dirty="0" err="1"/>
-              <a:t>numpy</a:t>
-            </a:r>
-            <a:r>
-              <a:rPr lang="en-US" dirty="0"/>
-              <a:t> arrays </a:t>
-            </a:r>
-          </a:p>
-        </p:txBody>
-      </p:sp>
-    </p:spTree>
-    <p:extLst>
-      <p:ext uri="{BB962C8B-B14F-4D97-AF65-F5344CB8AC3E}">
-        <p14:creationId xmlns:p14="http://schemas.microsoft.com/office/powerpoint/2010/main" val="1396989265"/>
-      </p:ext>
-    </p:extLst>
-  </p:cSld>
-  <p:clrMapOvr>
-    <a:masterClrMapping/>
-  </p:clrMapOvr>
-</p:sld>
-</file>
-
-<file path=ppt/slides/slide20.xml><?xml version="1.0" encoding="utf-8"?>
+<file path=ppt/slides/slide26.xml><?xml version="1.0" encoding="utf-8"?>
 <p:sld xmlns:a="http://schemas.openxmlformats.org/drawingml/2006/main" xmlns:r="http://schemas.openxmlformats.org/officeDocument/2006/relationships" xmlns:p="http://schemas.openxmlformats.org/presentationml/2006/main">
   <p:cSld>
     <p:spTree>
@@ -12192,7 +16235,7 @@
             <a:fld id="{A52BEA90-E6BE-45F4-8D5D-C2E01FE3DBCB}" type="slidenum">
               <a:rPr lang="en-US" smtClean="0"/>
               <a:pPr/>
-              <a:t>20</a:t>
+              <a:t>26</a:t>
             </a:fld>
             <a:endParaRPr lang="en-US" dirty="0"/>
           </a:p>
@@ -12211,7 +16254,7 @@
 </p:sld>
 </file>
 
-<file path=ppt/slides/slide21.xml><?xml version="1.0" encoding="utf-8"?>
+<file path=ppt/slides/slide27.xml><?xml version="1.0" encoding="utf-8"?>
 <p:sld xmlns:a="http://schemas.openxmlformats.org/drawingml/2006/main" xmlns:r="http://schemas.openxmlformats.org/officeDocument/2006/relationships" xmlns:p="http://schemas.openxmlformats.org/presentationml/2006/main">
   <p:cSld>
     <p:spTree>
@@ -12952,7 +16995,7 @@
           <p:cNvPr id="2" name="Title 1">
             <a:extLst>
               <a:ext uri="{FF2B5EF4-FFF2-40B4-BE49-F238E27FC236}">
-                <a16:creationId xmlns:a16="http://schemas.microsoft.com/office/drawing/2014/main" id="{A7AEFD92-C4A8-C04F-AA2D-B10B39733560}"/>
+                <a16:creationId xmlns:a16="http://schemas.microsoft.com/office/drawing/2014/main" id="{917EF1C2-70CD-05DB-5F0D-06A2EBCFF285}"/>
               </a:ext>
             </a:extLst>
           </p:cNvPr>
@@ -12970,17 +17013,17 @@
           <a:p>
             <a:r>
               <a:rPr lang="en-US" dirty="0"/>
-              <a:t>Title of presentation</a:t>
+              <a:t>Current Results – with R3D-18 feature extraction and SVM classifier -  Partial Data set</a:t>
             </a:r>
           </a:p>
         </p:txBody>
       </p:sp>
       <p:sp>
         <p:nvSpPr>
-          <p:cNvPr id="6" name="Text Placeholder 5">
-            <a:extLst>
-              <a:ext uri="{FF2B5EF4-FFF2-40B4-BE49-F238E27FC236}">
-                <a16:creationId xmlns:a16="http://schemas.microsoft.com/office/drawing/2014/main" id="{0E7152F7-008A-CA47-A370-88F63720261B}"/>
+          <p:cNvPr id="4" name="Slide Number Placeholder 3">
+            <a:extLst>
+              <a:ext uri="{FF2B5EF4-FFF2-40B4-BE49-F238E27FC236}">
+                <a16:creationId xmlns:a16="http://schemas.microsoft.com/office/drawing/2014/main" id="{B886C77E-3548-1568-7747-66BB93F86826}"/>
               </a:ext>
             </a:extLst>
           </p:cNvPr>
@@ -12988,7 +17031,7 @@
             <a:spLocks noGrp="1"/>
           </p:cNvSpPr>
           <p:nvPr>
-            <p:ph type="body" sz="quarter" idx="19"/>
+            <p:ph type="sldNum" sz="quarter" idx="17"/>
           </p:nvPr>
         </p:nvSpPr>
         <p:spPr/>
@@ -12996,113 +17039,49 @@
           <a:bodyPr/>
           <a:lstStyle/>
           <a:p>
-            <a:r>
-              <a:rPr lang="en-US" dirty="0"/>
-              <a:t>Secondary title</a:t>
-            </a:r>
+            <a:fld id="{A52BEA90-E6BE-45F4-8D5D-C2E01FE3DBCB}" type="slidenum">
+              <a:rPr lang="en-US" smtClean="0"/>
+              <a:pPr/>
+              <a:t>5</a:t>
+            </a:fld>
+            <a:endParaRPr lang="en-US" dirty="0"/>
           </a:p>
         </p:txBody>
       </p:sp>
-      <p:sp>
-        <p:nvSpPr>
-          <p:cNvPr id="15" name="Picture Placeholder 14" descr="Picture placeholder">
-            <a:extLst>
-              <a:ext uri="{FF2B5EF4-FFF2-40B4-BE49-F238E27FC236}">
-                <a16:creationId xmlns:a16="http://schemas.microsoft.com/office/drawing/2014/main" id="{A16654C4-B054-46A5-B603-2ECD573E2C72}"/>
-              </a:ext>
-            </a:extLst>
-          </p:cNvPr>
-          <p:cNvSpPr>
-            <a:spLocks noGrp="1"/>
-          </p:cNvSpPr>
-          <p:nvPr>
-            <p:ph type="pic" sz="quarter" idx="20"/>
-          </p:nvPr>
-        </p:nvSpPr>
-        <p:spPr/>
-      </p:sp>
-      <p:sp>
-        <p:nvSpPr>
-          <p:cNvPr id="4" name="Text Placeholder 3">
-            <a:extLst>
-              <a:ext uri="{FF2B5EF4-FFF2-40B4-BE49-F238E27FC236}">
-                <a16:creationId xmlns:a16="http://schemas.microsoft.com/office/drawing/2014/main" id="{368038C7-F913-CC43-B811-9406234F037B}"/>
-              </a:ext>
-            </a:extLst>
-          </p:cNvPr>
-          <p:cNvSpPr>
-            <a:spLocks noGrp="1"/>
-          </p:cNvSpPr>
-          <p:nvPr>
-            <p:ph type="body" sz="quarter" idx="14"/>
-          </p:nvPr>
-        </p:nvSpPr>
-        <p:spPr/>
-        <p:txBody>
-          <a:bodyPr/>
-          <a:lstStyle/>
-          <a:p>
-            <a:pPr lvl="0"/>
-            <a:r>
-              <a:rPr lang="en-US" dirty="0"/>
-              <a:t>Name</a:t>
-            </a:r>
-          </a:p>
-          <a:p>
-            <a:r>
-              <a:rPr lang="en-US" dirty="0"/>
-              <a:t>Name</a:t>
-            </a:r>
-          </a:p>
-        </p:txBody>
-      </p:sp>
-      <p:sp>
-        <p:nvSpPr>
-          <p:cNvPr id="5" name="Text Placeholder 4">
-            <a:extLst>
-              <a:ext uri="{FF2B5EF4-FFF2-40B4-BE49-F238E27FC236}">
-                <a16:creationId xmlns:a16="http://schemas.microsoft.com/office/drawing/2014/main" id="{3D561332-6AEF-7547-A674-2FF50137C390}"/>
-              </a:ext>
-            </a:extLst>
-          </p:cNvPr>
-          <p:cNvSpPr>
-            <a:spLocks noGrp="1"/>
-          </p:cNvSpPr>
-          <p:nvPr>
-            <p:ph type="body" sz="quarter" idx="18"/>
-          </p:nvPr>
-        </p:nvSpPr>
-        <p:spPr/>
-        <p:txBody>
-          <a:bodyPr/>
-          <a:lstStyle/>
-          <a:p>
-            <a:r>
-              <a:rPr lang="en-US" dirty="0"/>
-              <a:t>Department</a:t>
-            </a:r>
-          </a:p>
-          <a:p>
-            <a:r>
-              <a:rPr lang="en-US" dirty="0"/>
-              <a:t>Institution</a:t>
-            </a:r>
-          </a:p>
-          <a:p>
-            <a:r>
-              <a:rPr lang="en-US" dirty="0"/>
-              <a:t>Month XX, 20XX</a:t>
-            </a:r>
-          </a:p>
-          <a:p>
-            <a:endParaRPr lang="en-US" dirty="0"/>
-          </a:p>
-        </p:txBody>
-      </p:sp>
+      <p:pic>
+        <p:nvPicPr>
+          <p:cNvPr id="6" name="Picture 5">
+            <a:extLst>
+              <a:ext uri="{FF2B5EF4-FFF2-40B4-BE49-F238E27FC236}">
+                <a16:creationId xmlns:a16="http://schemas.microsoft.com/office/drawing/2014/main" id="{32911995-A6B7-C458-B801-A4EEFB2AE018}"/>
+              </a:ext>
+            </a:extLst>
+          </p:cNvPr>
+          <p:cNvPicPr>
+            <a:picLocks noChangeAspect="1"/>
+          </p:cNvPicPr>
+          <p:nvPr/>
+        </p:nvPicPr>
+        <p:blipFill>
+          <a:blip r:embed="rId2"/>
+          <a:stretch>
+            <a:fillRect/>
+          </a:stretch>
+        </p:blipFill>
+        <p:spPr>
+          <a:xfrm>
+            <a:off x="838199" y="1588096"/>
+            <a:ext cx="7661108" cy="1556319"/>
+          </a:xfrm>
+          <a:prstGeom prst="rect">
+            <a:avLst/>
+          </a:prstGeom>
+        </p:spPr>
+      </p:pic>
     </p:spTree>
     <p:extLst>
       <p:ext uri="{BB962C8B-B14F-4D97-AF65-F5344CB8AC3E}">
-        <p14:creationId xmlns:p14="http://schemas.microsoft.com/office/powerpoint/2010/main" val="2691753805"/>
+        <p14:creationId xmlns:p14="http://schemas.microsoft.com/office/powerpoint/2010/main" val="2259190596"/>
       </p:ext>
     </p:extLst>
   </p:cSld>
@@ -13131,10 +17110,10 @@
       </p:grpSpPr>
       <p:sp>
         <p:nvSpPr>
-          <p:cNvPr id="5" name="Title 4">
-            <a:extLst>
-              <a:ext uri="{FF2B5EF4-FFF2-40B4-BE49-F238E27FC236}">
-                <a16:creationId xmlns:a16="http://schemas.microsoft.com/office/drawing/2014/main" id="{AB86DD66-4C89-CF4F-B2FB-DD3DB9618001}"/>
+          <p:cNvPr id="2" name="Title 1">
+            <a:extLst>
+              <a:ext uri="{FF2B5EF4-FFF2-40B4-BE49-F238E27FC236}">
+                <a16:creationId xmlns:a16="http://schemas.microsoft.com/office/drawing/2014/main" id="{B758DF2B-AD7C-3B31-C9E4-95702DEE1C96}"/>
               </a:ext>
             </a:extLst>
           </p:cNvPr>
@@ -13151,18 +17130,19 @@
           <a:lstStyle/>
           <a:p>
             <a:r>
-              <a:rPr lang="en-US" dirty="0"/>
-              <a:t>Coat-color variation in red foxes</a:t>
-            </a:r>
+              <a:rPr lang="en-US"/>
+              <a:t>Performance: Full data set</a:t>
+            </a:r>
+            <a:endParaRPr lang="en-US" dirty="0"/>
           </a:p>
         </p:txBody>
       </p:sp>
       <p:sp>
         <p:nvSpPr>
-          <p:cNvPr id="6" name="Text Placeholder 5">
-            <a:extLst>
-              <a:ext uri="{FF2B5EF4-FFF2-40B4-BE49-F238E27FC236}">
-                <a16:creationId xmlns:a16="http://schemas.microsoft.com/office/drawing/2014/main" id="{56116512-EFB2-B141-9159-58265075B81C}"/>
+          <p:cNvPr id="4" name="Slide Number Placeholder 3">
+            <a:extLst>
+              <a:ext uri="{FF2B5EF4-FFF2-40B4-BE49-F238E27FC236}">
+                <a16:creationId xmlns:a16="http://schemas.microsoft.com/office/drawing/2014/main" id="{6AB90C81-0EC0-8F47-1C2D-23B244AAEA1C}"/>
               </a:ext>
             </a:extLst>
           </p:cNvPr>
@@ -13170,7 +17150,7 @@
             <a:spLocks noGrp="1"/>
           </p:cNvSpPr>
           <p:nvPr>
-            <p:ph type="body" sz="quarter" idx="19"/>
+            <p:ph type="sldNum" sz="quarter" idx="17"/>
           </p:nvPr>
         </p:nvSpPr>
         <p:spPr/>
@@ -13178,124 +17158,78 @@
           <a:bodyPr/>
           <a:lstStyle/>
           <a:p>
-            <a:r>
-              <a:rPr lang="en-US" dirty="0"/>
-              <a:t>Environmental factors that affect fur color</a:t>
-            </a:r>
-          </a:p>
-          <a:p>
+            <a:fld id="{A52BEA90-E6BE-45F4-8D5D-C2E01FE3DBCB}" type="slidenum">
+              <a:rPr lang="en-US" smtClean="0"/>
+              <a:pPr/>
+              <a:t>6</a:t>
+            </a:fld>
             <a:endParaRPr lang="en-US" dirty="0"/>
           </a:p>
         </p:txBody>
       </p:sp>
       <p:pic>
         <p:nvPicPr>
-          <p:cNvPr id="8" name="Picture Placeholder 7" descr="Winter scene with a fox standing in the snow">
-            <a:extLst>
-              <a:ext uri="{FF2B5EF4-FFF2-40B4-BE49-F238E27FC236}">
-                <a16:creationId xmlns:a16="http://schemas.microsoft.com/office/drawing/2014/main" id="{64F6393B-4582-484B-82F7-1B00BD937081}"/>
+          <p:cNvPr id="7" name="Picture 6">
+            <a:extLst>
+              <a:ext uri="{FF2B5EF4-FFF2-40B4-BE49-F238E27FC236}">
+                <a16:creationId xmlns:a16="http://schemas.microsoft.com/office/drawing/2014/main" id="{1DC426CA-4AA6-254D-736B-A93D4E643EEB}"/>
               </a:ext>
             </a:extLst>
           </p:cNvPr>
           <p:cNvPicPr>
-            <a:picLocks noGrp="1" noChangeAspect="1"/>
+            <a:picLocks noChangeAspect="1"/>
           </p:cNvPicPr>
-          <p:nvPr>
-            <p:ph type="pic" sz="quarter" idx="20"/>
-          </p:nvPr>
+          <p:nvPr/>
+        </p:nvPicPr>
+        <p:blipFill>
+          <a:blip r:embed="rId2"/>
+          <a:stretch>
+            <a:fillRect/>
+          </a:stretch>
+        </p:blipFill>
+        <p:spPr>
+          <a:xfrm>
+            <a:off x="265766" y="2108552"/>
+            <a:ext cx="6096000" cy="4572000"/>
+          </a:xfrm>
+          <a:prstGeom prst="rect">
+            <a:avLst/>
+          </a:prstGeom>
+        </p:spPr>
+      </p:pic>
+      <p:pic>
+        <p:nvPicPr>
+          <p:cNvPr id="9" name="Picture 8">
+            <a:extLst>
+              <a:ext uri="{FF2B5EF4-FFF2-40B4-BE49-F238E27FC236}">
+                <a16:creationId xmlns:a16="http://schemas.microsoft.com/office/drawing/2014/main" id="{FC4FABA8-336E-2826-6604-0AACEE4CEEF1}"/>
+              </a:ext>
+            </a:extLst>
+          </p:cNvPr>
+          <p:cNvPicPr>
+            <a:picLocks noChangeAspect="1"/>
+          </p:cNvPicPr>
+          <p:nvPr/>
         </p:nvPicPr>
         <p:blipFill rotWithShape="1">
-          <a:blip r:embed="rId2">
-            <a:extLst>
-              <a:ext uri="{28A0092B-C50C-407E-A947-70E740481C1C}">
-                <a14:useLocalDpi xmlns:a14="http://schemas.microsoft.com/office/drawing/2010/main" val="0"/>
-              </a:ext>
-            </a:extLst>
-          </a:blip>
-          <a:srcRect/>
+          <a:blip r:embed="rId3"/>
+          <a:srcRect r="22407"/>
           <a:stretch/>
         </p:blipFill>
-        <p:spPr/>
+        <p:spPr>
+          <a:xfrm>
+            <a:off x="344425" y="1235116"/>
+            <a:ext cx="6482327" cy="1256133"/>
+          </a:xfrm>
+          <a:prstGeom prst="rect">
+            <a:avLst/>
+          </a:prstGeom>
+        </p:spPr>
       </p:pic>
-      <p:sp>
-        <p:nvSpPr>
-          <p:cNvPr id="3" name="Text Placeholder 2">
-            <a:extLst>
-              <a:ext uri="{FF2B5EF4-FFF2-40B4-BE49-F238E27FC236}">
-                <a16:creationId xmlns:a16="http://schemas.microsoft.com/office/drawing/2014/main" id="{B63880AD-5D09-9A4C-8CFD-4C9FE8BEE5F1}"/>
-              </a:ext>
-            </a:extLst>
-          </p:cNvPr>
-          <p:cNvSpPr>
-            <a:spLocks noGrp="1"/>
-          </p:cNvSpPr>
-          <p:nvPr>
-            <p:ph type="body" sz="quarter" idx="14"/>
-          </p:nvPr>
-        </p:nvSpPr>
-        <p:spPr/>
-        <p:txBody>
-          <a:bodyPr/>
-          <a:lstStyle/>
-          <a:p>
-            <a:r>
-              <a:rPr lang="en-US" b="1" dirty="0"/>
-              <a:t>Hayden Cook</a:t>
-            </a:r>
-          </a:p>
-          <a:p>
-            <a:r>
-              <a:rPr lang="en-US" b="1" dirty="0"/>
-              <a:t>Quinn Campbell, Ph.D.</a:t>
-            </a:r>
-            <a:endParaRPr lang="en-US" dirty="0"/>
-          </a:p>
-        </p:txBody>
-      </p:sp>
-      <p:sp>
-        <p:nvSpPr>
-          <p:cNvPr id="4" name="Text Placeholder 3">
-            <a:extLst>
-              <a:ext uri="{FF2B5EF4-FFF2-40B4-BE49-F238E27FC236}">
-                <a16:creationId xmlns:a16="http://schemas.microsoft.com/office/drawing/2014/main" id="{50C842A0-54EA-C84E-9A2D-FC75AA3D537D}"/>
-              </a:ext>
-            </a:extLst>
-          </p:cNvPr>
-          <p:cNvSpPr>
-            <a:spLocks noGrp="1"/>
-          </p:cNvSpPr>
-          <p:nvPr>
-            <p:ph type="body" sz="quarter" idx="18"/>
-          </p:nvPr>
-        </p:nvSpPr>
-        <p:spPr/>
-        <p:txBody>
-          <a:bodyPr/>
-          <a:lstStyle/>
-          <a:p>
-            <a:r>
-              <a:rPr lang="en-US" dirty="0"/>
-              <a:t>Department of Biology</a:t>
-            </a:r>
-          </a:p>
-          <a:p>
-            <a:r>
-              <a:rPr lang="en-US" dirty="0"/>
-              <a:t>Jasper University</a:t>
-            </a:r>
-          </a:p>
-          <a:p>
-            <a:r>
-              <a:rPr lang="en-US" dirty="0"/>
-              <a:t>December 12, 2021</a:t>
-            </a:r>
-          </a:p>
-        </p:txBody>
-      </p:sp>
     </p:spTree>
     <p:extLst>
       <p:ext uri="{BB962C8B-B14F-4D97-AF65-F5344CB8AC3E}">
-        <p14:creationId xmlns:p14="http://schemas.microsoft.com/office/powerpoint/2010/main" val="972034339"/>
+        <p14:creationId xmlns:p14="http://schemas.microsoft.com/office/powerpoint/2010/main" val="3232300692"/>
       </p:ext>
     </p:extLst>
   </p:cSld>
@@ -13324,10 +17258,10 @@
       </p:grpSpPr>
       <p:sp>
         <p:nvSpPr>
-          <p:cNvPr id="3" name="Title 2">
-            <a:extLst>
-              <a:ext uri="{FF2B5EF4-FFF2-40B4-BE49-F238E27FC236}">
-                <a16:creationId xmlns:a16="http://schemas.microsoft.com/office/drawing/2014/main" id="{6C7977C4-F464-D449-B7C1-AE7D4292B8E4}"/>
+          <p:cNvPr id="2" name="Title 1">
+            <a:extLst>
+              <a:ext uri="{FF2B5EF4-FFF2-40B4-BE49-F238E27FC236}">
+                <a16:creationId xmlns:a16="http://schemas.microsoft.com/office/drawing/2014/main" id="{555D674E-F4E9-E486-E8E5-F30C757F4081}"/>
               </a:ext>
             </a:extLst>
           </p:cNvPr>
@@ -13338,24 +17272,29 @@
             <p:ph type="title"/>
           </p:nvPr>
         </p:nvSpPr>
-        <p:spPr/>
+        <p:spPr>
+          <a:xfrm>
+            <a:off x="651587" y="249687"/>
+            <a:ext cx="10537683" cy="873436"/>
+          </a:xfrm>
+        </p:spPr>
         <p:txBody>
           <a:bodyPr/>
           <a:lstStyle/>
           <a:p>
             <a:r>
               <a:rPr lang="en-US" dirty="0"/>
-              <a:t>Title of presentation </a:t>
+              <a:t>Design Options to incorporate</a:t>
             </a:r>
           </a:p>
         </p:txBody>
       </p:sp>
       <p:sp>
         <p:nvSpPr>
-          <p:cNvPr id="4" name="Text Placeholder 3">
-            <a:extLst>
-              <a:ext uri="{FF2B5EF4-FFF2-40B4-BE49-F238E27FC236}">
-                <a16:creationId xmlns:a16="http://schemas.microsoft.com/office/drawing/2014/main" id="{B46ECB84-B61A-8340-B7E3-FDD2403CEE57}"/>
+          <p:cNvPr id="4" name="Slide Number Placeholder 3">
+            <a:extLst>
+              <a:ext uri="{FF2B5EF4-FFF2-40B4-BE49-F238E27FC236}">
+                <a16:creationId xmlns:a16="http://schemas.microsoft.com/office/drawing/2014/main" id="{62D73380-9FF7-B2F8-6F02-D735B9C32D31}"/>
               </a:ext>
             </a:extLst>
           </p:cNvPr>
@@ -13363,7 +17302,7 @@
             <a:spLocks noGrp="1"/>
           </p:cNvSpPr>
           <p:nvPr>
-            <p:ph type="body" sz="quarter" idx="21"/>
+            <p:ph type="sldNum" sz="quarter" idx="17"/>
           </p:nvPr>
         </p:nvSpPr>
         <p:spPr/>
@@ -13371,90 +17310,47 @@
           <a:bodyPr/>
           <a:lstStyle/>
           <a:p>
-            <a:r>
-              <a:rPr lang="en-US" dirty="0"/>
-              <a:t>Secondary title</a:t>
-            </a:r>
+            <a:fld id="{A52BEA90-E6BE-45F4-8D5D-C2E01FE3DBCB}" type="slidenum">
+              <a:rPr lang="en-US" smtClean="0"/>
+              <a:pPr/>
+              <a:t>7</a:t>
+            </a:fld>
+            <a:endParaRPr lang="en-US" dirty="0"/>
           </a:p>
         </p:txBody>
       </p:sp>
-      <p:sp>
-        <p:nvSpPr>
-          <p:cNvPr id="12" name="Picture Placeholder 11" descr="Picture placeholder">
-            <a:extLst>
-              <a:ext uri="{FF2B5EF4-FFF2-40B4-BE49-F238E27FC236}">
-                <a16:creationId xmlns:a16="http://schemas.microsoft.com/office/drawing/2014/main" id="{235EF78C-6A94-4C8B-AA17-24CF0960F3CC}"/>
-              </a:ext>
-            </a:extLst>
-          </p:cNvPr>
-          <p:cNvSpPr>
-            <a:spLocks noGrp="1"/>
-          </p:cNvSpPr>
+      <p:graphicFrame>
+        <p:nvGraphicFramePr>
+          <p:cNvPr id="6" name="Diagram 5">
+            <a:extLst>
+              <a:ext uri="{FF2B5EF4-FFF2-40B4-BE49-F238E27FC236}">
+                <a16:creationId xmlns:a16="http://schemas.microsoft.com/office/drawing/2014/main" id="{77B37487-852F-F650-97FE-596FE8690028}"/>
+              </a:ext>
+            </a:extLst>
+          </p:cNvPr>
+          <p:cNvGraphicFramePr/>
           <p:nvPr>
-            <p:ph type="pic" sz="quarter" idx="22"/>
+            <p:extLst>
+              <p:ext uri="{D42A27DB-BD31-4B8C-83A1-F6EECF244321}">
+                <p14:modId xmlns:p14="http://schemas.microsoft.com/office/powerpoint/2010/main" val="3144557151"/>
+              </p:ext>
+            </p:extLst>
           </p:nvPr>
-        </p:nvSpPr>
-        <p:spPr/>
-      </p:sp>
-      <p:sp>
-        <p:nvSpPr>
-          <p:cNvPr id="5" name="Text Placeholder 4">
-            <a:extLst>
-              <a:ext uri="{FF2B5EF4-FFF2-40B4-BE49-F238E27FC236}">
-                <a16:creationId xmlns:a16="http://schemas.microsoft.com/office/drawing/2014/main" id="{1E198F46-EA3E-D747-9F3D-910243C08741}"/>
-              </a:ext>
-            </a:extLst>
-          </p:cNvPr>
-          <p:cNvSpPr>
-            <a:spLocks noGrp="1"/>
-          </p:cNvSpPr>
-          <p:nvPr>
-            <p:ph type="body" sz="quarter" idx="10"/>
-          </p:nvPr>
-        </p:nvSpPr>
-        <p:spPr/>
-        <p:txBody>
-          <a:bodyPr/>
-          <a:lstStyle/>
-          <a:p>
-            <a:r>
-              <a:rPr lang="en-US" b="1" dirty="0"/>
-              <a:t>Name</a:t>
-            </a:r>
-          </a:p>
-          <a:p>
-            <a:r>
-              <a:rPr lang="en-US" b="1" dirty="0"/>
-              <a:t>Name</a:t>
-            </a:r>
-          </a:p>
-          <a:p>
-            <a:endParaRPr lang="en-US" dirty="0"/>
-          </a:p>
-          <a:p>
-            <a:r>
-              <a:rPr lang="en-US" dirty="0"/>
-              <a:t>Department</a:t>
-            </a:r>
-          </a:p>
-          <a:p>
-            <a:r>
-              <a:rPr lang="en-US" dirty="0"/>
-              <a:t>Institution</a:t>
-            </a:r>
-          </a:p>
-          <a:p>
-            <a:r>
-              <a:rPr lang="en-US" dirty="0"/>
-              <a:t>Month XX, 20XX</a:t>
-            </a:r>
-          </a:p>
-        </p:txBody>
-      </p:sp>
+        </p:nvGraphicFramePr>
+        <p:xfrm>
+          <a:off x="651587" y="937683"/>
+          <a:ext cx="10785151" cy="5418667"/>
+        </p:xfrm>
+        <a:graphic>
+          <a:graphicData uri="http://schemas.openxmlformats.org/drawingml/2006/diagram">
+            <dgm:relIds xmlns:dgm="http://schemas.openxmlformats.org/drawingml/2006/diagram" xmlns:r="http://schemas.openxmlformats.org/officeDocument/2006/relationships" r:dm="rId2" r:lo="rId3" r:qs="rId4" r:cs="rId5"/>
+          </a:graphicData>
+        </a:graphic>
+      </p:graphicFrame>
     </p:spTree>
     <p:extLst>
       <p:ext uri="{BB962C8B-B14F-4D97-AF65-F5344CB8AC3E}">
-        <p14:creationId xmlns:p14="http://schemas.microsoft.com/office/powerpoint/2010/main" val="2112437206"/>
+        <p14:creationId xmlns:p14="http://schemas.microsoft.com/office/powerpoint/2010/main" val="1454480738"/>
       </p:ext>
     </p:extLst>
   </p:cSld>
@@ -13483,10 +17379,10 @@
       </p:grpSpPr>
       <p:sp>
         <p:nvSpPr>
-          <p:cNvPr id="3" name="Title 2">
-            <a:extLst>
-              <a:ext uri="{FF2B5EF4-FFF2-40B4-BE49-F238E27FC236}">
-                <a16:creationId xmlns:a16="http://schemas.microsoft.com/office/drawing/2014/main" id="{4D76E574-6F12-2143-ACF1-0D21437251FC}"/>
+          <p:cNvPr id="2" name="Title 1">
+            <a:extLst>
+              <a:ext uri="{FF2B5EF4-FFF2-40B4-BE49-F238E27FC236}">
+                <a16:creationId xmlns:a16="http://schemas.microsoft.com/office/drawing/2014/main" id="{D1F8DBD8-3932-49D3-D241-41D7C6E8453F}"/>
               </a:ext>
             </a:extLst>
           </p:cNvPr>
@@ -13504,17 +17400,17 @@
           <a:p>
             <a:r>
               <a:rPr lang="en-US" dirty="0"/>
-              <a:t>Coat-color variation in red foxes </a:t>
+              <a:t>Ideas</a:t>
             </a:r>
           </a:p>
         </p:txBody>
       </p:sp>
       <p:sp>
         <p:nvSpPr>
-          <p:cNvPr id="4" name="Text Placeholder 3">
-            <a:extLst>
-              <a:ext uri="{FF2B5EF4-FFF2-40B4-BE49-F238E27FC236}">
-                <a16:creationId xmlns:a16="http://schemas.microsoft.com/office/drawing/2014/main" id="{6DA12B50-D0A7-6B4C-AB28-27EC387C517A}"/>
+          <p:cNvPr id="4" name="Slide Number Placeholder 3">
+            <a:extLst>
+              <a:ext uri="{FF2B5EF4-FFF2-40B4-BE49-F238E27FC236}">
+                <a16:creationId xmlns:a16="http://schemas.microsoft.com/office/drawing/2014/main" id="{86A26943-AC81-BBB5-9DA0-17A3FEC80C1D}"/>
               </a:ext>
             </a:extLst>
           </p:cNvPr>
@@ -13522,7 +17418,7 @@
             <a:spLocks noGrp="1"/>
           </p:cNvSpPr>
           <p:nvPr>
-            <p:ph type="body" sz="quarter" idx="21"/>
+            <p:ph type="sldNum" sz="quarter" idx="17"/>
           </p:nvPr>
         </p:nvSpPr>
         <p:spPr/>
@@ -13530,107 +17426,58 @@
           <a:bodyPr/>
           <a:lstStyle/>
           <a:p>
-            <a:r>
-              <a:rPr lang="en-US" dirty="0"/>
-              <a:t>Environmental factors that affect fur color</a:t>
-            </a:r>
-          </a:p>
-          <a:p>
+            <a:fld id="{A52BEA90-E6BE-45F4-8D5D-C2E01FE3DBCB}" type="slidenum">
+              <a:rPr lang="en-US" smtClean="0"/>
+              <a:pPr/>
+              <a:t>8</a:t>
+            </a:fld>
             <a:endParaRPr lang="en-US" dirty="0"/>
           </a:p>
         </p:txBody>
       </p:sp>
-      <p:pic>
-        <p:nvPicPr>
-          <p:cNvPr id="7" name="Picture Placeholder 6" descr="Fox standing in field of snow">
-            <a:extLst>
-              <a:ext uri="{FF2B5EF4-FFF2-40B4-BE49-F238E27FC236}">
-                <a16:creationId xmlns:a16="http://schemas.microsoft.com/office/drawing/2014/main" id="{052F552C-2509-2A4A-B971-97339C647B5E}"/>
-              </a:ext>
-            </a:extLst>
-          </p:cNvPr>
-          <p:cNvPicPr>
-            <a:picLocks noGrp="1" noChangeAspect="1"/>
-          </p:cNvPicPr>
-          <p:nvPr>
-            <p:ph type="pic" sz="quarter" idx="4294967295"/>
-          </p:nvPr>
-        </p:nvPicPr>
-        <p:blipFill rotWithShape="1">
-          <a:blip r:embed="rId2">
-            <a:extLst>
-              <a:ext uri="{28A0092B-C50C-407E-A947-70E740481C1C}">
-                <a14:useLocalDpi xmlns:a14="http://schemas.microsoft.com/office/drawing/2010/main" val="0"/>
-              </a:ext>
-            </a:extLst>
-          </a:blip>
-          <a:srcRect/>
-          <a:stretch/>
-        </p:blipFill>
-        <p:spPr>
-          <a:xfrm flipH="1">
-            <a:off x="1597" y="2066538"/>
-            <a:ext cx="12188952" cy="4800603"/>
-          </a:xfrm>
-        </p:spPr>
-      </p:pic>
       <p:sp>
         <p:nvSpPr>
-          <p:cNvPr id="5" name="Text Placeholder 4">
-            <a:extLst>
-              <a:ext uri="{FF2B5EF4-FFF2-40B4-BE49-F238E27FC236}">
-                <a16:creationId xmlns:a16="http://schemas.microsoft.com/office/drawing/2014/main" id="{15A1BD6E-CB7C-1E4C-98ED-ABCC7B6DF936}"/>
-              </a:ext>
-            </a:extLst>
-          </p:cNvPr>
-          <p:cNvSpPr>
-            <a:spLocks noGrp="1"/>
-          </p:cNvSpPr>
-          <p:nvPr>
-            <p:ph type="body" sz="quarter" idx="10"/>
-          </p:nvPr>
+          <p:cNvPr id="5" name="TextBox 4">
+            <a:extLst>
+              <a:ext uri="{FF2B5EF4-FFF2-40B4-BE49-F238E27FC236}">
+                <a16:creationId xmlns:a16="http://schemas.microsoft.com/office/drawing/2014/main" id="{40ACF04A-B9E3-BCFD-73FA-35EDF0FCE5A3}"/>
+              </a:ext>
+            </a:extLst>
+          </p:cNvPr>
+          <p:cNvSpPr txBox="1"/>
+          <p:nvPr/>
         </p:nvSpPr>
         <p:spPr>
-          <a:solidFill>
-            <a:srgbClr val="262626">
-              <a:alpha val="50196"/>
-            </a:srgbClr>
-          </a:solidFill>
+          <a:xfrm>
+            <a:off x="718457" y="1586204"/>
+            <a:ext cx="10798790" cy="646331"/>
+          </a:xfrm>
+          <a:prstGeom prst="rect">
+            <a:avLst/>
+          </a:prstGeom>
+          <a:noFill/>
         </p:spPr>
         <p:txBody>
-          <a:bodyPr/>
+          <a:bodyPr wrap="none" rtlCol="0">
+            <a:spAutoFit/>
+          </a:bodyPr>
           <a:lstStyle/>
           <a:p>
-            <a:r>
-              <a:rPr lang="en-US" b="1" dirty="0"/>
-              <a:t>Hayden Cook</a:t>
-            </a:r>
-          </a:p>
-          <a:p>
-            <a:r>
-              <a:rPr lang="en-US" b="1" dirty="0"/>
-              <a:t>Quinn Campbell, Ph.D.</a:t>
-            </a:r>
-          </a:p>
-          <a:p>
-            <a:endParaRPr lang="en-US" b="1" dirty="0"/>
-          </a:p>
-          <a:p>
+            <a:pPr marL="342900" indent="-342900">
+              <a:buAutoNum type="arabicPeriod"/>
+            </a:pPr>
             <a:r>
               <a:rPr lang="en-US" dirty="0"/>
-              <a:t>Department of Biology</a:t>
-            </a:r>
-          </a:p>
-          <a:p>
+              <a:t>Frames within Videos and Slices within Frames to localize the anomaly – use attention over the slices</a:t>
+            </a:r>
+          </a:p>
+          <a:p>
+            <a:pPr marL="342900" indent="-342900">
+              <a:buAutoNum type="arabicPeriod"/>
+            </a:pPr>
             <a:r>
               <a:rPr lang="en-US" dirty="0"/>
-              <a:t>Jasper University</a:t>
-            </a:r>
-          </a:p>
-          <a:p>
-            <a:r>
-              <a:rPr lang="en-US" dirty="0"/>
-              <a:t>December 12, 2021</a:t>
+              <a:t>Integrate attention into the weakly supervised learning process</a:t>
             </a:r>
           </a:p>
         </p:txBody>
@@ -13638,7 +17485,7 @@
     </p:spTree>
     <p:extLst>
       <p:ext uri="{BB962C8B-B14F-4D97-AF65-F5344CB8AC3E}">
-        <p14:creationId xmlns:p14="http://schemas.microsoft.com/office/powerpoint/2010/main" val="1221784968"/>
+        <p14:creationId xmlns:p14="http://schemas.microsoft.com/office/powerpoint/2010/main" val="3196061417"/>
       </p:ext>
     </p:extLst>
   </p:cSld>
@@ -13667,10 +17514,10 @@
       </p:grpSpPr>
       <p:sp>
         <p:nvSpPr>
-          <p:cNvPr id="16" name="Title 15">
-            <a:extLst>
-              <a:ext uri="{FF2B5EF4-FFF2-40B4-BE49-F238E27FC236}">
-                <a16:creationId xmlns:a16="http://schemas.microsoft.com/office/drawing/2014/main" id="{31559193-D32B-DF46-A00E-90827C46EB39}"/>
+          <p:cNvPr id="2" name="Title 1">
+            <a:extLst>
+              <a:ext uri="{FF2B5EF4-FFF2-40B4-BE49-F238E27FC236}">
+                <a16:creationId xmlns:a16="http://schemas.microsoft.com/office/drawing/2014/main" id="{C5310572-A32F-5A03-C062-DC6D449151BF}"/>
               </a:ext>
             </a:extLst>
           </p:cNvPr>
@@ -13686,164 +17533,16 @@
           <a:bodyPr/>
           <a:lstStyle/>
           <a:p>
-            <a:r>
-              <a:rPr lang="en-US" dirty="0"/>
-              <a:t>Short summary of the presentation; </a:t>
-            </a:r>
-            <a:br>
-              <a:rPr lang="en-US" dirty="0"/>
-            </a:br>
-            <a:r>
-              <a:rPr lang="en-US" dirty="0"/>
-              <a:t>no longer than two lines​</a:t>
-            </a:r>
+            <a:endParaRPr lang="en-US"/>
           </a:p>
         </p:txBody>
       </p:sp>
       <p:sp>
         <p:nvSpPr>
-          <p:cNvPr id="33" name="Picture Placeholder 32" descr="Picture placeholder">
-            <a:extLst>
-              <a:ext uri="{FF2B5EF4-FFF2-40B4-BE49-F238E27FC236}">
-                <a16:creationId xmlns:a16="http://schemas.microsoft.com/office/drawing/2014/main" id="{09D3B286-EAC5-47B5-A210-B1418401BBFB}"/>
-              </a:ext>
-            </a:extLst>
-          </p:cNvPr>
-          <p:cNvSpPr>
-            <a:spLocks noGrp="1"/>
-          </p:cNvSpPr>
-          <p:nvPr>
-            <p:ph type="pic" sz="quarter" idx="32"/>
-          </p:nvPr>
-        </p:nvSpPr>
-        <p:spPr/>
-      </p:sp>
-      <p:sp>
-        <p:nvSpPr>
-          <p:cNvPr id="20" name="Text Placeholder 19">
-            <a:extLst>
-              <a:ext uri="{FF2B5EF4-FFF2-40B4-BE49-F238E27FC236}">
-                <a16:creationId xmlns:a16="http://schemas.microsoft.com/office/drawing/2014/main" id="{6C29D695-E04C-1A40-A4AC-7C58DA0EAFC7}"/>
-              </a:ext>
-            </a:extLst>
-          </p:cNvPr>
-          <p:cNvSpPr>
-            <a:spLocks noGrp="1"/>
-          </p:cNvSpPr>
-          <p:nvPr>
-            <p:ph type="body" sz="quarter" idx="35"/>
-          </p:nvPr>
-        </p:nvSpPr>
-        <p:spPr/>
-        <p:txBody>
-          <a:bodyPr/>
-          <a:lstStyle/>
-          <a:p>
-            <a:r>
-              <a:rPr lang="en-US" dirty="0"/>
-              <a:t>Title of section 1</a:t>
-            </a:r>
-          </a:p>
-        </p:txBody>
-      </p:sp>
-      <p:sp>
-        <p:nvSpPr>
-          <p:cNvPr id="34" name="Picture Placeholder 33" descr="Picture placeholder">
-            <a:extLst>
-              <a:ext uri="{FF2B5EF4-FFF2-40B4-BE49-F238E27FC236}">
-                <a16:creationId xmlns:a16="http://schemas.microsoft.com/office/drawing/2014/main" id="{EB32B436-E546-4A77-B5AC-DDFCE353FC0D}"/>
-              </a:ext>
-            </a:extLst>
-          </p:cNvPr>
-          <p:cNvSpPr>
-            <a:spLocks noGrp="1"/>
-          </p:cNvSpPr>
-          <p:nvPr>
-            <p:ph type="pic" sz="quarter" idx="33"/>
-          </p:nvPr>
-        </p:nvSpPr>
-        <p:spPr/>
-      </p:sp>
-      <p:sp>
-        <p:nvSpPr>
-          <p:cNvPr id="32" name="Text Placeholder 31">
-            <a:extLst>
-              <a:ext uri="{FF2B5EF4-FFF2-40B4-BE49-F238E27FC236}">
-                <a16:creationId xmlns:a16="http://schemas.microsoft.com/office/drawing/2014/main" id="{9F983F22-14BA-4187-AC39-8300E1DAAEDF}"/>
-              </a:ext>
-            </a:extLst>
-          </p:cNvPr>
-          <p:cNvSpPr>
-            <a:spLocks noGrp="1"/>
-          </p:cNvSpPr>
-          <p:nvPr>
-            <p:ph type="body" sz="quarter" idx="22"/>
-          </p:nvPr>
-        </p:nvSpPr>
-        <p:spPr/>
-        <p:txBody>
-          <a:bodyPr/>
-          <a:lstStyle/>
-          <a:p>
-            <a:r>
-              <a:rPr lang="en-US" dirty="0"/>
-              <a:t>Title of section 2</a:t>
-            </a:r>
-          </a:p>
-        </p:txBody>
-      </p:sp>
-      <p:sp>
-        <p:nvSpPr>
-          <p:cNvPr id="35" name="Picture Placeholder 34" descr="Picture placeholder">
-            <a:extLst>
-              <a:ext uri="{FF2B5EF4-FFF2-40B4-BE49-F238E27FC236}">
-                <a16:creationId xmlns:a16="http://schemas.microsoft.com/office/drawing/2014/main" id="{16A61ECF-116F-4ED3-A968-F294512A4568}"/>
-              </a:ext>
-            </a:extLst>
-          </p:cNvPr>
-          <p:cNvSpPr>
-            <a:spLocks noGrp="1"/>
-          </p:cNvSpPr>
-          <p:nvPr>
-            <p:ph type="pic" sz="quarter" idx="34"/>
-          </p:nvPr>
-        </p:nvSpPr>
-        <p:spPr/>
-      </p:sp>
-      <p:sp>
-        <p:nvSpPr>
-          <p:cNvPr id="22" name="Text Placeholder 21">
-            <a:extLst>
-              <a:ext uri="{FF2B5EF4-FFF2-40B4-BE49-F238E27FC236}">
-                <a16:creationId xmlns:a16="http://schemas.microsoft.com/office/drawing/2014/main" id="{40254CD8-6494-BE4F-9325-D9725283CB7A}"/>
-              </a:ext>
-            </a:extLst>
-          </p:cNvPr>
-          <p:cNvSpPr>
-            <a:spLocks noGrp="1"/>
-          </p:cNvSpPr>
-          <p:nvPr>
-            <p:ph type="body" sz="quarter" idx="36"/>
-          </p:nvPr>
-        </p:nvSpPr>
-        <p:spPr/>
-        <p:txBody>
-          <a:bodyPr/>
-          <a:lstStyle/>
-          <a:p>
-            <a:r>
-              <a:rPr lang="en-US" dirty="0"/>
-              <a:t>Title of section 3</a:t>
-            </a:r>
-          </a:p>
-        </p:txBody>
-      </p:sp>
-      <p:sp>
-        <p:nvSpPr>
-          <p:cNvPr id="2" name="Slide Number Placeholder 1">
-            <a:extLst>
-              <a:ext uri="{FF2B5EF4-FFF2-40B4-BE49-F238E27FC236}">
-                <a16:creationId xmlns:a16="http://schemas.microsoft.com/office/drawing/2014/main" id="{D9A1132A-859D-EB43-9E0E-7333329A72F6}"/>
+          <p:cNvPr id="4" name="Slide Number Placeholder 3">
+            <a:extLst>
+              <a:ext uri="{FF2B5EF4-FFF2-40B4-BE49-F238E27FC236}">
+                <a16:creationId xmlns:a16="http://schemas.microsoft.com/office/drawing/2014/main" id="{1620EC86-4D49-8813-7972-8B35A62A5390}"/>
               </a:ext>
             </a:extLst>
           </p:cNvPr>
@@ -13868,10 +17567,40 @@
           </a:p>
         </p:txBody>
       </p:sp>
+      <p:pic>
+        <p:nvPicPr>
+          <p:cNvPr id="6" name="Picture 5">
+            <a:extLst>
+              <a:ext uri="{FF2B5EF4-FFF2-40B4-BE49-F238E27FC236}">
+                <a16:creationId xmlns:a16="http://schemas.microsoft.com/office/drawing/2014/main" id="{57A5588F-139B-1F0E-0630-198750F1ECEE}"/>
+              </a:ext>
+            </a:extLst>
+          </p:cNvPr>
+          <p:cNvPicPr>
+            <a:picLocks noChangeAspect="1"/>
+          </p:cNvPicPr>
+          <p:nvPr/>
+        </p:nvPicPr>
+        <p:blipFill>
+          <a:blip r:embed="rId2"/>
+          <a:stretch>
+            <a:fillRect/>
+          </a:stretch>
+        </p:blipFill>
+        <p:spPr>
+          <a:xfrm>
+            <a:off x="1020303" y="1090474"/>
+            <a:ext cx="8961897" cy="5265876"/>
+          </a:xfrm>
+          <a:prstGeom prst="rect">
+            <a:avLst/>
+          </a:prstGeom>
+        </p:spPr>
+      </p:pic>
     </p:spTree>
     <p:extLst>
       <p:ext uri="{BB962C8B-B14F-4D97-AF65-F5344CB8AC3E}">
-        <p14:creationId xmlns:p14="http://schemas.microsoft.com/office/powerpoint/2010/main" val="974409820"/>
+        <p14:creationId xmlns:p14="http://schemas.microsoft.com/office/powerpoint/2010/main" val="3732698028"/>
       </p:ext>
     </p:extLst>
   </p:cSld>
